--- a/final-project/slides/Digital Annealer.pptx
+++ b/final-project/slides/Digital Annealer.pptx
@@ -5,7 +5,7 @@
     <p:sldMasterId id="2147483660" r:id="rId1"/>
   </p:sldMasterIdLst>
   <p:notesMasterIdLst>
-    <p:notesMasterId r:id="rId31"/>
+    <p:notesMasterId r:id="rId38"/>
   </p:notesMasterIdLst>
   <p:sldIdLst>
     <p:sldId id="256" r:id="rId2"/>
@@ -24,19 +24,26 @@
     <p:sldId id="473" r:id="rId15"/>
     <p:sldId id="474" r:id="rId16"/>
     <p:sldId id="478" r:id="rId17"/>
-    <p:sldId id="479" r:id="rId18"/>
+    <p:sldId id="506" r:id="rId18"/>
     <p:sldId id="404" r:id="rId19"/>
-    <p:sldId id="411" r:id="rId20"/>
-    <p:sldId id="484" r:id="rId21"/>
-    <p:sldId id="487" r:id="rId22"/>
-    <p:sldId id="488" r:id="rId23"/>
-    <p:sldId id="489" r:id="rId24"/>
-    <p:sldId id="490" r:id="rId25"/>
-    <p:sldId id="426" r:id="rId26"/>
-    <p:sldId id="455" r:id="rId27"/>
-    <p:sldId id="443" r:id="rId28"/>
-    <p:sldId id="486" r:id="rId29"/>
-    <p:sldId id="377" r:id="rId30"/>
+    <p:sldId id="491" r:id="rId20"/>
+    <p:sldId id="492" r:id="rId21"/>
+    <p:sldId id="497" r:id="rId22"/>
+    <p:sldId id="489" r:id="rId23"/>
+    <p:sldId id="504" r:id="rId24"/>
+    <p:sldId id="505" r:id="rId25"/>
+    <p:sldId id="493" r:id="rId26"/>
+    <p:sldId id="494" r:id="rId27"/>
+    <p:sldId id="495" r:id="rId28"/>
+    <p:sldId id="496" r:id="rId29"/>
+    <p:sldId id="500" r:id="rId30"/>
+    <p:sldId id="488" r:id="rId31"/>
+    <p:sldId id="499" r:id="rId32"/>
+    <p:sldId id="503" r:id="rId33"/>
+    <p:sldId id="455" r:id="rId34"/>
+    <p:sldId id="443" r:id="rId35"/>
+    <p:sldId id="486" r:id="rId36"/>
+    <p:sldId id="377" r:id="rId37"/>
   </p:sldIdLst>
   <p:sldSz cx="9144000" cy="6858000" type="screen4x3"/>
   <p:notesSz cx="6858000" cy="9144000"/>
@@ -136,6 +143,58 @@
     </a:lvl9pPr>
   </p:defaultTextStyle>
   <p:extLst>
+    <p:ext uri="{521415D9-36F7-43E2-AB2F-B90AF26B5E84}">
+      <p14:sectionLst xmlns:p14="http://schemas.microsoft.com/office/powerpoint/2010/main">
+        <p14:section name="預設章節" id="{CD81E29E-85C2-4F92-A3F1-91E770CF334A}">
+          <p14:sldIdLst>
+            <p14:sldId id="256"/>
+            <p14:sldId id="427"/>
+          </p14:sldIdLst>
+        </p14:section>
+        <p14:section name="Introduction" id="{4D41C98F-5060-45A4-80EB-F67FA5728495}">
+          <p14:sldIdLst>
+            <p14:sldId id="398"/>
+            <p14:sldId id="428"/>
+            <p14:sldId id="431"/>
+            <p14:sldId id="449"/>
+            <p14:sldId id="434"/>
+            <p14:sldId id="454"/>
+            <p14:sldId id="468"/>
+            <p14:sldId id="469"/>
+            <p14:sldId id="470"/>
+            <p14:sldId id="471"/>
+            <p14:sldId id="472"/>
+            <p14:sldId id="473"/>
+            <p14:sldId id="474"/>
+            <p14:sldId id="478"/>
+            <p14:sldId id="506"/>
+          </p14:sldIdLst>
+        </p14:section>
+        <p14:section name="HLS" id="{FF6554B0-B923-466E-A786-9633AAA36796}">
+          <p14:sldIdLst>
+            <p14:sldId id="404"/>
+            <p14:sldId id="491"/>
+            <p14:sldId id="492"/>
+            <p14:sldId id="497"/>
+            <p14:sldId id="489"/>
+            <p14:sldId id="504"/>
+            <p14:sldId id="505"/>
+            <p14:sldId id="493"/>
+            <p14:sldId id="494"/>
+            <p14:sldId id="495"/>
+            <p14:sldId id="496"/>
+            <p14:sldId id="500"/>
+            <p14:sldId id="488"/>
+            <p14:sldId id="499"/>
+            <p14:sldId id="503"/>
+            <p14:sldId id="455"/>
+            <p14:sldId id="443"/>
+            <p14:sldId id="486"/>
+            <p14:sldId id="377"/>
+          </p14:sldIdLst>
+        </p14:section>
+      </p14:sectionLst>
+    </p:ext>
     <p:ext uri="{EFAFB233-063F-42B5-8137-9DF3F51BA10A}">
       <p15:sldGuideLst xmlns:p15="http://schemas.microsoft.com/office/powerpoint/2012/main">
         <p15:guide id="1" orient="horz" pos="2160">
@@ -152,1096 +211,6 @@
     </p:ext>
   </p:extLst>
 </p:presentation>
-</file>
-
-<file path=ppt/charts/chart1.xml><?xml version="1.0" encoding="utf-8"?>
-<c:chartSpace xmlns:c="http://schemas.openxmlformats.org/drawingml/2006/chart" xmlns:a="http://schemas.openxmlformats.org/drawingml/2006/main" xmlns:r="http://schemas.openxmlformats.org/officeDocument/2006/relationships" xmlns:c16r2="http://schemas.microsoft.com/office/drawing/2015/06/chart">
-  <c:date1904 val="0"/>
-  <c:lang val="zh-TW"/>
-  <c:roundedCorners val="0"/>
-  <mc:AlternateContent xmlns:mc="http://schemas.openxmlformats.org/markup-compatibility/2006">
-    <mc:Choice xmlns:c14="http://schemas.microsoft.com/office/drawing/2007/8/2/chart" Requires="c14">
-      <c14:style val="102"/>
-    </mc:Choice>
-    <mc:Fallback>
-      <c:style val="2"/>
-    </mc:Fallback>
-  </mc:AlternateContent>
-  <c:chart>
-    <c:autoTitleDeleted val="1"/>
-    <c:plotArea>
-      <c:layout/>
-      <c:scatterChart>
-        <c:scatterStyle val="lineMarker"/>
-        <c:varyColors val="0"/>
-        <c:ser>
-          <c:idx val="0"/>
-          <c:order val="0"/>
-          <c:spPr>
-            <a:ln w="19050" cap="rnd">
-              <a:noFill/>
-              <a:round/>
-            </a:ln>
-            <a:effectLst/>
-          </c:spPr>
-          <c:marker>
-            <c:symbol val="circle"/>
-            <c:size val="5"/>
-            <c:spPr>
-              <a:solidFill>
-                <a:schemeClr val="accent1"/>
-              </a:solidFill>
-              <a:ln w="9525">
-                <a:solidFill>
-                  <a:schemeClr val="accent1"/>
-                </a:solidFill>
-              </a:ln>
-              <a:effectLst/>
-            </c:spPr>
-          </c:marker>
-          <c:dLbls>
-            <c:dLbl>
-              <c:idx val="0"/>
-              <c:layout/>
-              <c:tx>
-                <c:rich>
-                  <a:bodyPr/>
-                  <a:lstStyle/>
-                  <a:p>
-                    <a:fld id="{945E3EFF-CD03-4EA7-B5C9-12D5B4826A5A}" type="CELLRANGE">
-                      <a:rPr lang="en-US" altLang="zh-TW"/>
-                      <a:pPr/>
-                      <a:t>[CELLRANGE]</a:t>
-                    </a:fld>
-                    <a:endParaRPr lang="zh-TW" altLang="en-US"/>
-                  </a:p>
-                </c:rich>
-              </c:tx>
-              <c:dLblPos val="t"/>
-              <c:showLegendKey val="0"/>
-              <c:showVal val="0"/>
-              <c:showCatName val="0"/>
-              <c:showSerName val="0"/>
-              <c:showPercent val="0"/>
-              <c:showBubbleSize val="0"/>
-              <c:extLst>
-                <c:ext xmlns:c15="http://schemas.microsoft.com/office/drawing/2012/chart" uri="{CE6537A1-D6FC-4f65-9D91-7224C49458BB}">
-                  <c15:layout/>
-                  <c15:dlblFieldTable/>
-                  <c15:showDataLabelsRange val="1"/>
-                </c:ext>
-                <c:ext xmlns:c16="http://schemas.microsoft.com/office/drawing/2014/chart" uri="{C3380CC4-5D6E-409C-BE32-E72D297353CC}">
-                  <c16:uniqueId val="{00000000-0928-4B3D-B620-3CA8372D9018}"/>
-                </c:ext>
-              </c:extLst>
-            </c:dLbl>
-            <c:dLbl>
-              <c:idx val="1"/>
-              <c:layout/>
-              <c:tx>
-                <c:rich>
-                  <a:bodyPr/>
-                  <a:lstStyle/>
-                  <a:p>
-                    <a:fld id="{88575144-F654-4EEF-8769-5AE648B2797E}" type="CELLRANGE">
-                      <a:rPr lang="zh-TW" altLang="en-US"/>
-                      <a:pPr/>
-                      <a:t>[CELLRANGE]</a:t>
-                    </a:fld>
-                    <a:endParaRPr lang="zh-TW" altLang="en-US"/>
-                  </a:p>
-                </c:rich>
-              </c:tx>
-              <c:dLblPos val="t"/>
-              <c:showLegendKey val="0"/>
-              <c:showVal val="0"/>
-              <c:showCatName val="0"/>
-              <c:showSerName val="0"/>
-              <c:showPercent val="0"/>
-              <c:showBubbleSize val="0"/>
-              <c:extLst>
-                <c:ext xmlns:c15="http://schemas.microsoft.com/office/drawing/2012/chart" uri="{CE6537A1-D6FC-4f65-9D91-7224C49458BB}">
-                  <c15:layout/>
-                  <c15:dlblFieldTable/>
-                  <c15:xForSave val="1"/>
-                  <c15:showDataLabelsRange val="1"/>
-                </c:ext>
-                <c:ext xmlns:c16="http://schemas.microsoft.com/office/drawing/2014/chart" uri="{C3380CC4-5D6E-409C-BE32-E72D297353CC}">
-                  <c16:uniqueId val="{00000001-0928-4B3D-B620-3CA8372D9018}"/>
-                </c:ext>
-              </c:extLst>
-            </c:dLbl>
-            <c:dLbl>
-              <c:idx val="2"/>
-              <c:layout/>
-              <c:tx>
-                <c:rich>
-                  <a:bodyPr/>
-                  <a:lstStyle/>
-                  <a:p>
-                    <a:fld id="{0B31288B-3696-4025-9766-8F9485570004}" type="CELLRANGE">
-                      <a:rPr lang="zh-TW" altLang="en-US"/>
-                      <a:pPr/>
-                      <a:t>[CELLRANGE]</a:t>
-                    </a:fld>
-                    <a:endParaRPr lang="zh-TW" altLang="en-US"/>
-                  </a:p>
-                </c:rich>
-              </c:tx>
-              <c:dLblPos val="t"/>
-              <c:showLegendKey val="0"/>
-              <c:showVal val="0"/>
-              <c:showCatName val="0"/>
-              <c:showSerName val="0"/>
-              <c:showPercent val="0"/>
-              <c:showBubbleSize val="0"/>
-              <c:extLst>
-                <c:ext xmlns:c15="http://schemas.microsoft.com/office/drawing/2012/chart" uri="{CE6537A1-D6FC-4f65-9D91-7224C49458BB}">
-                  <c15:layout/>
-                  <c15:dlblFieldTable/>
-                  <c15:xForSave val="1"/>
-                  <c15:showDataLabelsRange val="1"/>
-                </c:ext>
-                <c:ext xmlns:c16="http://schemas.microsoft.com/office/drawing/2014/chart" uri="{C3380CC4-5D6E-409C-BE32-E72D297353CC}">
-                  <c16:uniqueId val="{00000002-0928-4B3D-B620-3CA8372D9018}"/>
-                </c:ext>
-              </c:extLst>
-            </c:dLbl>
-            <c:dLbl>
-              <c:idx val="3"/>
-              <c:layout/>
-              <c:tx>
-                <c:rich>
-                  <a:bodyPr/>
-                  <a:lstStyle/>
-                  <a:p>
-                    <a:fld id="{E645E580-D6F8-46D2-B038-BD2E645FA5B0}" type="CELLRANGE">
-                      <a:rPr lang="zh-TW" altLang="en-US"/>
-                      <a:pPr/>
-                      <a:t>[CELLRANGE]</a:t>
-                    </a:fld>
-                    <a:endParaRPr lang="zh-TW" altLang="en-US"/>
-                  </a:p>
-                </c:rich>
-              </c:tx>
-              <c:dLblPos val="t"/>
-              <c:showLegendKey val="0"/>
-              <c:showVal val="0"/>
-              <c:showCatName val="0"/>
-              <c:showSerName val="0"/>
-              <c:showPercent val="0"/>
-              <c:showBubbleSize val="0"/>
-              <c:extLst>
-                <c:ext xmlns:c15="http://schemas.microsoft.com/office/drawing/2012/chart" uri="{CE6537A1-D6FC-4f65-9D91-7224C49458BB}">
-                  <c15:layout/>
-                  <c15:dlblFieldTable/>
-                  <c15:xForSave val="1"/>
-                  <c15:showDataLabelsRange val="1"/>
-                </c:ext>
-                <c:ext xmlns:c16="http://schemas.microsoft.com/office/drawing/2014/chart" uri="{C3380CC4-5D6E-409C-BE32-E72D297353CC}">
-                  <c16:uniqueId val="{00000003-0928-4B3D-B620-3CA8372D9018}"/>
-                </c:ext>
-              </c:extLst>
-            </c:dLbl>
-            <c:dLbl>
-              <c:idx val="4"/>
-              <c:layout/>
-              <c:tx>
-                <c:rich>
-                  <a:bodyPr/>
-                  <a:lstStyle/>
-                  <a:p>
-                    <a:fld id="{056996CD-176A-41B2-93B1-71ED13236C39}" type="CELLRANGE">
-                      <a:rPr lang="zh-TW" altLang="en-US"/>
-                      <a:pPr/>
-                      <a:t>[CELLRANGE]</a:t>
-                    </a:fld>
-                    <a:endParaRPr lang="zh-TW" altLang="en-US"/>
-                  </a:p>
-                </c:rich>
-              </c:tx>
-              <c:dLblPos val="t"/>
-              <c:showLegendKey val="0"/>
-              <c:showVal val="0"/>
-              <c:showCatName val="0"/>
-              <c:showSerName val="0"/>
-              <c:showPercent val="0"/>
-              <c:showBubbleSize val="0"/>
-              <c:extLst>
-                <c:ext xmlns:c15="http://schemas.microsoft.com/office/drawing/2012/chart" uri="{CE6537A1-D6FC-4f65-9D91-7224C49458BB}">
-                  <c15:layout/>
-                  <c15:dlblFieldTable/>
-                  <c15:xForSave val="1"/>
-                  <c15:showDataLabelsRange val="1"/>
-                </c:ext>
-                <c:ext xmlns:c16="http://schemas.microsoft.com/office/drawing/2014/chart" uri="{C3380CC4-5D6E-409C-BE32-E72D297353CC}">
-                  <c16:uniqueId val="{00000004-0928-4B3D-B620-3CA8372D9018}"/>
-                </c:ext>
-              </c:extLst>
-            </c:dLbl>
-            <c:spPr>
-              <a:noFill/>
-              <a:ln>
-                <a:noFill/>
-              </a:ln>
-              <a:effectLst/>
-            </c:spPr>
-            <c:txPr>
-              <a:bodyPr rot="0" spcFirstLastPara="1" vertOverflow="ellipsis" vert="horz" wrap="square" lIns="38100" tIns="19050" rIns="38100" bIns="19050" anchor="ctr" anchorCtr="1">
-                <a:spAutoFit/>
-              </a:bodyPr>
-              <a:lstStyle/>
-              <a:p>
-                <a:pPr>
-                  <a:defRPr sz="900" b="0" i="0" u="none" strike="noStrike" kern="1200" baseline="0">
-                    <a:solidFill>
-                      <a:schemeClr val="tx1">
-                        <a:lumMod val="75000"/>
-                        <a:lumOff val="25000"/>
-                      </a:schemeClr>
-                    </a:solidFill>
-                    <a:latin typeface="+mn-lt"/>
-                    <a:ea typeface="+mn-ea"/>
-                    <a:cs typeface="+mn-cs"/>
-                  </a:defRPr>
-                </a:pPr>
-                <a:endParaRPr lang="zh-TW"/>
-              </a:p>
-            </c:txPr>
-            <c:dLblPos val="t"/>
-            <c:showLegendKey val="0"/>
-            <c:showVal val="0"/>
-            <c:showCatName val="0"/>
-            <c:showSerName val="0"/>
-            <c:showPercent val="0"/>
-            <c:showBubbleSize val="0"/>
-            <c:showLeaderLines val="0"/>
-            <c:extLst>
-              <c:ext xmlns:c15="http://schemas.microsoft.com/office/drawing/2012/chart" uri="{CE6537A1-D6FC-4f65-9D91-7224C49458BB}">
-                <c15:layout/>
-                <c15:showDataLabelsRange val="1"/>
-                <c15:showLeaderLines val="1"/>
-                <c15:leaderLines>
-                  <c:spPr>
-                    <a:ln w="9525" cap="flat" cmpd="sng" algn="ctr">
-                      <a:solidFill>
-                        <a:schemeClr val="tx1">
-                          <a:lumMod val="35000"/>
-                          <a:lumOff val="65000"/>
-                        </a:schemeClr>
-                      </a:solidFill>
-                      <a:round/>
-                    </a:ln>
-                    <a:effectLst/>
-                  </c:spPr>
-                </c15:leaderLines>
-              </c:ext>
-            </c:extLst>
-          </c:dLbls>
-          <c:xVal>
-            <c:numRef>
-              <c:f>工作表1!$B$1:$B$5</c:f>
-              <c:numCache>
-                <c:formatCode>General</c:formatCode>
-                <c:ptCount val="5"/>
-                <c:pt idx="0">
-                  <c:v>0</c:v>
-                </c:pt>
-                <c:pt idx="1">
-                  <c:v>1</c:v>
-                </c:pt>
-                <c:pt idx="2">
-                  <c:v>2</c:v>
-                </c:pt>
-                <c:pt idx="3">
-                  <c:v>1</c:v>
-                </c:pt>
-                <c:pt idx="4">
-                  <c:v>0</c:v>
-                </c:pt>
-              </c:numCache>
-            </c:numRef>
-          </c:xVal>
-          <c:yVal>
-            <c:numRef>
-              <c:f>工作表1!$C$1:$C$5</c:f>
-              <c:numCache>
-                <c:formatCode>General</c:formatCode>
-                <c:ptCount val="5"/>
-                <c:pt idx="0">
-                  <c:v>0</c:v>
-                </c:pt>
-                <c:pt idx="1">
-                  <c:v>0</c:v>
-                </c:pt>
-                <c:pt idx="2">
-                  <c:v>0.2</c:v>
-                </c:pt>
-                <c:pt idx="3">
-                  <c:v>1</c:v>
-                </c:pt>
-                <c:pt idx="4">
-                  <c:v>1</c:v>
-                </c:pt>
-              </c:numCache>
-            </c:numRef>
-          </c:yVal>
-          <c:smooth val="0"/>
-          <c:extLst>
-            <c:ext xmlns:c15="http://schemas.microsoft.com/office/drawing/2012/chart" uri="{02D57815-91ED-43cb-92C2-25804820EDAC}">
-              <c15:datalabelsRange>
-                <c15:f>工作表1!$A$1:$A$5</c15:f>
-                <c15:dlblRangeCache>
-                  <c:ptCount val="5"/>
-                  <c:pt idx="0">
-                    <c:v>A</c:v>
-                  </c:pt>
-                  <c:pt idx="1">
-                    <c:v>B</c:v>
-                  </c:pt>
-                  <c:pt idx="2">
-                    <c:v>C</c:v>
-                  </c:pt>
-                  <c:pt idx="3">
-                    <c:v>D</c:v>
-                  </c:pt>
-                  <c:pt idx="4">
-                    <c:v>E</c:v>
-                  </c:pt>
-                </c15:dlblRangeCache>
-              </c15:datalabelsRange>
-            </c:ext>
-            <c:ext xmlns:c16="http://schemas.microsoft.com/office/drawing/2014/chart" uri="{C3380CC4-5D6E-409C-BE32-E72D297353CC}">
-              <c16:uniqueId val="{00000005-0928-4B3D-B620-3CA8372D9018}"/>
-            </c:ext>
-          </c:extLst>
-        </c:ser>
-        <c:dLbls>
-          <c:showLegendKey val="0"/>
-          <c:showVal val="0"/>
-          <c:showCatName val="0"/>
-          <c:showSerName val="0"/>
-          <c:showPercent val="0"/>
-          <c:showBubbleSize val="0"/>
-        </c:dLbls>
-        <c:axId val="1943931967"/>
-        <c:axId val="1943932383"/>
-      </c:scatterChart>
-      <c:valAx>
-        <c:axId val="1943931967"/>
-        <c:scaling>
-          <c:orientation val="minMax"/>
-        </c:scaling>
-        <c:delete val="0"/>
-        <c:axPos val="b"/>
-        <c:majorGridlines>
-          <c:spPr>
-            <a:ln w="9525" cap="flat" cmpd="sng" algn="ctr">
-              <a:solidFill>
-                <a:schemeClr val="tx1">
-                  <a:lumMod val="15000"/>
-                  <a:lumOff val="85000"/>
-                </a:schemeClr>
-              </a:solidFill>
-              <a:round/>
-            </a:ln>
-            <a:effectLst/>
-          </c:spPr>
-        </c:majorGridlines>
-        <c:numFmt formatCode="General" sourceLinked="1"/>
-        <c:majorTickMark val="none"/>
-        <c:minorTickMark val="none"/>
-        <c:tickLblPos val="nextTo"/>
-        <c:spPr>
-          <a:noFill/>
-          <a:ln w="9525" cap="flat" cmpd="sng" algn="ctr">
-            <a:solidFill>
-              <a:schemeClr val="tx1">
-                <a:lumMod val="25000"/>
-                <a:lumOff val="75000"/>
-              </a:schemeClr>
-            </a:solidFill>
-            <a:round/>
-          </a:ln>
-          <a:effectLst/>
-        </c:spPr>
-        <c:txPr>
-          <a:bodyPr rot="-60000000" spcFirstLastPara="1" vertOverflow="ellipsis" vert="horz" wrap="square" anchor="ctr" anchorCtr="1"/>
-          <a:lstStyle/>
-          <a:p>
-            <a:pPr>
-              <a:defRPr sz="900" b="0" i="0" u="none" strike="noStrike" kern="1200" baseline="0">
-                <a:solidFill>
-                  <a:schemeClr val="tx1">
-                    <a:lumMod val="65000"/>
-                    <a:lumOff val="35000"/>
-                  </a:schemeClr>
-                </a:solidFill>
-                <a:latin typeface="+mn-lt"/>
-                <a:ea typeface="+mn-ea"/>
-                <a:cs typeface="+mn-cs"/>
-              </a:defRPr>
-            </a:pPr>
-            <a:endParaRPr lang="zh-TW"/>
-          </a:p>
-        </c:txPr>
-        <c:crossAx val="1943932383"/>
-        <c:crosses val="autoZero"/>
-        <c:crossBetween val="midCat"/>
-      </c:valAx>
-      <c:valAx>
-        <c:axId val="1943932383"/>
-        <c:scaling>
-          <c:orientation val="minMax"/>
-        </c:scaling>
-        <c:delete val="0"/>
-        <c:axPos val="l"/>
-        <c:majorGridlines>
-          <c:spPr>
-            <a:ln w="9525" cap="flat" cmpd="sng" algn="ctr">
-              <a:solidFill>
-                <a:schemeClr val="tx1">
-                  <a:lumMod val="15000"/>
-                  <a:lumOff val="85000"/>
-                </a:schemeClr>
-              </a:solidFill>
-              <a:round/>
-            </a:ln>
-            <a:effectLst/>
-          </c:spPr>
-        </c:majorGridlines>
-        <c:numFmt formatCode="General" sourceLinked="1"/>
-        <c:majorTickMark val="none"/>
-        <c:minorTickMark val="none"/>
-        <c:tickLblPos val="nextTo"/>
-        <c:spPr>
-          <a:noFill/>
-          <a:ln w="9525" cap="flat" cmpd="sng" algn="ctr">
-            <a:solidFill>
-              <a:schemeClr val="tx1">
-                <a:lumMod val="25000"/>
-                <a:lumOff val="75000"/>
-              </a:schemeClr>
-            </a:solidFill>
-            <a:round/>
-          </a:ln>
-          <a:effectLst/>
-        </c:spPr>
-        <c:txPr>
-          <a:bodyPr rot="-60000000" spcFirstLastPara="1" vertOverflow="ellipsis" vert="horz" wrap="square" anchor="ctr" anchorCtr="1"/>
-          <a:lstStyle/>
-          <a:p>
-            <a:pPr>
-              <a:defRPr sz="900" b="0" i="0" u="none" strike="noStrike" kern="1200" baseline="0">
-                <a:solidFill>
-                  <a:schemeClr val="tx1">
-                    <a:lumMod val="65000"/>
-                    <a:lumOff val="35000"/>
-                  </a:schemeClr>
-                </a:solidFill>
-                <a:latin typeface="+mn-lt"/>
-                <a:ea typeface="+mn-ea"/>
-                <a:cs typeface="+mn-cs"/>
-              </a:defRPr>
-            </a:pPr>
-            <a:endParaRPr lang="zh-TW"/>
-          </a:p>
-        </c:txPr>
-        <c:crossAx val="1943931967"/>
-        <c:crosses val="autoZero"/>
-        <c:crossBetween val="midCat"/>
-      </c:valAx>
-      <c:spPr>
-        <a:solidFill>
-          <a:sysClr val="window" lastClr="FFFFFF"/>
-        </a:solidFill>
-        <a:ln>
-          <a:noFill/>
-        </a:ln>
-        <a:effectLst/>
-      </c:spPr>
-    </c:plotArea>
-    <c:plotVisOnly val="1"/>
-    <c:dispBlanksAs val="gap"/>
-    <c:showDLblsOverMax val="0"/>
-  </c:chart>
-  <c:spPr>
-    <a:noFill/>
-    <a:ln>
-      <a:noFill/>
-    </a:ln>
-    <a:effectLst/>
-  </c:spPr>
-  <c:txPr>
-    <a:bodyPr/>
-    <a:lstStyle/>
-    <a:p>
-      <a:pPr>
-        <a:defRPr/>
-      </a:pPr>
-      <a:endParaRPr lang="zh-TW"/>
-    </a:p>
-  </c:txPr>
-  <c:externalData r:id="rId3">
-    <c:autoUpdate val="0"/>
-  </c:externalData>
-</c:chartSpace>
-</file>
-
-<file path=ppt/charts/colors1.xml><?xml version="1.0" encoding="utf-8"?>
-<cs:colorStyle xmlns:cs="http://schemas.microsoft.com/office/drawing/2012/chartStyle" xmlns:a="http://schemas.openxmlformats.org/drawingml/2006/main" meth="cycle" id="10">
-  <a:schemeClr val="accent1"/>
-  <a:schemeClr val="accent2"/>
-  <a:schemeClr val="accent3"/>
-  <a:schemeClr val="accent4"/>
-  <a:schemeClr val="accent5"/>
-  <a:schemeClr val="accent6"/>
-  <cs:variation/>
-  <cs:variation>
-    <a:lumMod val="60000"/>
-  </cs:variation>
-  <cs:variation>
-    <a:lumMod val="80000"/>
-    <a:lumOff val="20000"/>
-  </cs:variation>
-  <cs:variation>
-    <a:lumMod val="80000"/>
-  </cs:variation>
-  <cs:variation>
-    <a:lumMod val="60000"/>
-    <a:lumOff val="40000"/>
-  </cs:variation>
-  <cs:variation>
-    <a:lumMod val="50000"/>
-  </cs:variation>
-  <cs:variation>
-    <a:lumMod val="70000"/>
-    <a:lumOff val="30000"/>
-  </cs:variation>
-  <cs:variation>
-    <a:lumMod val="70000"/>
-  </cs:variation>
-  <cs:variation>
-    <a:lumMod val="50000"/>
-    <a:lumOff val="50000"/>
-  </cs:variation>
-</cs:colorStyle>
-</file>
-
-<file path=ppt/charts/style1.xml><?xml version="1.0" encoding="utf-8"?>
-<cs:chartStyle xmlns:cs="http://schemas.microsoft.com/office/drawing/2012/chartStyle" xmlns:a="http://schemas.openxmlformats.org/drawingml/2006/main" id="240">
-  <cs:axisTitle>
-    <cs:lnRef idx="0"/>
-    <cs:fillRef idx="0"/>
-    <cs:effectRef idx="0"/>
-    <cs:fontRef idx="minor">
-      <a:schemeClr val="tx1">
-        <a:lumMod val="65000"/>
-        <a:lumOff val="35000"/>
-      </a:schemeClr>
-    </cs:fontRef>
-    <cs:defRPr sz="1000" kern="1200"/>
-  </cs:axisTitle>
-  <cs:categoryAxis>
-    <cs:lnRef idx="0"/>
-    <cs:fillRef idx="0"/>
-    <cs:effectRef idx="0"/>
-    <cs:fontRef idx="minor">
-      <a:schemeClr val="tx1">
-        <a:lumMod val="65000"/>
-        <a:lumOff val="35000"/>
-      </a:schemeClr>
-    </cs:fontRef>
-    <cs:spPr>
-      <a:ln w="9525" cap="flat" cmpd="sng" algn="ctr">
-        <a:solidFill>
-          <a:schemeClr val="tx1">
-            <a:lumMod val="25000"/>
-            <a:lumOff val="75000"/>
-          </a:schemeClr>
-        </a:solidFill>
-        <a:round/>
-      </a:ln>
-    </cs:spPr>
-    <cs:defRPr sz="900" kern="1200"/>
-  </cs:categoryAxis>
-  <cs:chartArea mods="allowNoFillOverride allowNoLineOverride">
-    <cs:lnRef idx="0"/>
-    <cs:fillRef idx="0"/>
-    <cs:effectRef idx="0"/>
-    <cs:fontRef idx="minor">
-      <a:schemeClr val="tx1"/>
-    </cs:fontRef>
-    <cs:spPr>
-      <a:solidFill>
-        <a:schemeClr val="bg1"/>
-      </a:solidFill>
-      <a:ln w="9525" cap="flat" cmpd="sng" algn="ctr">
-        <a:solidFill>
-          <a:schemeClr val="tx1">
-            <a:lumMod val="15000"/>
-            <a:lumOff val="85000"/>
-          </a:schemeClr>
-        </a:solidFill>
-        <a:round/>
-      </a:ln>
-    </cs:spPr>
-    <cs:defRPr sz="1000" kern="1200"/>
-  </cs:chartArea>
-  <cs:dataLabel>
-    <cs:lnRef idx="0"/>
-    <cs:fillRef idx="0"/>
-    <cs:effectRef idx="0"/>
-    <cs:fontRef idx="minor">
-      <a:schemeClr val="tx1">
-        <a:lumMod val="75000"/>
-        <a:lumOff val="25000"/>
-      </a:schemeClr>
-    </cs:fontRef>
-    <cs:defRPr sz="900" kern="1200"/>
-  </cs:dataLabel>
-  <cs:dataLabelCallout>
-    <cs:lnRef idx="0"/>
-    <cs:fillRef idx="0"/>
-    <cs:effectRef idx="0"/>
-    <cs:fontRef idx="minor">
-      <a:schemeClr val="dk1">
-        <a:lumMod val="65000"/>
-        <a:lumOff val="35000"/>
-      </a:schemeClr>
-    </cs:fontRef>
-    <cs:spPr>
-      <a:solidFill>
-        <a:schemeClr val="lt1"/>
-      </a:solidFill>
-      <a:ln>
-        <a:solidFill>
-          <a:schemeClr val="dk1">
-            <a:lumMod val="25000"/>
-            <a:lumOff val="75000"/>
-          </a:schemeClr>
-        </a:solidFill>
-      </a:ln>
-    </cs:spPr>
-    <cs:defRPr sz="900" kern="1200"/>
-    <cs:bodyPr rot="0" spcFirstLastPara="1" vertOverflow="clip" horzOverflow="clip" vert="horz" wrap="square" lIns="36576" tIns="18288" rIns="36576" bIns="18288" anchor="ctr" anchorCtr="1">
-      <a:spAutoFit/>
-    </cs:bodyPr>
-  </cs:dataLabelCallout>
-  <cs:dataPoint>
-    <cs:lnRef idx="0"/>
-    <cs:fillRef idx="1">
-      <cs:styleClr val="auto"/>
-    </cs:fillRef>
-    <cs:effectRef idx="0"/>
-    <cs:fontRef idx="minor">
-      <a:schemeClr val="tx1"/>
-    </cs:fontRef>
-  </cs:dataPoint>
-  <cs:dataPoint3D>
-    <cs:lnRef idx="0"/>
-    <cs:fillRef idx="1">
-      <cs:styleClr val="auto"/>
-    </cs:fillRef>
-    <cs:effectRef idx="0"/>
-    <cs:fontRef idx="minor">
-      <a:schemeClr val="tx1"/>
-    </cs:fontRef>
-  </cs:dataPoint3D>
-  <cs:dataPointLine>
-    <cs:lnRef idx="0">
-      <cs:styleClr val="auto"/>
-    </cs:lnRef>
-    <cs:fillRef idx="1"/>
-    <cs:effectRef idx="0"/>
-    <cs:fontRef idx="minor">
-      <a:schemeClr val="tx1"/>
-    </cs:fontRef>
-    <cs:spPr>
-      <a:ln w="19050" cap="rnd">
-        <a:solidFill>
-          <a:schemeClr val="phClr"/>
-        </a:solidFill>
-        <a:round/>
-      </a:ln>
-    </cs:spPr>
-  </cs:dataPointLine>
-  <cs:dataPointMarker>
-    <cs:lnRef idx="0">
-      <cs:styleClr val="auto"/>
-    </cs:lnRef>
-    <cs:fillRef idx="1">
-      <cs:styleClr val="auto"/>
-    </cs:fillRef>
-    <cs:effectRef idx="0"/>
-    <cs:fontRef idx="minor">
-      <a:schemeClr val="tx1"/>
-    </cs:fontRef>
-    <cs:spPr>
-      <a:ln w="9525">
-        <a:solidFill>
-          <a:schemeClr val="phClr"/>
-        </a:solidFill>
-      </a:ln>
-    </cs:spPr>
-  </cs:dataPointMarker>
-  <cs:dataPointMarkerLayout symbol="circle" size="5"/>
-  <cs:dataPointWireframe>
-    <cs:lnRef idx="0">
-      <cs:styleClr val="auto"/>
-    </cs:lnRef>
-    <cs:fillRef idx="0"/>
-    <cs:effectRef idx="0"/>
-    <cs:fontRef idx="minor">
-      <a:schemeClr val="dk1"/>
-    </cs:fontRef>
-    <cs:spPr>
-      <a:ln w="9525" cap="rnd">
-        <a:solidFill>
-          <a:schemeClr val="phClr"/>
-        </a:solidFill>
-        <a:round/>
-      </a:ln>
-    </cs:spPr>
-  </cs:dataPointWireframe>
-  <cs:dataTable>
-    <cs:lnRef idx="0"/>
-    <cs:fillRef idx="0"/>
-    <cs:effectRef idx="0"/>
-    <cs:fontRef idx="minor">
-      <a:schemeClr val="tx1">
-        <a:lumMod val="65000"/>
-        <a:lumOff val="35000"/>
-      </a:schemeClr>
-    </cs:fontRef>
-    <cs:spPr>
-      <a:noFill/>
-      <a:ln w="9525" cap="flat" cmpd="sng" algn="ctr">
-        <a:solidFill>
-          <a:schemeClr val="tx1">
-            <a:lumMod val="15000"/>
-            <a:lumOff val="85000"/>
-          </a:schemeClr>
-        </a:solidFill>
-        <a:round/>
-      </a:ln>
-    </cs:spPr>
-    <cs:defRPr sz="900" kern="1200"/>
-  </cs:dataTable>
-  <cs:downBar>
-    <cs:lnRef idx="0"/>
-    <cs:fillRef idx="0"/>
-    <cs:effectRef idx="0"/>
-    <cs:fontRef idx="minor">
-      <a:schemeClr val="tx1"/>
-    </cs:fontRef>
-    <cs:spPr>
-      <a:solidFill>
-        <a:schemeClr val="dk1">
-          <a:lumMod val="75000"/>
-          <a:lumOff val="25000"/>
-        </a:schemeClr>
-      </a:solidFill>
-      <a:ln w="9525" cap="flat" cmpd="sng" algn="ctr">
-        <a:solidFill>
-          <a:schemeClr val="tx1">
-            <a:lumMod val="65000"/>
-            <a:lumOff val="35000"/>
-          </a:schemeClr>
-        </a:solidFill>
-        <a:round/>
-      </a:ln>
-    </cs:spPr>
-  </cs:downBar>
-  <cs:dropLine>
-    <cs:lnRef idx="0"/>
-    <cs:fillRef idx="0"/>
-    <cs:effectRef idx="0"/>
-    <cs:fontRef idx="minor">
-      <a:schemeClr val="tx1"/>
-    </cs:fontRef>
-    <cs:spPr>
-      <a:ln w="9525" cap="flat" cmpd="sng" algn="ctr">
-        <a:solidFill>
-          <a:schemeClr val="tx1">
-            <a:lumMod val="35000"/>
-            <a:lumOff val="65000"/>
-          </a:schemeClr>
-        </a:solidFill>
-        <a:round/>
-      </a:ln>
-    </cs:spPr>
-  </cs:dropLine>
-  <cs:errorBar>
-    <cs:lnRef idx="0"/>
-    <cs:fillRef idx="0"/>
-    <cs:effectRef idx="0"/>
-    <cs:fontRef idx="minor">
-      <a:schemeClr val="tx1"/>
-    </cs:fontRef>
-    <cs:spPr>
-      <a:ln w="9525" cap="flat" cmpd="sng" algn="ctr">
-        <a:solidFill>
-          <a:schemeClr val="tx1">
-            <a:lumMod val="65000"/>
-            <a:lumOff val="35000"/>
-          </a:schemeClr>
-        </a:solidFill>
-        <a:round/>
-      </a:ln>
-    </cs:spPr>
-  </cs:errorBar>
-  <cs:floor>
-    <cs:lnRef idx="0"/>
-    <cs:fillRef idx="0"/>
-    <cs:effectRef idx="0"/>
-    <cs:fontRef idx="minor">
-      <a:schemeClr val="tx1"/>
-    </cs:fontRef>
-    <cs:spPr>
-      <a:noFill/>
-      <a:ln>
-        <a:noFill/>
-      </a:ln>
-    </cs:spPr>
-  </cs:floor>
-  <cs:gridlineMajor>
-    <cs:lnRef idx="0"/>
-    <cs:fillRef idx="0"/>
-    <cs:effectRef idx="0"/>
-    <cs:fontRef idx="minor">
-      <a:schemeClr val="tx1"/>
-    </cs:fontRef>
-    <cs:spPr>
-      <a:ln w="9525" cap="flat" cmpd="sng" algn="ctr">
-        <a:solidFill>
-          <a:schemeClr val="tx1">
-            <a:lumMod val="15000"/>
-            <a:lumOff val="85000"/>
-          </a:schemeClr>
-        </a:solidFill>
-        <a:round/>
-      </a:ln>
-    </cs:spPr>
-  </cs:gridlineMajor>
-  <cs:gridlineMinor>
-    <cs:lnRef idx="0"/>
-    <cs:fillRef idx="0"/>
-    <cs:effectRef idx="0"/>
-    <cs:fontRef idx="minor">
-      <a:schemeClr val="tx1"/>
-    </cs:fontRef>
-    <cs:spPr>
-      <a:ln w="9525" cap="flat" cmpd="sng" algn="ctr">
-        <a:solidFill>
-          <a:schemeClr val="tx1">
-            <a:lumMod val="5000"/>
-            <a:lumOff val="95000"/>
-          </a:schemeClr>
-        </a:solidFill>
-        <a:round/>
-      </a:ln>
-    </cs:spPr>
-  </cs:gridlineMinor>
-  <cs:hiLoLine>
-    <cs:lnRef idx="0"/>
-    <cs:fillRef idx="0"/>
-    <cs:effectRef idx="0"/>
-    <cs:fontRef idx="minor">
-      <a:schemeClr val="tx1"/>
-    </cs:fontRef>
-    <cs:spPr>
-      <a:ln w="9525" cap="flat" cmpd="sng" algn="ctr">
-        <a:solidFill>
-          <a:schemeClr val="tx1">
-            <a:lumMod val="50000"/>
-            <a:lumOff val="50000"/>
-          </a:schemeClr>
-        </a:solidFill>
-        <a:round/>
-      </a:ln>
-    </cs:spPr>
-  </cs:hiLoLine>
-  <cs:leaderLine>
-    <cs:lnRef idx="0"/>
-    <cs:fillRef idx="0"/>
-    <cs:effectRef idx="0"/>
-    <cs:fontRef idx="minor">
-      <a:schemeClr val="tx1"/>
-    </cs:fontRef>
-    <cs:spPr>
-      <a:ln w="9525" cap="flat" cmpd="sng" algn="ctr">
-        <a:solidFill>
-          <a:schemeClr val="tx1">
-            <a:lumMod val="35000"/>
-            <a:lumOff val="65000"/>
-          </a:schemeClr>
-        </a:solidFill>
-        <a:round/>
-      </a:ln>
-    </cs:spPr>
-  </cs:leaderLine>
-  <cs:legend>
-    <cs:lnRef idx="0"/>
-    <cs:fillRef idx="0"/>
-    <cs:effectRef idx="0"/>
-    <cs:fontRef idx="minor">
-      <a:schemeClr val="tx1">
-        <a:lumMod val="65000"/>
-        <a:lumOff val="35000"/>
-      </a:schemeClr>
-    </cs:fontRef>
-    <cs:defRPr sz="900" kern="1200"/>
-  </cs:legend>
-  <cs:plotArea mods="allowNoFillOverride allowNoLineOverride">
-    <cs:lnRef idx="0"/>
-    <cs:fillRef idx="0"/>
-    <cs:effectRef idx="0"/>
-    <cs:fontRef idx="minor">
-      <a:schemeClr val="tx1"/>
-    </cs:fontRef>
-  </cs:plotArea>
-  <cs:plotArea3D mods="allowNoFillOverride allowNoLineOverride">
-    <cs:lnRef idx="0"/>
-    <cs:fillRef idx="0"/>
-    <cs:effectRef idx="0"/>
-    <cs:fontRef idx="minor">
-      <a:schemeClr val="tx1"/>
-    </cs:fontRef>
-  </cs:plotArea3D>
-  <cs:seriesAxis>
-    <cs:lnRef idx="0"/>
-    <cs:fillRef idx="0"/>
-    <cs:effectRef idx="0"/>
-    <cs:fontRef idx="minor">
-      <a:schemeClr val="tx1">
-        <a:lumMod val="65000"/>
-        <a:lumOff val="35000"/>
-      </a:schemeClr>
-    </cs:fontRef>
-    <cs:defRPr sz="900" kern="1200"/>
-  </cs:seriesAxis>
-  <cs:seriesLine>
-    <cs:lnRef idx="0"/>
-    <cs:fillRef idx="0"/>
-    <cs:effectRef idx="0"/>
-    <cs:fontRef idx="minor">
-      <a:schemeClr val="tx1"/>
-    </cs:fontRef>
-    <cs:spPr>
-      <a:ln w="9525" cap="flat" cmpd="sng" algn="ctr">
-        <a:solidFill>
-          <a:schemeClr val="tx1">
-            <a:lumMod val="35000"/>
-            <a:lumOff val="65000"/>
-          </a:schemeClr>
-        </a:solidFill>
-        <a:round/>
-      </a:ln>
-    </cs:spPr>
-  </cs:seriesLine>
-  <cs:title>
-    <cs:lnRef idx="0"/>
-    <cs:fillRef idx="0"/>
-    <cs:effectRef idx="0"/>
-    <cs:fontRef idx="minor">
-      <a:schemeClr val="tx1">
-        <a:lumMod val="65000"/>
-        <a:lumOff val="35000"/>
-      </a:schemeClr>
-    </cs:fontRef>
-    <cs:defRPr sz="1400" b="0" kern="1200" spc="0" baseline="0"/>
-  </cs:title>
-  <cs:trendline>
-    <cs:lnRef idx="0">
-      <cs:styleClr val="auto"/>
-    </cs:lnRef>
-    <cs:fillRef idx="0"/>
-    <cs:effectRef idx="0"/>
-    <cs:fontRef idx="minor">
-      <a:schemeClr val="tx1"/>
-    </cs:fontRef>
-    <cs:spPr>
-      <a:ln w="19050" cap="rnd">
-        <a:solidFill>
-          <a:schemeClr val="phClr"/>
-        </a:solidFill>
-        <a:prstDash val="sysDot"/>
-      </a:ln>
-    </cs:spPr>
-  </cs:trendline>
-  <cs:trendlineLabel>
-    <cs:lnRef idx="0"/>
-    <cs:fillRef idx="0"/>
-    <cs:effectRef idx="0"/>
-    <cs:fontRef idx="minor">
-      <a:schemeClr val="tx1">
-        <a:lumMod val="65000"/>
-        <a:lumOff val="35000"/>
-      </a:schemeClr>
-    </cs:fontRef>
-    <cs:defRPr sz="900" kern="1200"/>
-  </cs:trendlineLabel>
-  <cs:upBar>
-    <cs:lnRef idx="0"/>
-    <cs:fillRef idx="0"/>
-    <cs:effectRef idx="0"/>
-    <cs:fontRef idx="minor">
-      <a:schemeClr val="tx1"/>
-    </cs:fontRef>
-    <cs:spPr>
-      <a:solidFill>
-        <a:schemeClr val="lt1"/>
-      </a:solidFill>
-      <a:ln w="9525" cap="flat" cmpd="sng" algn="ctr">
-        <a:solidFill>
-          <a:schemeClr val="tx1">
-            <a:lumMod val="65000"/>
-            <a:lumOff val="35000"/>
-          </a:schemeClr>
-        </a:solidFill>
-        <a:round/>
-      </a:ln>
-    </cs:spPr>
-  </cs:upBar>
-  <cs:valueAxis>
-    <cs:lnRef idx="0"/>
-    <cs:fillRef idx="0"/>
-    <cs:effectRef idx="0"/>
-    <cs:fontRef idx="minor">
-      <a:schemeClr val="tx1">
-        <a:lumMod val="65000"/>
-        <a:lumOff val="35000"/>
-      </a:schemeClr>
-    </cs:fontRef>
-    <cs:spPr>
-      <a:ln w="9525" cap="flat" cmpd="sng" algn="ctr">
-        <a:solidFill>
-          <a:schemeClr val="tx1">
-            <a:lumMod val="25000"/>
-            <a:lumOff val="75000"/>
-          </a:schemeClr>
-        </a:solidFill>
-        <a:round/>
-      </a:ln>
-    </cs:spPr>
-    <cs:defRPr sz="900" kern="1200"/>
-  </cs:valueAxis>
-  <cs:wall>
-    <cs:lnRef idx="0"/>
-    <cs:fillRef idx="0"/>
-    <cs:effectRef idx="0"/>
-    <cs:fontRef idx="minor">
-      <a:schemeClr val="tx1"/>
-    </cs:fontRef>
-    <cs:spPr>
-      <a:noFill/>
-      <a:ln>
-        <a:noFill/>
-      </a:ln>
-    </cs:spPr>
-  </cs:wall>
-</cs:chartStyle>
 </file>
 
 <file path=ppt/notesMasters/notesMaster1.xml><?xml version="1.0" encoding="utf-8"?>
@@ -1326,7 +295,7 @@
           <a:p>
             <a:fld id="{A16C4038-6672-4F7E-9629-41FC047C8FB2}" type="datetimeFigureOut">
               <a:rPr lang="zh-TW" altLang="en-US" smtClean="0"/>
-              <a:t>2021/1/21</a:t>
+              <a:t>2021/2/8</a:t>
             </a:fld>
             <a:endParaRPr lang="zh-TW" altLang="en-US"/>
           </a:p>
@@ -2007,7 +976,343 @@
     </p:spTree>
     <p:extLst>
       <p:ext uri="{BB962C8B-B14F-4D97-AF65-F5344CB8AC3E}">
-        <p14:creationId xmlns:p14="http://schemas.microsoft.com/office/powerpoint/2010/main" val="371893945"/>
+        <p14:creationId xmlns:p14="http://schemas.microsoft.com/office/powerpoint/2010/main" val="855939769"/>
+      </p:ext>
+    </p:extLst>
+  </p:cSld>
+  <p:clrMapOvr>
+    <a:masterClrMapping/>
+  </p:clrMapOvr>
+</p:notes>
+</file>
+
+<file path=ppt/notesSlides/notesSlide6.xml><?xml version="1.0" encoding="utf-8"?>
+<p:notes xmlns:a="http://schemas.openxmlformats.org/drawingml/2006/main" xmlns:r="http://schemas.openxmlformats.org/officeDocument/2006/relationships" xmlns:p="http://schemas.openxmlformats.org/presentationml/2006/main">
+  <p:cSld>
+    <p:spTree>
+      <p:nvGrpSpPr>
+        <p:cNvPr id="1" name=""/>
+        <p:cNvGrpSpPr/>
+        <p:nvPr/>
+      </p:nvGrpSpPr>
+      <p:grpSpPr>
+        <a:xfrm>
+          <a:off x="0" y="0"/>
+          <a:ext cx="0" cy="0"/>
+          <a:chOff x="0" y="0"/>
+          <a:chExt cx="0" cy="0"/>
+        </a:xfrm>
+      </p:grpSpPr>
+      <p:sp>
+        <p:nvSpPr>
+          <p:cNvPr id="2" name="投影片圖像版面配置區 1"/>
+          <p:cNvSpPr>
+            <a:spLocks noGrp="1" noRot="1" noChangeAspect="1"/>
+          </p:cNvSpPr>
+          <p:nvPr>
+            <p:ph type="sldImg"/>
+          </p:nvPr>
+        </p:nvSpPr>
+        <p:spPr/>
+      </p:sp>
+      <p:sp>
+        <p:nvSpPr>
+          <p:cNvPr id="3" name="備忘稿版面配置區 2"/>
+          <p:cNvSpPr>
+            <a:spLocks noGrp="1"/>
+          </p:cNvSpPr>
+          <p:nvPr>
+            <p:ph type="body" idx="1"/>
+          </p:nvPr>
+        </p:nvSpPr>
+        <p:spPr/>
+        <p:txBody>
+          <a:bodyPr/>
+          <a:lstStyle/>
+          <a:p>
+            <a:endParaRPr lang="zh-TW" altLang="en-US" dirty="0"/>
+          </a:p>
+        </p:txBody>
+      </p:sp>
+      <p:sp>
+        <p:nvSpPr>
+          <p:cNvPr id="4" name="投影片編號版面配置區 3"/>
+          <p:cNvSpPr>
+            <a:spLocks noGrp="1"/>
+          </p:cNvSpPr>
+          <p:nvPr>
+            <p:ph type="sldNum" sz="quarter" idx="10"/>
+          </p:nvPr>
+        </p:nvSpPr>
+        <p:spPr/>
+        <p:txBody>
+          <a:bodyPr/>
+          <a:lstStyle/>
+          <a:p>
+            <a:fld id="{D0E1BF83-2DBA-4E43-B839-2AC64DD607C3}" type="slidenum">
+              <a:rPr lang="zh-TW" altLang="en-US" smtClean="0"/>
+              <a:t>20</a:t>
+            </a:fld>
+            <a:endParaRPr lang="zh-TW" altLang="en-US"/>
+          </a:p>
+        </p:txBody>
+      </p:sp>
+    </p:spTree>
+    <p:extLst>
+      <p:ext uri="{BB962C8B-B14F-4D97-AF65-F5344CB8AC3E}">
+        <p14:creationId xmlns:p14="http://schemas.microsoft.com/office/powerpoint/2010/main" val="427463274"/>
+      </p:ext>
+    </p:extLst>
+  </p:cSld>
+  <p:clrMapOvr>
+    <a:masterClrMapping/>
+  </p:clrMapOvr>
+</p:notes>
+</file>
+
+<file path=ppt/notesSlides/notesSlide7.xml><?xml version="1.0" encoding="utf-8"?>
+<p:notes xmlns:a="http://schemas.openxmlformats.org/drawingml/2006/main" xmlns:r="http://schemas.openxmlformats.org/officeDocument/2006/relationships" xmlns:p="http://schemas.openxmlformats.org/presentationml/2006/main">
+  <p:cSld>
+    <p:spTree>
+      <p:nvGrpSpPr>
+        <p:cNvPr id="1" name=""/>
+        <p:cNvGrpSpPr/>
+        <p:nvPr/>
+      </p:nvGrpSpPr>
+      <p:grpSpPr>
+        <a:xfrm>
+          <a:off x="0" y="0"/>
+          <a:ext cx="0" cy="0"/>
+          <a:chOff x="0" y="0"/>
+          <a:chExt cx="0" cy="0"/>
+        </a:xfrm>
+      </p:grpSpPr>
+      <p:sp>
+        <p:nvSpPr>
+          <p:cNvPr id="2" name="投影片圖像版面配置區 1"/>
+          <p:cNvSpPr>
+            <a:spLocks noGrp="1" noRot="1" noChangeAspect="1"/>
+          </p:cNvSpPr>
+          <p:nvPr>
+            <p:ph type="sldImg"/>
+          </p:nvPr>
+        </p:nvSpPr>
+        <p:spPr/>
+      </p:sp>
+      <p:sp>
+        <p:nvSpPr>
+          <p:cNvPr id="3" name="備忘稿版面配置區 2"/>
+          <p:cNvSpPr>
+            <a:spLocks noGrp="1"/>
+          </p:cNvSpPr>
+          <p:nvPr>
+            <p:ph type="body" idx="1"/>
+          </p:nvPr>
+        </p:nvSpPr>
+        <p:spPr/>
+        <p:txBody>
+          <a:bodyPr/>
+          <a:lstStyle/>
+          <a:p>
+            <a:endParaRPr lang="zh-TW" altLang="en-US" dirty="0"/>
+          </a:p>
+        </p:txBody>
+      </p:sp>
+      <p:sp>
+        <p:nvSpPr>
+          <p:cNvPr id="4" name="投影片編號版面配置區 3"/>
+          <p:cNvSpPr>
+            <a:spLocks noGrp="1"/>
+          </p:cNvSpPr>
+          <p:nvPr>
+            <p:ph type="sldNum" sz="quarter" idx="10"/>
+          </p:nvPr>
+        </p:nvSpPr>
+        <p:spPr/>
+        <p:txBody>
+          <a:bodyPr/>
+          <a:lstStyle/>
+          <a:p>
+            <a:fld id="{D0E1BF83-2DBA-4E43-B839-2AC64DD607C3}" type="slidenum">
+              <a:rPr lang="zh-TW" altLang="en-US" smtClean="0"/>
+              <a:t>25</a:t>
+            </a:fld>
+            <a:endParaRPr lang="zh-TW" altLang="en-US"/>
+          </a:p>
+        </p:txBody>
+      </p:sp>
+    </p:spTree>
+    <p:extLst>
+      <p:ext uri="{BB962C8B-B14F-4D97-AF65-F5344CB8AC3E}">
+        <p14:creationId xmlns:p14="http://schemas.microsoft.com/office/powerpoint/2010/main" val="4115010945"/>
+      </p:ext>
+    </p:extLst>
+  </p:cSld>
+  <p:clrMapOvr>
+    <a:masterClrMapping/>
+  </p:clrMapOvr>
+</p:notes>
+</file>
+
+<file path=ppt/notesSlides/notesSlide8.xml><?xml version="1.0" encoding="utf-8"?>
+<p:notes xmlns:a="http://schemas.openxmlformats.org/drawingml/2006/main" xmlns:r="http://schemas.openxmlformats.org/officeDocument/2006/relationships" xmlns:p="http://schemas.openxmlformats.org/presentationml/2006/main">
+  <p:cSld>
+    <p:spTree>
+      <p:nvGrpSpPr>
+        <p:cNvPr id="1" name=""/>
+        <p:cNvGrpSpPr/>
+        <p:nvPr/>
+      </p:nvGrpSpPr>
+      <p:grpSpPr>
+        <a:xfrm>
+          <a:off x="0" y="0"/>
+          <a:ext cx="0" cy="0"/>
+          <a:chOff x="0" y="0"/>
+          <a:chExt cx="0" cy="0"/>
+        </a:xfrm>
+      </p:grpSpPr>
+      <p:sp>
+        <p:nvSpPr>
+          <p:cNvPr id="2" name="投影片圖像版面配置區 1"/>
+          <p:cNvSpPr>
+            <a:spLocks noGrp="1" noRot="1" noChangeAspect="1"/>
+          </p:cNvSpPr>
+          <p:nvPr>
+            <p:ph type="sldImg"/>
+          </p:nvPr>
+        </p:nvSpPr>
+        <p:spPr/>
+      </p:sp>
+      <p:sp>
+        <p:nvSpPr>
+          <p:cNvPr id="3" name="備忘稿版面配置區 2"/>
+          <p:cNvSpPr>
+            <a:spLocks noGrp="1"/>
+          </p:cNvSpPr>
+          <p:nvPr>
+            <p:ph type="body" idx="1"/>
+          </p:nvPr>
+        </p:nvSpPr>
+        <p:spPr/>
+        <p:txBody>
+          <a:bodyPr/>
+          <a:lstStyle/>
+          <a:p>
+            <a:endParaRPr lang="zh-TW" altLang="en-US" dirty="0"/>
+          </a:p>
+        </p:txBody>
+      </p:sp>
+      <p:sp>
+        <p:nvSpPr>
+          <p:cNvPr id="4" name="投影片編號版面配置區 3"/>
+          <p:cNvSpPr>
+            <a:spLocks noGrp="1"/>
+          </p:cNvSpPr>
+          <p:nvPr>
+            <p:ph type="sldNum" sz="quarter" idx="10"/>
+          </p:nvPr>
+        </p:nvSpPr>
+        <p:spPr/>
+        <p:txBody>
+          <a:bodyPr/>
+          <a:lstStyle/>
+          <a:p>
+            <a:fld id="{D0E1BF83-2DBA-4E43-B839-2AC64DD607C3}" type="slidenum">
+              <a:rPr lang="zh-TW" altLang="en-US" smtClean="0"/>
+              <a:t>26</a:t>
+            </a:fld>
+            <a:endParaRPr lang="zh-TW" altLang="en-US"/>
+          </a:p>
+        </p:txBody>
+      </p:sp>
+    </p:spTree>
+    <p:extLst>
+      <p:ext uri="{BB962C8B-B14F-4D97-AF65-F5344CB8AC3E}">
+        <p14:creationId xmlns:p14="http://schemas.microsoft.com/office/powerpoint/2010/main" val="341146811"/>
+      </p:ext>
+    </p:extLst>
+  </p:cSld>
+  <p:clrMapOvr>
+    <a:masterClrMapping/>
+  </p:clrMapOvr>
+</p:notes>
+</file>
+
+<file path=ppt/notesSlides/notesSlide9.xml><?xml version="1.0" encoding="utf-8"?>
+<p:notes xmlns:a="http://schemas.openxmlformats.org/drawingml/2006/main" xmlns:r="http://schemas.openxmlformats.org/officeDocument/2006/relationships" xmlns:p="http://schemas.openxmlformats.org/presentationml/2006/main">
+  <p:cSld>
+    <p:spTree>
+      <p:nvGrpSpPr>
+        <p:cNvPr id="1" name=""/>
+        <p:cNvGrpSpPr/>
+        <p:nvPr/>
+      </p:nvGrpSpPr>
+      <p:grpSpPr>
+        <a:xfrm>
+          <a:off x="0" y="0"/>
+          <a:ext cx="0" cy="0"/>
+          <a:chOff x="0" y="0"/>
+          <a:chExt cx="0" cy="0"/>
+        </a:xfrm>
+      </p:grpSpPr>
+      <p:sp>
+        <p:nvSpPr>
+          <p:cNvPr id="2" name="投影片圖像版面配置區 1"/>
+          <p:cNvSpPr>
+            <a:spLocks noGrp="1" noRot="1" noChangeAspect="1"/>
+          </p:cNvSpPr>
+          <p:nvPr>
+            <p:ph type="sldImg"/>
+          </p:nvPr>
+        </p:nvSpPr>
+        <p:spPr/>
+      </p:sp>
+      <p:sp>
+        <p:nvSpPr>
+          <p:cNvPr id="3" name="備忘稿版面配置區 2"/>
+          <p:cNvSpPr>
+            <a:spLocks noGrp="1"/>
+          </p:cNvSpPr>
+          <p:nvPr>
+            <p:ph type="body" idx="1"/>
+          </p:nvPr>
+        </p:nvSpPr>
+        <p:spPr/>
+        <p:txBody>
+          <a:bodyPr/>
+          <a:lstStyle/>
+          <a:p>
+            <a:endParaRPr lang="zh-TW" altLang="en-US" dirty="0"/>
+          </a:p>
+        </p:txBody>
+      </p:sp>
+      <p:sp>
+        <p:nvSpPr>
+          <p:cNvPr id="4" name="投影片編號版面配置區 3"/>
+          <p:cNvSpPr>
+            <a:spLocks noGrp="1"/>
+          </p:cNvSpPr>
+          <p:nvPr>
+            <p:ph type="sldNum" sz="quarter" idx="10"/>
+          </p:nvPr>
+        </p:nvSpPr>
+        <p:spPr/>
+        <p:txBody>
+          <a:bodyPr/>
+          <a:lstStyle/>
+          <a:p>
+            <a:fld id="{D0E1BF83-2DBA-4E43-B839-2AC64DD607C3}" type="slidenum">
+              <a:rPr lang="zh-TW" altLang="en-US" smtClean="0"/>
+              <a:t>27</a:t>
+            </a:fld>
+            <a:endParaRPr lang="zh-TW" altLang="en-US"/>
+          </a:p>
+        </p:txBody>
+      </p:sp>
+    </p:spTree>
+    <p:extLst>
+      <p:ext uri="{BB962C8B-B14F-4D97-AF65-F5344CB8AC3E}">
+        <p14:creationId xmlns:p14="http://schemas.microsoft.com/office/powerpoint/2010/main" val="4028911268"/>
       </p:ext>
     </p:extLst>
   </p:cSld>
@@ -2421,7 +1726,7 @@
           <a:p>
             <a:fld id="{D30396BA-971D-4A04-A76F-F858AB0B9E9B}" type="datetime1">
               <a:rPr lang="zh-TW" altLang="en-US" smtClean="0"/>
-              <a:t>2021/1/21</a:t>
+              <a:t>2021/2/8</a:t>
             </a:fld>
             <a:endParaRPr lang="zh-TW" altLang="en-US"/>
           </a:p>
@@ -2606,7 +1911,7 @@
           <a:p>
             <a:fld id="{EBCC4234-C9E0-457C-AE6C-2B7A2EC44D03}" type="datetime1">
               <a:rPr lang="zh-TW" altLang="en-US" smtClean="0"/>
-              <a:t>2021/1/21</a:t>
+              <a:t>2021/2/8</a:t>
             </a:fld>
             <a:endParaRPr lang="zh-TW" altLang="en-US"/>
           </a:p>
@@ -2908,7 +2213,7 @@
           <a:p>
             <a:fld id="{53D9EB28-8664-4481-AAFB-28AD19BD26C6}" type="datetime1">
               <a:rPr lang="zh-TW" altLang="en-US" smtClean="0"/>
-              <a:t>2021/1/21</a:t>
+              <a:t>2021/2/8</a:t>
             </a:fld>
             <a:endParaRPr lang="zh-TW" altLang="en-US"/>
           </a:p>
@@ -3093,7 +2398,7 @@
           <a:p>
             <a:fld id="{4E5F59F2-AFC6-4CBC-9106-DE8E8FF73E8B}" type="datetime1">
               <a:rPr lang="zh-TW" altLang="en-US" smtClean="0"/>
-              <a:t>2021/1/21</a:t>
+              <a:t>2021/2/8</a:t>
             </a:fld>
             <a:endParaRPr lang="zh-TW" altLang="en-US"/>
           </a:p>
@@ -3291,7 +2596,7 @@
           <a:p>
             <a:fld id="{3B3ED6C8-9D49-4240-B6B0-4B9813FEFF73}" type="datetime1">
               <a:rPr lang="zh-TW" altLang="en-US" smtClean="0"/>
-              <a:t>2021/1/21</a:t>
+              <a:t>2021/2/8</a:t>
             </a:fld>
             <a:endParaRPr lang="zh-TW" altLang="en-US"/>
           </a:p>
@@ -3583,7 +2888,7 @@
           <a:p>
             <a:fld id="{2DF91AAB-06A6-4C37-A975-37C7439077F3}" type="datetime1">
               <a:rPr lang="zh-TW" altLang="en-US" smtClean="0"/>
-              <a:t>2021/1/21</a:t>
+              <a:t>2021/2/8</a:t>
             </a:fld>
             <a:endParaRPr lang="zh-TW" altLang="en-US"/>
           </a:p>
@@ -4014,7 +3319,7 @@
           <a:p>
             <a:fld id="{D1C703C3-8DC6-4D45-BEB9-8B632EDA5ADF}" type="datetime1">
               <a:rPr lang="zh-TW" altLang="en-US" smtClean="0"/>
-              <a:t>2021/1/21</a:t>
+              <a:t>2021/2/8</a:t>
             </a:fld>
             <a:endParaRPr lang="zh-TW" altLang="en-US"/>
           </a:p>
@@ -4138,7 +3443,7 @@
           <a:p>
             <a:fld id="{9742CE55-CCB3-4B6E-8D50-1461DEB93093}" type="datetime1">
               <a:rPr lang="zh-TW" altLang="en-US" smtClean="0"/>
-              <a:t>2021/1/21</a:t>
+              <a:t>2021/2/8</a:t>
             </a:fld>
             <a:endParaRPr lang="zh-TW" altLang="en-US"/>
           </a:p>
@@ -4240,7 +3545,7 @@
           <a:p>
             <a:fld id="{F1CD43D9-F0A5-47DF-831C-917D2F4D3015}" type="datetime1">
               <a:rPr lang="zh-TW" altLang="en-US" smtClean="0"/>
-              <a:t>2021/1/21</a:t>
+              <a:t>2021/2/8</a:t>
             </a:fld>
             <a:endParaRPr lang="zh-TW" altLang="en-US"/>
           </a:p>
@@ -4522,7 +3827,7 @@
           <a:p>
             <a:fld id="{B5F29AAF-0D3F-48EF-A6B5-75E70527817F}" type="datetime1">
               <a:rPr lang="zh-TW" altLang="en-US" smtClean="0"/>
-              <a:t>2021/1/21</a:t>
+              <a:t>2021/2/8</a:t>
             </a:fld>
             <a:endParaRPr lang="zh-TW" altLang="en-US"/>
           </a:p>
@@ -4784,7 +4089,7 @@
           <a:p>
             <a:fld id="{1ED978F2-F367-4232-8A0A-5BF678A08BB5}" type="datetime1">
               <a:rPr lang="zh-TW" altLang="en-US" smtClean="0"/>
-              <a:t>2021/1/21</a:t>
+              <a:t>2021/2/8</a:t>
             </a:fld>
             <a:endParaRPr lang="zh-TW" altLang="en-US"/>
           </a:p>
@@ -5030,7 +4335,7 @@
           <a:p>
             <a:fld id="{8E0FE3F4-E2B0-4F50-A9F8-684B46DD9545}" type="datetime1">
               <a:rPr lang="zh-TW" altLang="en-US" smtClean="0"/>
-              <a:t>2021/1/21</a:t>
+              <a:t>2021/2/8</a:t>
             </a:fld>
             <a:endParaRPr lang="zh-TW" altLang="en-US"/>
           </a:p>
@@ -5993,7 +5298,7 @@
           <a:p>
             <a:fld id="{4E5F59F2-AFC6-4CBC-9106-DE8E8FF73E8B}" type="datetime1">
               <a:rPr lang="zh-TW" altLang="en-US" smtClean="0"/>
-              <a:t>2021/1/21</a:t>
+              <a:t>2021/2/8</a:t>
             </a:fld>
             <a:endParaRPr lang="zh-TW" altLang="en-US"/>
           </a:p>
@@ -8501,6 +7806,13 @@
   <p:clrMapOvr>
     <a:masterClrMapping/>
   </p:clrMapOvr>
+  <p:timing>
+    <p:tnLst>
+      <p:par>
+        <p:cTn id="1" dur="indefinite" restart="never" nodeType="tmRoot"/>
+      </p:par>
+    </p:tnLst>
+  </p:timing>
 </p:sld>
 </file>
 
@@ -8609,7 +7921,7 @@
           <a:p>
             <a:fld id="{4E5F59F2-AFC6-4CBC-9106-DE8E8FF73E8B}" type="datetime1">
               <a:rPr lang="zh-TW" altLang="en-US" smtClean="0"/>
-              <a:t>2021/1/21</a:t>
+              <a:t>2021/2/8</a:t>
             </a:fld>
             <a:endParaRPr lang="zh-TW" altLang="en-US"/>
           </a:p>
@@ -8648,6 +7960,13 @@
   <p:clrMapOvr>
     <a:masterClrMapping/>
   </p:clrMapOvr>
+  <p:timing>
+    <p:tnLst>
+      <p:par>
+        <p:cTn id="1" dur="indefinite" restart="never" nodeType="tmRoot"/>
+      </p:par>
+    </p:tnLst>
+  </p:timing>
 </p:sld>
 </file>
 
@@ -8697,10 +8016,6 @@
               <a:rPr lang="en-US" altLang="zh-TW" dirty="0" smtClean="0"/>
               <a:t>Example:</a:t>
             </a:r>
-            <a:r>
-              <a:rPr lang="en-US" altLang="zh-TW" dirty="0" smtClean="0"/>
-              <a:t/>
-            </a:r>
             <a:br>
               <a:rPr lang="en-US" altLang="zh-TW" dirty="0" smtClean="0"/>
             </a:br>
@@ -8789,7 +8104,7 @@
           <a:p>
             <a:fld id="{4E5F59F2-AFC6-4CBC-9106-DE8E8FF73E8B}" type="datetime1">
               <a:rPr lang="zh-TW" altLang="en-US" smtClean="0"/>
-              <a:t>2021/1/21</a:t>
+              <a:t>2021/2/8</a:t>
             </a:fld>
             <a:endParaRPr lang="zh-TW" altLang="en-US"/>
           </a:p>
@@ -8951,7 +8266,7 @@
           <a:p>
             <a:fld id="{4E5F59F2-AFC6-4CBC-9106-DE8E8FF73E8B}" type="datetime1">
               <a:rPr lang="zh-TW" altLang="en-US" smtClean="0"/>
-              <a:t>2021/1/21</a:t>
+              <a:t>2021/2/8</a:t>
             </a:fld>
             <a:endParaRPr lang="zh-TW" altLang="en-US"/>
           </a:p>
@@ -8990,6 +8305,13 @@
   <p:clrMapOvr>
     <a:masterClrMapping/>
   </p:clrMapOvr>
+  <p:timing>
+    <p:tnLst>
+      <p:par>
+        <p:cTn id="1" dur="indefinite" restart="never" nodeType="tmRoot"/>
+      </p:par>
+    </p:tnLst>
+  </p:timing>
 </p:sld>
 </file>
 
@@ -9163,7 +8485,7 @@
           <a:p>
             <a:fld id="{4E5F59F2-AFC6-4CBC-9106-DE8E8FF73E8B}" type="datetime1">
               <a:rPr lang="zh-TW" altLang="en-US" smtClean="0"/>
-              <a:t>2021/1/21</a:t>
+              <a:t>2021/2/8</a:t>
             </a:fld>
             <a:endParaRPr lang="zh-TW" altLang="en-US"/>
           </a:p>
@@ -9248,6 +8570,13 @@
   <p:clrMapOvr>
     <a:masterClrMapping/>
   </p:clrMapOvr>
+  <p:timing>
+    <p:tnLst>
+      <p:par>
+        <p:cTn id="1" dur="indefinite" restart="never" nodeType="tmRoot"/>
+      </p:par>
+    </p:tnLst>
+  </p:timing>
 </p:sld>
 </file>
 
@@ -9482,7 +8811,7 @@
           <a:p>
             <a:fld id="{4E5F59F2-AFC6-4CBC-9106-DE8E8FF73E8B}" type="datetime1">
               <a:rPr lang="zh-TW" altLang="en-US" smtClean="0"/>
-              <a:t>2021/1/21</a:t>
+              <a:t>2021/2/8</a:t>
             </a:fld>
             <a:endParaRPr lang="zh-TW" altLang="en-US"/>
           </a:p>
@@ -9872,7 +9201,7 @@
           <a:p>
             <a:fld id="{4E5F59F2-AFC6-4CBC-9106-DE8E8FF73E8B}" type="datetime1">
               <a:rPr lang="zh-TW" altLang="en-US" smtClean="0"/>
-              <a:t>2021/1/21</a:t>
+              <a:t>2021/2/8</a:t>
             </a:fld>
             <a:endParaRPr lang="zh-TW" altLang="en-US"/>
           </a:p>
@@ -9934,6 +9263,13 @@
   <p:clrMapOvr>
     <a:masterClrMapping/>
   </p:clrMapOvr>
+  <p:timing>
+    <p:tnLst>
+      <p:par>
+        <p:cTn id="1" dur="indefinite" restart="never" nodeType="tmRoot"/>
+      </p:par>
+    </p:tnLst>
+  </p:timing>
 </p:sld>
 </file>
 
@@ -9992,120 +9328,6 @@
       </p:sp>
       <p:sp>
         <p:nvSpPr>
-          <p:cNvPr id="3" name="內容版面配置區 2"/>
-          <p:cNvSpPr>
-            <a:spLocks noGrp="1"/>
-          </p:cNvSpPr>
-          <p:nvPr>
-            <p:ph idx="1"/>
-          </p:nvPr>
-        </p:nvSpPr>
-        <p:spPr>
-          <a:xfrm>
-            <a:off x="457200" y="1600200"/>
-            <a:ext cx="8686800" cy="4530725"/>
-          </a:xfrm>
-        </p:spPr>
-        <p:txBody>
-          <a:bodyPr/>
-          <a:lstStyle/>
-          <a:p>
-            <a:r>
-              <a:rPr lang="en-US" altLang="zh-TW" sz="2400" dirty="0" smtClean="0"/>
-              <a:t>Serial(cooling rate = 0.99, B=C = W</a:t>
-            </a:r>
-            <a:r>
-              <a:rPr lang="en-US" altLang="zh-TW" sz="2400" baseline="-25000" dirty="0" smtClean="0"/>
-              <a:t>max</a:t>
-            </a:r>
-            <a:r>
-              <a:rPr lang="en-US" altLang="zh-TW" sz="2400" dirty="0"/>
-              <a:t>+1)</a:t>
-            </a:r>
-            <a:endParaRPr lang="en-US" altLang="zh-TW" sz="2400" dirty="0" smtClean="0"/>
-          </a:p>
-          <a:p>
-            <a:pPr lvl="1"/>
-            <a:r>
-              <a:rPr lang="en-US" altLang="zh-TW" dirty="0"/>
-              <a:t>E</a:t>
-            </a:r>
-            <a:r>
-              <a:rPr lang="en-US" altLang="zh-TW" dirty="0" smtClean="0"/>
-              <a:t>ach temperature has k-iteration, records </a:t>
-            </a:r>
-            <a:r>
-              <a:rPr lang="en-US" altLang="zh-TW" dirty="0" err="1" smtClean="0"/>
-              <a:t>E</a:t>
-            </a:r>
-            <a:r>
-              <a:rPr lang="en-US" altLang="zh-TW" baseline="-25000" dirty="0" err="1" smtClean="0"/>
-              <a:t>best</a:t>
-            </a:r>
-            <a:r>
-              <a:rPr lang="en-US" altLang="zh-TW" dirty="0" smtClean="0"/>
-              <a:t> and solves by next temperature</a:t>
-            </a:r>
-          </a:p>
-          <a:p>
-            <a:pPr lvl="1"/>
-            <a:endParaRPr lang="en-US" altLang="zh-TW" dirty="0"/>
-          </a:p>
-          <a:p>
-            <a:pPr lvl="1"/>
-            <a:endParaRPr lang="en-US" altLang="zh-TW" dirty="0" smtClean="0"/>
-          </a:p>
-          <a:p>
-            <a:pPr lvl="1"/>
-            <a:endParaRPr lang="en-US" altLang="zh-TW" dirty="0" smtClean="0"/>
-          </a:p>
-          <a:p>
-            <a:r>
-              <a:rPr lang="en-US" altLang="zh-TW" sz="2400" dirty="0" smtClean="0"/>
-              <a:t>Replica </a:t>
-            </a:r>
-            <a:r>
-              <a:rPr lang="en-US" altLang="zh-TW" sz="2400" dirty="0"/>
-              <a:t>scheme(cooling rate = </a:t>
-            </a:r>
-            <a:r>
-              <a:rPr lang="en-US" altLang="zh-TW" sz="2400" dirty="0" smtClean="0"/>
-              <a:t>0.9</a:t>
-            </a:r>
-            <a:r>
-              <a:rPr lang="en-US" altLang="zh-TW" sz="2400" dirty="0"/>
-              <a:t> </a:t>
-            </a:r>
-            <a:r>
-              <a:rPr lang="en-US" altLang="zh-TW" sz="2400" dirty="0" smtClean="0"/>
-              <a:t>,B =C </a:t>
-            </a:r>
-            <a:r>
-              <a:rPr lang="en-US" altLang="zh-TW" sz="2400" dirty="0"/>
-              <a:t>= </a:t>
-            </a:r>
-            <a:r>
-              <a:rPr lang="en-US" altLang="zh-TW" sz="2400" dirty="0" smtClean="0"/>
-              <a:t>W</a:t>
-            </a:r>
-            <a:r>
-              <a:rPr lang="en-US" altLang="zh-TW" sz="2400" baseline="-25000" dirty="0" smtClean="0"/>
-              <a:t>max</a:t>
-            </a:r>
-            <a:r>
-              <a:rPr lang="en-US" altLang="zh-TW" sz="2400" dirty="0"/>
-              <a:t>+1</a:t>
-            </a:r>
-            <a:r>
-              <a:rPr lang="en-US" altLang="zh-TW" sz="2400" dirty="0" smtClean="0"/>
-              <a:t>)</a:t>
-            </a:r>
-            <a:endParaRPr lang="zh-TW" altLang="en-US" sz="2400" dirty="0"/>
-          </a:p>
-        </p:txBody>
-      </p:sp>
-      <p:sp>
-        <p:nvSpPr>
           <p:cNvPr id="4" name="日期版面配置區 3"/>
           <p:cNvSpPr>
             <a:spLocks noGrp="1"/>
@@ -10121,7 +9343,7 @@
           <a:p>
             <a:fld id="{4E5F59F2-AFC6-4CBC-9106-DE8E8FF73E8B}" type="datetime1">
               <a:rPr lang="zh-TW" altLang="en-US" smtClean="0"/>
-              <a:t>2021/1/21</a:t>
+              <a:t>2021/2/8</a:t>
             </a:fld>
             <a:endParaRPr lang="zh-TW" altLang="en-US"/>
           </a:p>
@@ -10150,64 +9372,77 @@
           </a:p>
         </p:txBody>
       </p:sp>
+      <p:sp>
+        <p:nvSpPr>
+          <p:cNvPr id="6" name="內容版面配置區 5"/>
+          <p:cNvSpPr>
+            <a:spLocks noGrp="1"/>
+          </p:cNvSpPr>
+          <p:nvPr>
+            <p:ph idx="1"/>
+          </p:nvPr>
+        </p:nvSpPr>
+        <p:spPr/>
+        <p:txBody>
+          <a:bodyPr/>
+          <a:lstStyle/>
+          <a:p>
+            <a:endParaRPr lang="zh-TW" altLang="en-US" dirty="0"/>
+          </a:p>
+        </p:txBody>
+      </p:sp>
       <p:pic>
         <p:nvPicPr>
-          <p:cNvPr id="8" name="圖片 7"/>
+          <p:cNvPr id="12" name="圖片 11"/>
           <p:cNvPicPr>
             <a:picLocks noChangeAspect="1"/>
           </p:cNvPicPr>
           <p:nvPr/>
         </p:nvPicPr>
         <p:blipFill>
-          <a:blip r:embed="rId2"/>
+          <a:blip r:embed="rId2" cstate="print">
+            <a:extLst>
+              <a:ext uri="{28A0092B-C50C-407E-A947-70E740481C1C}">
+                <a14:useLocalDpi xmlns:a14="http://schemas.microsoft.com/office/drawing/2010/main" val="0"/>
+              </a:ext>
+            </a:extLst>
+          </a:blip>
+          <a:srcRect/>
           <a:stretch>
             <a:fillRect/>
           </a:stretch>
         </p:blipFill>
-        <p:spPr>
+        <p:spPr bwMode="auto">
           <a:xfrm>
-            <a:off x="683568" y="2996952"/>
-            <a:ext cx="7916838" cy="1146043"/>
+            <a:off x="242090" y="3068960"/>
+            <a:ext cx="8659820" cy="1383903"/>
           </a:xfrm>
           <a:prstGeom prst="rect">
             <a:avLst/>
           </a:prstGeom>
-        </p:spPr>
-      </p:pic>
-      <p:pic>
-        <p:nvPicPr>
-          <p:cNvPr id="10" name="圖片 9"/>
-          <p:cNvPicPr>
-            <a:picLocks noChangeAspect="1"/>
-          </p:cNvPicPr>
-          <p:nvPr/>
-        </p:nvPicPr>
-        <p:blipFill>
-          <a:blip r:embed="rId3"/>
-          <a:stretch>
-            <a:fillRect/>
-          </a:stretch>
-        </p:blipFill>
-        <p:spPr>
-          <a:xfrm>
-            <a:off x="237790" y="4994591"/>
-            <a:ext cx="8808393" cy="1090311"/>
-          </a:xfrm>
-          <a:prstGeom prst="rect">
-            <a:avLst/>
-          </a:prstGeom>
+          <a:noFill/>
+          <a:ln>
+            <a:noFill/>
+          </a:ln>
         </p:spPr>
       </p:pic>
     </p:spTree>
     <p:extLst>
       <p:ext uri="{BB962C8B-B14F-4D97-AF65-F5344CB8AC3E}">
-        <p14:creationId xmlns:p14="http://schemas.microsoft.com/office/powerpoint/2010/main" val="791215772"/>
+        <p14:creationId xmlns:p14="http://schemas.microsoft.com/office/powerpoint/2010/main" val="2474294476"/>
       </p:ext>
     </p:extLst>
   </p:cSld>
   <p:clrMapOvr>
     <a:masterClrMapping/>
   </p:clrMapOvr>
+  <p:timing>
+    <p:tnLst>
+      <p:par>
+        <p:cTn id="1" dur="indefinite" restart="never" nodeType="tmRoot"/>
+      </p:par>
+    </p:tnLst>
+  </p:timing>
 </p:sld>
 </file>
 
@@ -10327,7 +9562,7 @@
           <a:p>
             <a:fld id="{4E5F59F2-AFC6-4CBC-9106-DE8E8FF73E8B}" type="datetime1">
               <a:rPr lang="zh-TW" altLang="en-US" smtClean="0"/>
-              <a:t>2021/1/21</a:t>
+              <a:t>2021/2/8</a:t>
             </a:fld>
             <a:endParaRPr lang="zh-TW" altLang="en-US"/>
           </a:p>
@@ -10416,42 +9651,8 @@
           <a:p>
             <a:r>
               <a:rPr lang="en-US" altLang="zh-TW" dirty="0" smtClean="0"/>
-              <a:t>Baseline</a:t>
-            </a:r>
-            <a:endParaRPr lang="zh-TW" altLang="en-US" dirty="0"/>
-          </a:p>
-        </p:txBody>
-      </p:sp>
-      <p:sp>
-        <p:nvSpPr>
-          <p:cNvPr id="3" name="內容版面配置區 2"/>
-          <p:cNvSpPr>
-            <a:spLocks noGrp="1"/>
-          </p:cNvSpPr>
-          <p:nvPr>
-            <p:ph idx="1"/>
-          </p:nvPr>
-        </p:nvSpPr>
-        <p:spPr/>
-        <p:txBody>
-          <a:bodyPr/>
-          <a:lstStyle/>
-          <a:p>
-            <a:r>
-              <a:rPr lang="en-US" altLang="zh-TW" dirty="0"/>
-              <a:t>The bottleneck is the instance “</a:t>
-            </a:r>
-            <a:r>
-              <a:rPr lang="en-US" altLang="zh-TW" dirty="0" err="1"/>
-              <a:t>execute_replica</a:t>
-            </a:r>
-            <a:r>
-              <a:rPr lang="en-US" altLang="zh-TW" dirty="0"/>
-              <a:t>” </a:t>
-            </a:r>
-            <a:endParaRPr lang="zh-TW" altLang="en-US" dirty="0"/>
-          </a:p>
-          <a:p>
+              <a:t>Hardware target overview</a:t>
+            </a:r>
             <a:endParaRPr lang="zh-TW" altLang="en-US" dirty="0"/>
           </a:p>
         </p:txBody>
@@ -10473,7 +9674,7 @@
           <a:p>
             <a:fld id="{4E5F59F2-AFC6-4CBC-9106-DE8E8FF73E8B}" type="datetime1">
               <a:rPr lang="zh-TW" altLang="en-US" smtClean="0"/>
-              <a:t>2021/1/21</a:t>
+              <a:t>2021/2/8</a:t>
             </a:fld>
             <a:endParaRPr lang="zh-TW" altLang="en-US"/>
           </a:p>
@@ -10502,76 +9703,534 @@
           </a:p>
         </p:txBody>
       </p:sp>
-      <p:pic>
-        <p:nvPicPr>
-          <p:cNvPr id="6" name="圖片 5">
-            <a:extLst>
-              <a:ext uri="{FF2B5EF4-FFF2-40B4-BE49-F238E27FC236}">
-                <a16:creationId xmlns:a16="http://schemas.microsoft.com/office/drawing/2014/main" id="{06E45D2B-E6D3-46D0-8583-2255F84B8E2B}"/>
-              </a:ext>
-            </a:extLst>
-          </p:cNvPr>
-          <p:cNvPicPr>
-            <a:picLocks noChangeAspect="1"/>
-          </p:cNvPicPr>
-          <p:nvPr/>
-        </p:nvPicPr>
-        <p:blipFill>
-          <a:blip r:embed="rId3"/>
-          <a:stretch>
-            <a:fillRect/>
-          </a:stretch>
-        </p:blipFill>
+      <p:sp>
+        <p:nvSpPr>
+          <p:cNvPr id="8" name="內容版面配置區 7"/>
+          <p:cNvSpPr>
+            <a:spLocks noGrp="1"/>
+          </p:cNvSpPr>
+          <p:nvPr>
+            <p:ph idx="1"/>
+          </p:nvPr>
+        </p:nvSpPr>
         <p:spPr>
           <a:xfrm>
-            <a:off x="1619672" y="2924944"/>
-            <a:ext cx="5781675" cy="1114425"/>
+            <a:off x="323528" y="1556792"/>
+            <a:ext cx="8229600" cy="4530725"/>
           </a:xfrm>
-          <a:prstGeom prst="rect">
+        </p:spPr>
+        <p:txBody>
+          <a:bodyPr/>
+          <a:lstStyle/>
+          <a:p>
+            <a:r>
+              <a:rPr lang="en-US" altLang="zh-TW" dirty="0" smtClean="0"/>
+              <a:t>For each iteration:</a:t>
+            </a:r>
+            <a:endParaRPr lang="zh-TW" altLang="en-US" dirty="0"/>
+          </a:p>
+        </p:txBody>
+      </p:sp>
+      <p:sp>
+        <p:nvSpPr>
+          <p:cNvPr id="9" name="圓角矩形 8"/>
+          <p:cNvSpPr/>
+          <p:nvPr/>
+        </p:nvSpPr>
+        <p:spPr>
+          <a:xfrm>
+            <a:off x="564232" y="2303847"/>
+            <a:ext cx="2232248" cy="1224136"/>
+          </a:xfrm>
+          <a:prstGeom prst="roundRect">
             <a:avLst/>
           </a:prstGeom>
         </p:spPr>
-      </p:pic>
-      <p:pic>
-        <p:nvPicPr>
-          <p:cNvPr id="7" name="圖片 6">
-            <a:extLst>
-              <a:ext uri="{FF2B5EF4-FFF2-40B4-BE49-F238E27FC236}">
-                <a16:creationId xmlns:a16="http://schemas.microsoft.com/office/drawing/2014/main" id="{4A43DE36-8E24-4028-833A-E00E503C98F5}"/>
-              </a:ext>
-            </a:extLst>
-          </p:cNvPr>
-          <p:cNvPicPr>
-            <a:picLocks noChangeAspect="1"/>
-          </p:cNvPicPr>
+        <p:style>
+          <a:lnRef idx="2">
+            <a:schemeClr val="accent6"/>
+          </a:lnRef>
+          <a:fillRef idx="1">
+            <a:schemeClr val="lt1"/>
+          </a:fillRef>
+          <a:effectRef idx="0">
+            <a:schemeClr val="accent6"/>
+          </a:effectRef>
+          <a:fontRef idx="minor">
+            <a:schemeClr val="dk1"/>
+          </a:fontRef>
+        </p:style>
+        <p:txBody>
+          <a:bodyPr rtlCol="0" anchor="ctr"/>
+          <a:lstStyle/>
+          <a:p>
+            <a:pPr algn="ctr"/>
+            <a:r>
+              <a:rPr lang="en-US" altLang="zh-TW" dirty="0" smtClean="0"/>
+              <a:t>Replica 1</a:t>
+            </a:r>
+            <a:endParaRPr lang="zh-TW" altLang="en-US" dirty="0"/>
+          </a:p>
+        </p:txBody>
+      </p:sp>
+      <p:sp>
+        <p:nvSpPr>
+          <p:cNvPr id="10" name="圓角矩形 9"/>
+          <p:cNvSpPr/>
           <p:nvPr/>
-        </p:nvPicPr>
-        <p:blipFill>
-          <a:blip r:embed="rId4"/>
-          <a:stretch>
-            <a:fillRect/>
-          </a:stretch>
-        </p:blipFill>
+        </p:nvSpPr>
         <p:spPr>
           <a:xfrm>
-            <a:off x="36512" y="4293096"/>
-            <a:ext cx="9144000" cy="1641701"/>
+            <a:off x="569965" y="3744007"/>
+            <a:ext cx="2232248" cy="1224136"/>
           </a:xfrm>
-          <a:prstGeom prst="rect">
+          <a:prstGeom prst="roundRect">
             <a:avLst/>
           </a:prstGeom>
         </p:spPr>
-      </p:pic>
+        <p:style>
+          <a:lnRef idx="2">
+            <a:schemeClr val="accent6"/>
+          </a:lnRef>
+          <a:fillRef idx="1">
+            <a:schemeClr val="lt1"/>
+          </a:fillRef>
+          <a:effectRef idx="0">
+            <a:schemeClr val="accent6"/>
+          </a:effectRef>
+          <a:fontRef idx="minor">
+            <a:schemeClr val="dk1"/>
+          </a:fontRef>
+        </p:style>
+        <p:txBody>
+          <a:bodyPr rtlCol="0" anchor="ctr"/>
+          <a:lstStyle/>
+          <a:p>
+            <a:pPr algn="ctr"/>
+            <a:r>
+              <a:rPr lang="en-US" altLang="zh-TW" dirty="0" smtClean="0"/>
+              <a:t>Replica 2</a:t>
+            </a:r>
+            <a:endParaRPr lang="zh-TW" altLang="en-US" dirty="0"/>
+          </a:p>
+        </p:txBody>
+      </p:sp>
+      <p:sp>
+        <p:nvSpPr>
+          <p:cNvPr id="11" name="圓角矩形 10"/>
+          <p:cNvSpPr/>
+          <p:nvPr/>
+        </p:nvSpPr>
+        <p:spPr>
+          <a:xfrm>
+            <a:off x="564232" y="5257800"/>
+            <a:ext cx="2232248" cy="1224136"/>
+          </a:xfrm>
+          <a:prstGeom prst="roundRect">
+            <a:avLst/>
+          </a:prstGeom>
+        </p:spPr>
+        <p:style>
+          <a:lnRef idx="2">
+            <a:schemeClr val="accent6"/>
+          </a:lnRef>
+          <a:fillRef idx="1">
+            <a:schemeClr val="lt1"/>
+          </a:fillRef>
+          <a:effectRef idx="0">
+            <a:schemeClr val="accent6"/>
+          </a:effectRef>
+          <a:fontRef idx="minor">
+            <a:schemeClr val="dk1"/>
+          </a:fontRef>
+        </p:style>
+        <p:txBody>
+          <a:bodyPr rtlCol="0" anchor="ctr"/>
+          <a:lstStyle/>
+          <a:p>
+            <a:pPr algn="ctr"/>
+            <a:r>
+              <a:rPr lang="en-US" altLang="zh-TW" dirty="0" smtClean="0"/>
+              <a:t>Replica N</a:t>
+            </a:r>
+            <a:endParaRPr lang="zh-TW" altLang="en-US" dirty="0"/>
+          </a:p>
+        </p:txBody>
+      </p:sp>
+      <p:sp>
+        <p:nvSpPr>
+          <p:cNvPr id="12" name="圓角矩形 11"/>
+          <p:cNvSpPr/>
+          <p:nvPr/>
+        </p:nvSpPr>
+        <p:spPr>
+          <a:xfrm>
+            <a:off x="3563888" y="3748087"/>
+            <a:ext cx="2232248" cy="1224136"/>
+          </a:xfrm>
+          <a:prstGeom prst="roundRect">
+            <a:avLst/>
+          </a:prstGeom>
+        </p:spPr>
+        <p:style>
+          <a:lnRef idx="2">
+            <a:schemeClr val="accent6"/>
+          </a:lnRef>
+          <a:fillRef idx="1">
+            <a:schemeClr val="lt1"/>
+          </a:fillRef>
+          <a:effectRef idx="0">
+            <a:schemeClr val="accent6"/>
+          </a:effectRef>
+          <a:fontRef idx="minor">
+            <a:schemeClr val="dk1"/>
+          </a:fontRef>
+        </p:style>
+        <p:txBody>
+          <a:bodyPr rtlCol="0" anchor="ctr"/>
+          <a:lstStyle/>
+          <a:p>
+            <a:pPr algn="ctr"/>
+            <a:r>
+              <a:rPr lang="en-US" altLang="zh-TW" dirty="0" smtClean="0"/>
+              <a:t>Replica exchange</a:t>
+            </a:r>
+            <a:endParaRPr lang="zh-TW" altLang="en-US" dirty="0"/>
+          </a:p>
+        </p:txBody>
+      </p:sp>
+      <p:sp>
+        <p:nvSpPr>
+          <p:cNvPr id="13" name="圓角矩形 12"/>
+          <p:cNvSpPr/>
+          <p:nvPr/>
+        </p:nvSpPr>
+        <p:spPr>
+          <a:xfrm>
+            <a:off x="6516216" y="3717032"/>
+            <a:ext cx="2232248" cy="1224136"/>
+          </a:xfrm>
+          <a:prstGeom prst="roundRect">
+            <a:avLst/>
+          </a:prstGeom>
+        </p:spPr>
+        <p:style>
+          <a:lnRef idx="2">
+            <a:schemeClr val="accent6"/>
+          </a:lnRef>
+          <a:fillRef idx="1">
+            <a:schemeClr val="lt1"/>
+          </a:fillRef>
+          <a:effectRef idx="0">
+            <a:schemeClr val="accent6"/>
+          </a:effectRef>
+          <a:fontRef idx="minor">
+            <a:schemeClr val="dk1"/>
+          </a:fontRef>
+        </p:style>
+        <p:txBody>
+          <a:bodyPr rtlCol="0" anchor="ctr"/>
+          <a:lstStyle/>
+          <a:p>
+            <a:pPr algn="ctr"/>
+            <a:r>
+              <a:rPr lang="en-US" altLang="zh-TW" dirty="0" smtClean="0"/>
+              <a:t>Update best</a:t>
+            </a:r>
+            <a:endParaRPr lang="zh-TW" altLang="en-US" dirty="0"/>
+          </a:p>
+        </p:txBody>
+      </p:sp>
+      <p:cxnSp>
+        <p:nvCxnSpPr>
+          <p:cNvPr id="15" name="直線接點 14"/>
+          <p:cNvCxnSpPr>
+            <a:stCxn id="10" idx="3"/>
+            <a:endCxn id="12" idx="1"/>
+          </p:cNvCxnSpPr>
+          <p:nvPr/>
+        </p:nvCxnSpPr>
+        <p:spPr>
+          <a:xfrm>
+            <a:off x="2802213" y="4356075"/>
+            <a:ext cx="761675" cy="4080"/>
+          </a:xfrm>
+          <a:prstGeom prst="line">
+            <a:avLst/>
+          </a:prstGeom>
+        </p:spPr>
+        <p:style>
+          <a:lnRef idx="1">
+            <a:schemeClr val="accent4"/>
+          </a:lnRef>
+          <a:fillRef idx="0">
+            <a:schemeClr val="accent4"/>
+          </a:fillRef>
+          <a:effectRef idx="0">
+            <a:schemeClr val="accent4"/>
+          </a:effectRef>
+          <a:fontRef idx="minor">
+            <a:schemeClr val="tx1"/>
+          </a:fontRef>
+        </p:style>
+      </p:cxnSp>
+      <p:cxnSp>
+        <p:nvCxnSpPr>
+          <p:cNvPr id="18" name="直線接點 17"/>
+          <p:cNvCxnSpPr/>
+          <p:nvPr/>
+        </p:nvCxnSpPr>
+        <p:spPr>
+          <a:xfrm>
+            <a:off x="5791525" y="4373462"/>
+            <a:ext cx="761675" cy="4080"/>
+          </a:xfrm>
+          <a:prstGeom prst="line">
+            <a:avLst/>
+          </a:prstGeom>
+        </p:spPr>
+        <p:style>
+          <a:lnRef idx="1">
+            <a:schemeClr val="accent4"/>
+          </a:lnRef>
+          <a:fillRef idx="0">
+            <a:schemeClr val="accent4"/>
+          </a:fillRef>
+          <a:effectRef idx="0">
+            <a:schemeClr val="accent4"/>
+          </a:effectRef>
+          <a:fontRef idx="minor">
+            <a:schemeClr val="tx1"/>
+          </a:fontRef>
+        </p:style>
+      </p:cxnSp>
+      <p:cxnSp>
+        <p:nvCxnSpPr>
+          <p:cNvPr id="20" name="直線接點 19"/>
+          <p:cNvCxnSpPr/>
+          <p:nvPr/>
+        </p:nvCxnSpPr>
+        <p:spPr>
+          <a:xfrm>
+            <a:off x="2802213" y="2915915"/>
+            <a:ext cx="617659" cy="0"/>
+          </a:xfrm>
+          <a:prstGeom prst="line">
+            <a:avLst/>
+          </a:prstGeom>
+        </p:spPr>
+        <p:style>
+          <a:lnRef idx="1">
+            <a:schemeClr val="accent4"/>
+          </a:lnRef>
+          <a:fillRef idx="0">
+            <a:schemeClr val="accent4"/>
+          </a:fillRef>
+          <a:effectRef idx="0">
+            <a:schemeClr val="accent4"/>
+          </a:effectRef>
+          <a:fontRef idx="minor">
+            <a:schemeClr val="tx1"/>
+          </a:fontRef>
+        </p:style>
+      </p:cxnSp>
+      <p:cxnSp>
+        <p:nvCxnSpPr>
+          <p:cNvPr id="21" name="直線接點 20"/>
+          <p:cNvCxnSpPr/>
+          <p:nvPr/>
+        </p:nvCxnSpPr>
+        <p:spPr>
+          <a:xfrm>
+            <a:off x="2805978" y="5792155"/>
+            <a:ext cx="607250" cy="8159"/>
+          </a:xfrm>
+          <a:prstGeom prst="line">
+            <a:avLst/>
+          </a:prstGeom>
+        </p:spPr>
+        <p:style>
+          <a:lnRef idx="1">
+            <a:schemeClr val="accent4"/>
+          </a:lnRef>
+          <a:fillRef idx="0">
+            <a:schemeClr val="accent4"/>
+          </a:fillRef>
+          <a:effectRef idx="0">
+            <a:schemeClr val="accent4"/>
+          </a:effectRef>
+          <a:fontRef idx="minor">
+            <a:schemeClr val="tx1"/>
+          </a:fontRef>
+        </p:style>
+      </p:cxnSp>
+      <p:cxnSp>
+        <p:nvCxnSpPr>
+          <p:cNvPr id="22" name="直線接點 21"/>
+          <p:cNvCxnSpPr/>
+          <p:nvPr/>
+        </p:nvCxnSpPr>
+        <p:spPr>
+          <a:xfrm flipH="1">
+            <a:off x="3406585" y="2919995"/>
+            <a:ext cx="13287" cy="2872160"/>
+          </a:xfrm>
+          <a:prstGeom prst="line">
+            <a:avLst/>
+          </a:prstGeom>
+        </p:spPr>
+        <p:style>
+          <a:lnRef idx="1">
+            <a:schemeClr val="accent4"/>
+          </a:lnRef>
+          <a:fillRef idx="0">
+            <a:schemeClr val="accent4"/>
+          </a:fillRef>
+          <a:effectRef idx="0">
+            <a:schemeClr val="accent4"/>
+          </a:effectRef>
+          <a:fontRef idx="minor">
+            <a:schemeClr val="tx1"/>
+          </a:fontRef>
+        </p:style>
+      </p:cxnSp>
+      <p:sp>
+        <p:nvSpPr>
+          <p:cNvPr id="28" name="橢圓 27"/>
+          <p:cNvSpPr/>
+          <p:nvPr/>
+        </p:nvSpPr>
+        <p:spPr>
+          <a:xfrm>
+            <a:off x="1608348" y="5011985"/>
+            <a:ext cx="72008" cy="62979"/>
+          </a:xfrm>
+          <a:prstGeom prst="ellipse">
+            <a:avLst/>
+          </a:prstGeom>
+        </p:spPr>
+        <p:style>
+          <a:lnRef idx="2">
+            <a:schemeClr val="dk1">
+              <a:shade val="50000"/>
+            </a:schemeClr>
+          </a:lnRef>
+          <a:fillRef idx="1">
+            <a:schemeClr val="dk1"/>
+          </a:fillRef>
+          <a:effectRef idx="0">
+            <a:schemeClr val="dk1"/>
+          </a:effectRef>
+          <a:fontRef idx="minor">
+            <a:schemeClr val="lt1"/>
+          </a:fontRef>
+        </p:style>
+        <p:txBody>
+          <a:bodyPr rtlCol="0" anchor="ctr"/>
+          <a:lstStyle/>
+          <a:p>
+            <a:pPr algn="ctr"/>
+            <a:endParaRPr lang="zh-TW" altLang="en-US"/>
+          </a:p>
+        </p:txBody>
+      </p:sp>
+      <p:sp>
+        <p:nvSpPr>
+          <p:cNvPr id="29" name="橢圓 28"/>
+          <p:cNvSpPr/>
+          <p:nvPr/>
+        </p:nvSpPr>
+        <p:spPr>
+          <a:xfrm>
+            <a:off x="1619672" y="5270835"/>
+            <a:ext cx="72008" cy="62979"/>
+          </a:xfrm>
+          <a:prstGeom prst="ellipse">
+            <a:avLst/>
+          </a:prstGeom>
+        </p:spPr>
+        <p:style>
+          <a:lnRef idx="2">
+            <a:schemeClr val="dk1">
+              <a:shade val="50000"/>
+            </a:schemeClr>
+          </a:lnRef>
+          <a:fillRef idx="1">
+            <a:schemeClr val="dk1"/>
+          </a:fillRef>
+          <a:effectRef idx="0">
+            <a:schemeClr val="dk1"/>
+          </a:effectRef>
+          <a:fontRef idx="minor">
+            <a:schemeClr val="lt1"/>
+          </a:fontRef>
+        </p:style>
+        <p:txBody>
+          <a:bodyPr rtlCol="0" anchor="ctr"/>
+          <a:lstStyle/>
+          <a:p>
+            <a:pPr algn="ctr"/>
+            <a:endParaRPr lang="zh-TW" altLang="en-US"/>
+          </a:p>
+        </p:txBody>
+      </p:sp>
+      <p:sp>
+        <p:nvSpPr>
+          <p:cNvPr id="30" name="橢圓 29"/>
+          <p:cNvSpPr/>
+          <p:nvPr/>
+        </p:nvSpPr>
+        <p:spPr>
+          <a:xfrm>
+            <a:off x="1608348" y="5133863"/>
+            <a:ext cx="72008" cy="62979"/>
+          </a:xfrm>
+          <a:prstGeom prst="ellipse">
+            <a:avLst/>
+          </a:prstGeom>
+        </p:spPr>
+        <p:style>
+          <a:lnRef idx="2">
+            <a:schemeClr val="dk1">
+              <a:shade val="50000"/>
+            </a:schemeClr>
+          </a:lnRef>
+          <a:fillRef idx="1">
+            <a:schemeClr val="dk1"/>
+          </a:fillRef>
+          <a:effectRef idx="0">
+            <a:schemeClr val="dk1"/>
+          </a:effectRef>
+          <a:fontRef idx="minor">
+            <a:schemeClr val="lt1"/>
+          </a:fontRef>
+        </p:style>
+        <p:txBody>
+          <a:bodyPr rtlCol="0" anchor="ctr"/>
+          <a:lstStyle/>
+          <a:p>
+            <a:pPr algn="ctr"/>
+            <a:endParaRPr lang="zh-TW" altLang="en-US"/>
+          </a:p>
+        </p:txBody>
+      </p:sp>
     </p:spTree>
     <p:extLst>
       <p:ext uri="{BB962C8B-B14F-4D97-AF65-F5344CB8AC3E}">
-        <p14:creationId xmlns:p14="http://schemas.microsoft.com/office/powerpoint/2010/main" val="16815688"/>
+        <p14:creationId xmlns:p14="http://schemas.microsoft.com/office/powerpoint/2010/main" val="3172100222"/>
       </p:ext>
     </p:extLst>
   </p:cSld>
   <p:clrMapOvr>
     <a:masterClrMapping/>
   </p:clrMapOvr>
+  <p:timing>
+    <p:tnLst>
+      <p:par>
+        <p:cTn id="1" dur="indefinite" restart="never" nodeType="tmRoot"/>
+      </p:par>
+    </p:tnLst>
+  </p:timing>
 </p:sld>
 </file>
 
@@ -10664,13 +10323,8 @@
           <a:p>
             <a:r>
               <a:rPr lang="en-US" altLang="zh-TW" dirty="0" smtClean="0"/>
-              <a:t>High level </a:t>
-            </a:r>
-            <a:r>
-              <a:rPr lang="en-US" altLang="zh-TW" dirty="0" smtClean="0"/>
-              <a:t>synthesis</a:t>
-            </a:r>
-            <a:endParaRPr lang="en-US" altLang="zh-TW" dirty="0" smtClean="0"/>
+              <a:t>High level synthesis</a:t>
+            </a:r>
           </a:p>
           <a:p>
             <a:r>
@@ -10709,7 +10363,7 @@
           <a:p>
             <a:fld id="{4E5F59F2-AFC6-4CBC-9106-DE8E8FF73E8B}" type="datetime1">
               <a:rPr lang="zh-TW" altLang="en-US" smtClean="0"/>
-              <a:t>2021/1/21</a:t>
+              <a:t>2021/2/8</a:t>
             </a:fld>
             <a:endParaRPr lang="zh-TW" altLang="en-US" dirty="0"/>
           </a:p>
@@ -10792,42 +10446,9 @@
           <a:p>
             <a:r>
               <a:rPr lang="en-US" altLang="zh-TW" dirty="0" smtClean="0"/>
-              <a:t>C</a:t>
-            </a:r>
-            <a:r>
-              <a:rPr lang="zh-TW" altLang="en-US" dirty="0" smtClean="0"/>
-              <a:t> </a:t>
-            </a:r>
-            <a:r>
-              <a:rPr lang="en-US" altLang="zh-TW" dirty="0" smtClean="0"/>
-              <a:t>Sim</a:t>
+              <a:t>Fail to parallel in previous work</a:t>
             </a:r>
             <a:endParaRPr lang="zh-TW" altLang="en-US" dirty="0"/>
-          </a:p>
-        </p:txBody>
-      </p:sp>
-      <p:sp>
-        <p:nvSpPr>
-          <p:cNvPr id="3" name="內容版面配置區 2"/>
-          <p:cNvSpPr>
-            <a:spLocks noGrp="1"/>
-          </p:cNvSpPr>
-          <p:nvPr>
-            <p:ph idx="1"/>
-          </p:nvPr>
-        </p:nvSpPr>
-        <p:spPr/>
-        <p:txBody>
-          <a:bodyPr/>
-          <a:lstStyle/>
-          <a:p>
-            <a:r>
-              <a:rPr lang="en-US" altLang="zh-TW" dirty="0" smtClean="0"/>
-              <a:t>An TSP problem with 5 city</a:t>
-            </a:r>
-          </a:p>
-          <a:p>
-            <a:endParaRPr lang="en-US" altLang="zh-TW" dirty="0" smtClean="0"/>
           </a:p>
         </p:txBody>
       </p:sp>
@@ -10848,7 +10469,7 @@
           <a:p>
             <a:fld id="{4E5F59F2-AFC6-4CBC-9106-DE8E8FF73E8B}" type="datetime1">
               <a:rPr lang="zh-TW" altLang="en-US" smtClean="0"/>
-              <a:t>2021/1/21</a:t>
+              <a:t>2021/2/8</a:t>
             </a:fld>
             <a:endParaRPr lang="zh-TW" altLang="en-US"/>
           </a:p>
@@ -10877,33 +10498,44 @@
           </a:p>
         </p:txBody>
       </p:sp>
-      <p:graphicFrame>
-        <p:nvGraphicFramePr>
-          <p:cNvPr id="6" name="圖表 5"/>
-          <p:cNvGraphicFramePr>
-            <a:graphicFrameLocks/>
-          </p:cNvGraphicFramePr>
-          <p:nvPr>
-            <p:extLst>
-              <p:ext uri="{D42A27DB-BD31-4B8C-83A1-F6EECF244321}">
-                <p14:modId xmlns:p14="http://schemas.microsoft.com/office/powerpoint/2010/main" val="2302200035"/>
-              </p:ext>
-            </p:extLst>
-          </p:nvPr>
-        </p:nvGraphicFramePr>
-        <p:xfrm>
-          <a:off x="107504" y="2780928"/>
-          <a:ext cx="4572000" cy="2743200"/>
-        </p:xfrm>
-        <a:graphic>
-          <a:graphicData uri="http://schemas.openxmlformats.org/drawingml/2006/chart">
-            <c:chart xmlns:c="http://schemas.openxmlformats.org/drawingml/2006/chart" xmlns:r="http://schemas.openxmlformats.org/officeDocument/2006/relationships" r:id="rId2"/>
-          </a:graphicData>
-        </a:graphic>
-      </p:graphicFrame>
+      <p:sp>
+        <p:nvSpPr>
+          <p:cNvPr id="8" name="內容版面配置區 7"/>
+          <p:cNvSpPr>
+            <a:spLocks noGrp="1"/>
+          </p:cNvSpPr>
+          <p:nvPr>
+            <p:ph idx="1"/>
+          </p:nvPr>
+        </p:nvSpPr>
+        <p:spPr/>
+        <p:txBody>
+          <a:bodyPr/>
+          <a:lstStyle/>
+          <a:p>
+            <a:r>
+              <a:rPr lang="en-US" altLang="zh-TW" dirty="0" smtClean="0"/>
+              <a:t>Replica : 20</a:t>
+            </a:r>
+          </a:p>
+          <a:p>
+            <a:r>
+              <a:rPr lang="en-US" altLang="zh-TW" dirty="0" smtClean="0"/>
+              <a:t>Iteration : 10</a:t>
+            </a:r>
+            <a:endParaRPr lang="zh-TW" altLang="en-US" dirty="0"/>
+          </a:p>
+        </p:txBody>
+      </p:sp>
       <p:pic>
         <p:nvPicPr>
-          <p:cNvPr id="7" name="圖片 6"/>
+          <p:cNvPr id="12" name="圖片 11">
+            <a:extLst>
+              <a:ext uri="{FF2B5EF4-FFF2-40B4-BE49-F238E27FC236}">
+                <a16:creationId xmlns:a16="http://schemas.microsoft.com/office/drawing/2014/main" id="{06E45D2B-E6D3-46D0-8583-2255F84B8E2B}"/>
+              </a:ext>
+            </a:extLst>
+          </p:cNvPr>
           <p:cNvPicPr>
             <a:picLocks noChangeAspect="1"/>
           </p:cNvPicPr>
@@ -10917,24 +10549,307 @@
         </p:blipFill>
         <p:spPr>
           <a:xfrm>
-            <a:off x="4679504" y="2992291"/>
-            <a:ext cx="4280346" cy="2220804"/>
+            <a:off x="1619672" y="3140968"/>
+            <a:ext cx="5781675" cy="1114425"/>
           </a:xfrm>
           <a:prstGeom prst="rect">
             <a:avLst/>
           </a:prstGeom>
         </p:spPr>
       </p:pic>
+      <p:pic>
+        <p:nvPicPr>
+          <p:cNvPr id="13" name="圖片 12">
+            <a:extLst>
+              <a:ext uri="{FF2B5EF4-FFF2-40B4-BE49-F238E27FC236}">
+                <a16:creationId xmlns:a16="http://schemas.microsoft.com/office/drawing/2014/main" id="{4A43DE36-8E24-4028-833A-E00E503C98F5}"/>
+              </a:ext>
+            </a:extLst>
+          </p:cNvPr>
+          <p:cNvPicPr>
+            <a:picLocks noChangeAspect="1"/>
+          </p:cNvPicPr>
+          <p:nvPr/>
+        </p:nvPicPr>
+        <p:blipFill>
+          <a:blip r:embed="rId4"/>
+          <a:stretch>
+            <a:fillRect/>
+          </a:stretch>
+        </p:blipFill>
+        <p:spPr>
+          <a:xfrm>
+            <a:off x="35496" y="4489224"/>
+            <a:ext cx="9144000" cy="1641701"/>
+          </a:xfrm>
+          <a:prstGeom prst="rect">
+            <a:avLst/>
+          </a:prstGeom>
+        </p:spPr>
+      </p:pic>
+      <p:sp>
+        <p:nvSpPr>
+          <p:cNvPr id="14" name="矩形 13"/>
+          <p:cNvSpPr/>
+          <p:nvPr/>
+        </p:nvSpPr>
+        <p:spPr>
+          <a:xfrm>
+            <a:off x="6156176" y="4941168"/>
+            <a:ext cx="1008112" cy="432048"/>
+          </a:xfrm>
+          <a:prstGeom prst="rect">
+            <a:avLst/>
+          </a:prstGeom>
+          <a:noFill/>
+          <a:ln>
+            <a:solidFill>
+              <a:srgbClr val="FF0000"/>
+            </a:solidFill>
+          </a:ln>
+        </p:spPr>
+        <p:style>
+          <a:lnRef idx="2">
+            <a:schemeClr val="accent1">
+              <a:shade val="50000"/>
+            </a:schemeClr>
+          </a:lnRef>
+          <a:fillRef idx="1">
+            <a:schemeClr val="accent1"/>
+          </a:fillRef>
+          <a:effectRef idx="0">
+            <a:schemeClr val="accent1"/>
+          </a:effectRef>
+          <a:fontRef idx="minor">
+            <a:schemeClr val="lt1"/>
+          </a:fontRef>
+        </p:style>
+        <p:txBody>
+          <a:bodyPr rtlCol="0" anchor="ctr"/>
+          <a:lstStyle/>
+          <a:p>
+            <a:pPr algn="ctr"/>
+            <a:endParaRPr lang="zh-TW" altLang="en-US"/>
+          </a:p>
+        </p:txBody>
+      </p:sp>
+      <p:sp>
+        <p:nvSpPr>
+          <p:cNvPr id="15" name="矩形 14"/>
+          <p:cNvSpPr/>
+          <p:nvPr/>
+        </p:nvSpPr>
+        <p:spPr>
+          <a:xfrm>
+            <a:off x="4161656" y="3789040"/>
+            <a:ext cx="1008112" cy="466353"/>
+          </a:xfrm>
+          <a:prstGeom prst="rect">
+            <a:avLst/>
+          </a:prstGeom>
+          <a:noFill/>
+          <a:ln>
+            <a:solidFill>
+              <a:srgbClr val="FF0000"/>
+            </a:solidFill>
+          </a:ln>
+        </p:spPr>
+        <p:style>
+          <a:lnRef idx="2">
+            <a:schemeClr val="accent1">
+              <a:shade val="50000"/>
+            </a:schemeClr>
+          </a:lnRef>
+          <a:fillRef idx="1">
+            <a:schemeClr val="accent1"/>
+          </a:fillRef>
+          <a:effectRef idx="0">
+            <a:schemeClr val="accent1"/>
+          </a:effectRef>
+          <a:fontRef idx="minor">
+            <a:schemeClr val="lt1"/>
+          </a:fontRef>
+        </p:style>
+        <p:txBody>
+          <a:bodyPr rtlCol="0" anchor="ctr"/>
+          <a:lstStyle/>
+          <a:p>
+            <a:pPr algn="ctr"/>
+            <a:endParaRPr lang="zh-TW" altLang="en-US"/>
+          </a:p>
+        </p:txBody>
+      </p:sp>
+      <mc:AlternateContent xmlns:mc="http://schemas.openxmlformats.org/markup-compatibility/2006" xmlns:a14="http://schemas.microsoft.com/office/drawing/2010/main">
+        <mc:Choice Requires="a14">
+          <p:sp>
+            <p:nvSpPr>
+              <p:cNvPr id="6" name="圓角矩形圖說文字 5"/>
+              <p:cNvSpPr/>
+              <p:nvPr/>
+            </p:nvSpPr>
+            <p:spPr>
+              <a:xfrm>
+                <a:off x="4355976" y="1916485"/>
+                <a:ext cx="2952328" cy="829717"/>
+              </a:xfrm>
+              <a:prstGeom prst="wedgeRoundRectCallout">
+                <a:avLst>
+                  <a:gd name="adj1" fmla="val -33914"/>
+                  <a:gd name="adj2" fmla="val 131636"/>
+                  <a:gd name="adj3" fmla="val 16667"/>
+                </a:avLst>
+              </a:prstGeom>
+            </p:spPr>
+            <p:style>
+              <a:lnRef idx="1">
+                <a:schemeClr val="accent2"/>
+              </a:lnRef>
+              <a:fillRef idx="2">
+                <a:schemeClr val="accent2"/>
+              </a:fillRef>
+              <a:effectRef idx="1">
+                <a:schemeClr val="accent2"/>
+              </a:effectRef>
+              <a:fontRef idx="minor">
+                <a:schemeClr val="dk1"/>
+              </a:fontRef>
+            </p:style>
+            <p:txBody>
+              <a:bodyPr rtlCol="0" anchor="ctr"/>
+              <a:lstStyle/>
+              <a:p>
+                <a:pPr algn="ctr"/>
+                <a14:m>
+                  <m:oMath xmlns:m="http://schemas.openxmlformats.org/officeDocument/2006/math">
+                    <m:r>
+                      <a:rPr lang="en-US" altLang="zh-TW">
+                        <a:ln w="0"/>
+                        <a:solidFill>
+                          <a:schemeClr val="tx1"/>
+                        </a:solidFill>
+                        <a:effectLst>
+                          <a:outerShdw blurRad="38100" dist="19050" dir="2700000" algn="tl" rotWithShape="0">
+                            <a:schemeClr val="dk1">
+                              <a:alpha val="40000"/>
+                            </a:schemeClr>
+                          </a:outerShdw>
+                        </a:effectLst>
+                        <a:latin typeface="Cambria Math" panose="02040503050406030204" pitchFamily="18" charset="0"/>
+                      </a:rPr>
+                      <m:t>≈</m:t>
+                    </m:r>
+                    <m:r>
+                      <a:rPr lang="en-US" altLang="zh-TW" i="1">
+                        <a:ln w="0"/>
+                        <a:solidFill>
+                          <a:schemeClr val="tx1"/>
+                        </a:solidFill>
+                        <a:effectLst>
+                          <a:outerShdw blurRad="38100" dist="19050" dir="2700000" algn="tl" rotWithShape="0">
+                            <a:schemeClr val="dk1">
+                              <a:alpha val="40000"/>
+                            </a:schemeClr>
+                          </a:outerShdw>
+                        </a:effectLst>
+                        <a:latin typeface="Cambria Math" panose="02040503050406030204" pitchFamily="18" charset="0"/>
+                      </a:rPr>
+                      <m:t> </m:t>
+                    </m:r>
+                  </m:oMath>
+                </a14:m>
+                <a:r>
+                  <a:rPr lang="en-US" altLang="zh-TW" dirty="0">
+                    <a:ln w="0"/>
+                    <a:solidFill>
+                      <a:schemeClr val="tx1"/>
+                    </a:solidFill>
+                    <a:effectLst>
+                      <a:outerShdw blurRad="38100" dist="19050" dir="2700000" algn="tl" rotWithShape="0">
+                        <a:schemeClr val="dk1">
+                          <a:alpha val="40000"/>
+                        </a:schemeClr>
+                      </a:outerShdw>
+                    </a:effectLst>
+                  </a:rPr>
+                  <a:t>0.149 x 20x10</a:t>
+                </a:r>
+                <a:endParaRPr lang="zh-TW" altLang="en-US" dirty="0">
+                  <a:ln w="0"/>
+                  <a:solidFill>
+                    <a:schemeClr val="tx1"/>
+                  </a:solidFill>
+                  <a:effectLst>
+                    <a:outerShdw blurRad="38100" dist="19050" dir="2700000" algn="tl" rotWithShape="0">
+                      <a:schemeClr val="dk1">
+                        <a:alpha val="40000"/>
+                      </a:schemeClr>
+                    </a:outerShdw>
+                  </a:effectLst>
+                </a:endParaRPr>
+              </a:p>
+            </p:txBody>
+          </p:sp>
+        </mc:Choice>
+        <mc:Fallback xmlns="">
+          <p:sp>
+            <p:nvSpPr>
+              <p:cNvPr id="6" name="圓角矩形圖說文字 5"/>
+              <p:cNvSpPr>
+                <a:spLocks noRot="1" noChangeAspect="1" noMove="1" noResize="1" noEditPoints="1" noAdjustHandles="1" noChangeArrowheads="1" noChangeShapeType="1" noTextEdit="1"/>
+              </p:cNvSpPr>
+              <p:nvPr/>
+            </p:nvSpPr>
+            <p:spPr>
+              <a:xfrm>
+                <a:off x="4355976" y="1916485"/>
+                <a:ext cx="2952328" cy="829717"/>
+              </a:xfrm>
+              <a:prstGeom prst="wedgeRoundRectCallout">
+                <a:avLst>
+                  <a:gd name="adj1" fmla="val -33914"/>
+                  <a:gd name="adj2" fmla="val 131636"/>
+                  <a:gd name="adj3" fmla="val 16667"/>
+                </a:avLst>
+              </a:prstGeom>
+              <a:blipFill>
+                <a:blip r:embed="rId5"/>
+                <a:stretch>
+                  <a:fillRect/>
+                </a:stretch>
+              </a:blipFill>
+            </p:spPr>
+            <p:txBody>
+              <a:bodyPr/>
+              <a:lstStyle/>
+              <a:p>
+                <a:r>
+                  <a:rPr lang="zh-TW" altLang="en-US">
+                    <a:noFill/>
+                  </a:rPr>
+                  <a:t> </a:t>
+                </a:r>
+              </a:p>
+            </p:txBody>
+          </p:sp>
+        </mc:Fallback>
+      </mc:AlternateContent>
     </p:spTree>
     <p:extLst>
       <p:ext uri="{BB962C8B-B14F-4D97-AF65-F5344CB8AC3E}">
-        <p14:creationId xmlns:p14="http://schemas.microsoft.com/office/powerpoint/2010/main" val="822475108"/>
+        <p14:creationId xmlns:p14="http://schemas.microsoft.com/office/powerpoint/2010/main" val="3083514743"/>
       </p:ext>
     </p:extLst>
   </p:cSld>
   <p:clrMapOvr>
     <a:masterClrMapping/>
   </p:clrMapOvr>
+  <p:timing>
+    <p:tnLst>
+      <p:par>
+        <p:cTn id="1" dur="indefinite" restart="never" nodeType="tmRoot"/>
+      </p:par>
+    </p:tnLst>
+  </p:timing>
 </p:sld>
 </file>
 
@@ -10972,7 +10887,11 @@
           <a:p>
             <a:r>
               <a:rPr lang="en-US" altLang="zh-TW" dirty="0"/>
-              <a:t>Final Version</a:t>
+              <a:t>Fail to parallel in previous </a:t>
+            </a:r>
+            <a:r>
+              <a:rPr lang="en-US" altLang="zh-TW" dirty="0" smtClean="0"/>
+              <a:t>work(cont.)</a:t>
             </a:r>
             <a:endParaRPr lang="zh-TW" altLang="en-US" dirty="0"/>
           </a:p>
@@ -10993,11 +10912,7 @@
           <a:bodyPr/>
           <a:lstStyle/>
           <a:p>
-            <a:r>
-              <a:rPr lang="en-US" altLang="zh-TW" dirty="0"/>
-              <a:t>Latency improve 10x (with 20 replica)</a:t>
-            </a:r>
-            <a:endParaRPr lang="zh-TW" altLang="en-US" dirty="0"/>
+            <a:endParaRPr lang="zh-TW" altLang="en-US"/>
           </a:p>
         </p:txBody>
       </p:sp>
@@ -11018,7 +10933,7 @@
           <a:p>
             <a:fld id="{4E5F59F2-AFC6-4CBC-9106-DE8E8FF73E8B}" type="datetime1">
               <a:rPr lang="zh-TW" altLang="en-US" smtClean="0"/>
-              <a:t>2021/1/21</a:t>
+              <a:t>2021/2/8</a:t>
             </a:fld>
             <a:endParaRPr lang="zh-TW" altLang="en-US"/>
           </a:p>
@@ -11069,24 +10984,91 @@
         </p:blipFill>
         <p:spPr>
           <a:xfrm>
-            <a:off x="269776" y="2998706"/>
-            <a:ext cx="8604448" cy="3160149"/>
+            <a:off x="899592" y="3667103"/>
+            <a:ext cx="7178487" cy="2636438"/>
           </a:xfrm>
           <a:prstGeom prst="rect">
             <a:avLst/>
           </a:prstGeom>
         </p:spPr>
       </p:pic>
+      <p:pic>
+        <p:nvPicPr>
+          <p:cNvPr id="7" name="圖片 6"/>
+          <p:cNvPicPr>
+            <a:picLocks noChangeAspect="1"/>
+          </p:cNvPicPr>
+          <p:nvPr/>
+        </p:nvPicPr>
+        <p:blipFill>
+          <a:blip r:embed="rId3"/>
+          <a:stretch>
+            <a:fillRect/>
+          </a:stretch>
+        </p:blipFill>
+        <p:spPr>
+          <a:xfrm>
+            <a:off x="1043608" y="1772816"/>
+            <a:ext cx="5406430" cy="1615714"/>
+          </a:xfrm>
+          <a:prstGeom prst="rect">
+            <a:avLst/>
+          </a:prstGeom>
+        </p:spPr>
+      </p:pic>
+      <p:sp>
+        <p:nvSpPr>
+          <p:cNvPr id="8" name="文字方塊 7"/>
+          <p:cNvSpPr txBox="1"/>
+          <p:nvPr/>
+        </p:nvSpPr>
+        <p:spPr>
+          <a:xfrm>
+            <a:off x="5364088" y="3933056"/>
+            <a:ext cx="2592288" cy="646331"/>
+          </a:xfrm>
+          <a:prstGeom prst="rect">
+            <a:avLst/>
+          </a:prstGeom>
+          <a:noFill/>
+        </p:spPr>
+        <p:txBody>
+          <a:bodyPr wrap="square" rtlCol="0">
+            <a:spAutoFit/>
+          </a:bodyPr>
+          <a:lstStyle/>
+          <a:p>
+            <a:r>
+              <a:rPr lang="en-US" altLang="zh-TW" dirty="0" smtClean="0"/>
+              <a:t>Fail to improve 20X</a:t>
+            </a:r>
+          </a:p>
+          <a:p>
+            <a:r>
+              <a:rPr lang="en-US" altLang="zh-TW" dirty="0" smtClean="0"/>
+              <a:t>Just 10X</a:t>
+            </a:r>
+            <a:endParaRPr lang="zh-TW" altLang="en-US" dirty="0"/>
+          </a:p>
+        </p:txBody>
+      </p:sp>
     </p:spTree>
     <p:extLst>
       <p:ext uri="{BB962C8B-B14F-4D97-AF65-F5344CB8AC3E}">
-        <p14:creationId xmlns:p14="http://schemas.microsoft.com/office/powerpoint/2010/main" val="2844682835"/>
+        <p14:creationId xmlns:p14="http://schemas.microsoft.com/office/powerpoint/2010/main" val="483690072"/>
       </p:ext>
     </p:extLst>
   </p:cSld>
   <p:clrMapOvr>
     <a:masterClrMapping/>
   </p:clrMapOvr>
+  <p:timing>
+    <p:tnLst>
+      <p:par>
+        <p:cTn id="1" dur="indefinite" restart="never" nodeType="tmRoot"/>
+      </p:par>
+    </p:tnLst>
+  </p:timing>
 </p:sld>
 </file>
 
@@ -11124,163 +11106,6 @@
           <a:p>
             <a:r>
               <a:rPr lang="en-US" altLang="zh-TW" dirty="0"/>
-              <a:t>C synthesis</a:t>
-            </a:r>
-            <a:endParaRPr lang="zh-TW" altLang="en-US" dirty="0"/>
-          </a:p>
-        </p:txBody>
-      </p:sp>
-      <p:sp>
-        <p:nvSpPr>
-          <p:cNvPr id="3" name="內容版面配置區 2"/>
-          <p:cNvSpPr>
-            <a:spLocks noGrp="1"/>
-          </p:cNvSpPr>
-          <p:nvPr>
-            <p:ph idx="1"/>
-          </p:nvPr>
-        </p:nvSpPr>
-        <p:spPr/>
-        <p:txBody>
-          <a:bodyPr/>
-          <a:lstStyle/>
-          <a:p>
-            <a:r>
-              <a:rPr lang="en-US" altLang="zh-TW" dirty="0"/>
-              <a:t>Replica exchange scheme </a:t>
-            </a:r>
-          </a:p>
-          <a:p>
-            <a:pPr lvl="1"/>
-            <a:r>
-              <a:rPr lang="en-US" altLang="zh-TW" dirty="0"/>
-              <a:t>Unroll</a:t>
-            </a:r>
-          </a:p>
-          <a:p>
-            <a:r>
-              <a:rPr lang="en-US" altLang="zh-TW" dirty="0"/>
-              <a:t>In the design, it needs to use many matrices to operate</a:t>
-            </a:r>
-          </a:p>
-          <a:p>
-            <a:pPr lvl="1"/>
-            <a:r>
-              <a:rPr lang="en-US" altLang="zh-TW" dirty="0"/>
-              <a:t>Array partition</a:t>
-            </a:r>
-          </a:p>
-          <a:p>
-            <a:r>
-              <a:rPr lang="en-US" altLang="zh-TW" dirty="0"/>
-              <a:t>In the replica exchange scheme, we use the same function simultaneously. But in the HLS tool, it consider there are same instance.</a:t>
-            </a:r>
-          </a:p>
-          <a:p>
-            <a:pPr lvl="1"/>
-            <a:r>
-              <a:rPr lang="en-US" altLang="zh-TW" dirty="0"/>
-              <a:t>Function Inline with template</a:t>
-            </a:r>
-          </a:p>
-          <a:p>
-            <a:endParaRPr lang="zh-TW" altLang="en-US" dirty="0"/>
-          </a:p>
-        </p:txBody>
-      </p:sp>
-      <p:sp>
-        <p:nvSpPr>
-          <p:cNvPr id="4" name="日期版面配置區 3"/>
-          <p:cNvSpPr>
-            <a:spLocks noGrp="1"/>
-          </p:cNvSpPr>
-          <p:nvPr>
-            <p:ph type="dt" sz="half" idx="10"/>
-          </p:nvPr>
-        </p:nvSpPr>
-        <p:spPr/>
-        <p:txBody>
-          <a:bodyPr/>
-          <a:lstStyle/>
-          <a:p>
-            <a:fld id="{4E5F59F2-AFC6-4CBC-9106-DE8E8FF73E8B}" type="datetime1">
-              <a:rPr lang="zh-TW" altLang="en-US" smtClean="0"/>
-              <a:t>2021/1/21</a:t>
-            </a:fld>
-            <a:endParaRPr lang="zh-TW" altLang="en-US"/>
-          </a:p>
-        </p:txBody>
-      </p:sp>
-      <p:sp>
-        <p:nvSpPr>
-          <p:cNvPr id="5" name="投影片編號版面配置區 4"/>
-          <p:cNvSpPr>
-            <a:spLocks noGrp="1"/>
-          </p:cNvSpPr>
-          <p:nvPr>
-            <p:ph type="sldNum" sz="quarter" idx="12"/>
-          </p:nvPr>
-        </p:nvSpPr>
-        <p:spPr/>
-        <p:txBody>
-          <a:bodyPr/>
-          <a:lstStyle/>
-          <a:p>
-            <a:fld id="{CE036CB1-5950-409A-BF4D-F587253C7E33}" type="slidenum">
-              <a:rPr lang="zh-TW" altLang="en-US" smtClean="0"/>
-              <a:t>22</a:t>
-            </a:fld>
-            <a:endParaRPr lang="zh-TW" altLang="en-US"/>
-          </a:p>
-        </p:txBody>
-      </p:sp>
-    </p:spTree>
-    <p:extLst>
-      <p:ext uri="{BB962C8B-B14F-4D97-AF65-F5344CB8AC3E}">
-        <p14:creationId xmlns:p14="http://schemas.microsoft.com/office/powerpoint/2010/main" val="905757874"/>
-      </p:ext>
-    </p:extLst>
-  </p:cSld>
-  <p:clrMapOvr>
-    <a:masterClrMapping/>
-  </p:clrMapOvr>
-</p:sld>
-</file>
-
-<file path=ppt/slides/slide23.xml><?xml version="1.0" encoding="utf-8"?>
-<p:sld xmlns:a="http://schemas.openxmlformats.org/drawingml/2006/main" xmlns:r="http://schemas.openxmlformats.org/officeDocument/2006/relationships" xmlns:p="http://schemas.openxmlformats.org/presentationml/2006/main">
-  <p:cSld>
-    <p:spTree>
-      <p:nvGrpSpPr>
-        <p:cNvPr id="1" name=""/>
-        <p:cNvGrpSpPr/>
-        <p:nvPr/>
-      </p:nvGrpSpPr>
-      <p:grpSpPr>
-        <a:xfrm>
-          <a:off x="0" y="0"/>
-          <a:ext cx="0" cy="0"/>
-          <a:chOff x="0" y="0"/>
-          <a:chExt cx="0" cy="0"/>
-        </a:xfrm>
-      </p:grpSpPr>
-      <p:sp>
-        <p:nvSpPr>
-          <p:cNvPr id="2" name="標題 1"/>
-          <p:cNvSpPr>
-            <a:spLocks noGrp="1"/>
-          </p:cNvSpPr>
-          <p:nvPr>
-            <p:ph type="title"/>
-          </p:nvPr>
-        </p:nvSpPr>
-        <p:spPr/>
-        <p:txBody>
-          <a:bodyPr/>
-          <a:lstStyle/>
-          <a:p>
-            <a:r>
-              <a:rPr lang="en-US" altLang="zh-TW" dirty="0"/>
               <a:t>Replica exchange scheme </a:t>
             </a:r>
             <a:endParaRPr lang="zh-TW" altLang="en-US" dirty="0"/>
@@ -11338,7 +11163,7 @@
           <a:p>
             <a:fld id="{4E5F59F2-AFC6-4CBC-9106-DE8E8FF73E8B}" type="datetime1">
               <a:rPr lang="zh-TW" altLang="en-US" smtClean="0"/>
-              <a:t>2021/1/21</a:t>
+              <a:t>2021/2/8</a:t>
             </a:fld>
             <a:endParaRPr lang="zh-TW" altLang="en-US"/>
           </a:p>
@@ -11361,7 +11186,7 @@
           <a:p>
             <a:fld id="{CE036CB1-5950-409A-BF4D-F587253C7E33}" type="slidenum">
               <a:rPr lang="zh-TW" altLang="en-US" smtClean="0"/>
-              <a:t>23</a:t>
+              <a:t>22</a:t>
             </a:fld>
             <a:endParaRPr lang="zh-TW" altLang="en-US"/>
           </a:p>
@@ -11788,6 +11613,231 @@
   <p:clrMapOvr>
     <a:masterClrMapping/>
   </p:clrMapOvr>
+  <p:timing>
+    <p:tnLst>
+      <p:par>
+        <p:cTn id="1" dur="indefinite" restart="never" nodeType="tmRoot"/>
+      </p:par>
+    </p:tnLst>
+  </p:timing>
+</p:sld>
+</file>
+
+<file path=ppt/slides/slide23.xml><?xml version="1.0" encoding="utf-8"?>
+<p:sld xmlns:a="http://schemas.openxmlformats.org/drawingml/2006/main" xmlns:r="http://schemas.openxmlformats.org/officeDocument/2006/relationships" xmlns:p="http://schemas.openxmlformats.org/presentationml/2006/main">
+  <p:cSld>
+    <p:spTree>
+      <p:nvGrpSpPr>
+        <p:cNvPr id="1" name=""/>
+        <p:cNvGrpSpPr/>
+        <p:nvPr/>
+      </p:nvGrpSpPr>
+      <p:grpSpPr>
+        <a:xfrm>
+          <a:off x="0" y="0"/>
+          <a:ext cx="0" cy="0"/>
+          <a:chOff x="0" y="0"/>
+          <a:chExt cx="0" cy="0"/>
+        </a:xfrm>
+      </p:grpSpPr>
+      <p:sp>
+        <p:nvSpPr>
+          <p:cNvPr id="2" name="標題 1"/>
+          <p:cNvSpPr>
+            <a:spLocks noGrp="1"/>
+          </p:cNvSpPr>
+          <p:nvPr>
+            <p:ph type="title"/>
+          </p:nvPr>
+        </p:nvSpPr>
+        <p:spPr/>
+        <p:txBody>
+          <a:bodyPr/>
+          <a:lstStyle/>
+          <a:p>
+            <a:r>
+              <a:rPr lang="en-US" altLang="zh-TW" dirty="0"/>
+              <a:t>The D</a:t>
+            </a:r>
+            <a:r>
+              <a:rPr lang="en-US" altLang="zh-TW" dirty="0" smtClean="0"/>
+              <a:t>ata structure bottleneck</a:t>
+            </a:r>
+            <a:endParaRPr lang="zh-TW" altLang="en-US" dirty="0"/>
+          </a:p>
+        </p:txBody>
+      </p:sp>
+      <p:sp>
+        <p:nvSpPr>
+          <p:cNvPr id="3" name="內容版面配置區 2"/>
+          <p:cNvSpPr>
+            <a:spLocks noGrp="1"/>
+          </p:cNvSpPr>
+          <p:nvPr>
+            <p:ph idx="1"/>
+          </p:nvPr>
+        </p:nvSpPr>
+        <p:spPr/>
+        <p:txBody>
+          <a:bodyPr/>
+          <a:lstStyle/>
+          <a:p>
+            <a:r>
+              <a:rPr lang="en-US" altLang="zh-TW" dirty="0" smtClean="0"/>
+              <a:t>All operation will through structure DA to do the operation</a:t>
+            </a:r>
+          </a:p>
+          <a:p>
+            <a:r>
+              <a:rPr lang="en-US" altLang="zh-TW" dirty="0" smtClean="0"/>
+              <a:t>For each replica, they will copy qubit matrix to </a:t>
+            </a:r>
+            <a:r>
+              <a:rPr lang="en-US" altLang="zh-TW" dirty="0" err="1" smtClean="0"/>
+              <a:t>da.qubit_matrix</a:t>
+            </a:r>
+            <a:endParaRPr lang="en-US" altLang="zh-TW" dirty="0" smtClean="0"/>
+          </a:p>
+          <a:p>
+            <a:r>
+              <a:rPr lang="en-US" altLang="zh-TW" dirty="0" smtClean="0"/>
+              <a:t>Each function rely on </a:t>
+            </a:r>
+            <a:r>
+              <a:rPr lang="en-US" altLang="zh-TW" dirty="0" err="1" smtClean="0"/>
+              <a:t>da.qubit_matrix</a:t>
+            </a:r>
+            <a:r>
+              <a:rPr lang="en-US" altLang="zh-TW" dirty="0" smtClean="0"/>
+              <a:t> to </a:t>
+            </a:r>
+            <a:r>
+              <a:rPr lang="en-US" altLang="zh-TW" dirty="0" err="1" smtClean="0"/>
+              <a:t>opreate</a:t>
+            </a:r>
+            <a:endParaRPr lang="en-US" altLang="zh-TW" dirty="0"/>
+          </a:p>
+          <a:p>
+            <a:pPr lvl="1"/>
+            <a:r>
+              <a:rPr lang="en-US" altLang="zh-TW" dirty="0" smtClean="0"/>
+              <a:t>Cause cannot do parallel</a:t>
+            </a:r>
+            <a:endParaRPr lang="zh-TW" altLang="en-US" dirty="0"/>
+          </a:p>
+        </p:txBody>
+      </p:sp>
+      <p:sp>
+        <p:nvSpPr>
+          <p:cNvPr id="4" name="日期版面配置區 3"/>
+          <p:cNvSpPr>
+            <a:spLocks noGrp="1"/>
+          </p:cNvSpPr>
+          <p:nvPr>
+            <p:ph type="dt" sz="half" idx="10"/>
+          </p:nvPr>
+        </p:nvSpPr>
+        <p:spPr/>
+        <p:txBody>
+          <a:bodyPr/>
+          <a:lstStyle/>
+          <a:p>
+            <a:fld id="{4E5F59F2-AFC6-4CBC-9106-DE8E8FF73E8B}" type="datetime1">
+              <a:rPr lang="zh-TW" altLang="en-US" smtClean="0"/>
+              <a:t>2021/2/8</a:t>
+            </a:fld>
+            <a:endParaRPr lang="zh-TW" altLang="en-US"/>
+          </a:p>
+        </p:txBody>
+      </p:sp>
+      <p:sp>
+        <p:nvSpPr>
+          <p:cNvPr id="5" name="投影片編號版面配置區 4"/>
+          <p:cNvSpPr>
+            <a:spLocks noGrp="1"/>
+          </p:cNvSpPr>
+          <p:nvPr>
+            <p:ph type="sldNum" sz="quarter" idx="12"/>
+          </p:nvPr>
+        </p:nvSpPr>
+        <p:spPr/>
+        <p:txBody>
+          <a:bodyPr/>
+          <a:lstStyle/>
+          <a:p>
+            <a:fld id="{CE036CB1-5950-409A-BF4D-F587253C7E33}" type="slidenum">
+              <a:rPr lang="zh-TW" altLang="en-US" smtClean="0"/>
+              <a:t>23</a:t>
+            </a:fld>
+            <a:endParaRPr lang="zh-TW" altLang="en-US"/>
+          </a:p>
+        </p:txBody>
+      </p:sp>
+      <p:pic>
+        <p:nvPicPr>
+          <p:cNvPr id="7" name="圖片 6"/>
+          <p:cNvPicPr>
+            <a:picLocks noChangeAspect="1"/>
+          </p:cNvPicPr>
+          <p:nvPr/>
+        </p:nvPicPr>
+        <p:blipFill>
+          <a:blip r:embed="rId2"/>
+          <a:stretch>
+            <a:fillRect/>
+          </a:stretch>
+        </p:blipFill>
+        <p:spPr>
+          <a:xfrm>
+            <a:off x="5004048" y="5153299"/>
+            <a:ext cx="3998959" cy="1383804"/>
+          </a:xfrm>
+          <a:prstGeom prst="rect">
+            <a:avLst/>
+          </a:prstGeom>
+        </p:spPr>
+      </p:pic>
+      <p:pic>
+        <p:nvPicPr>
+          <p:cNvPr id="8" name="圖片 7"/>
+          <p:cNvPicPr>
+            <a:picLocks noChangeAspect="1"/>
+          </p:cNvPicPr>
+          <p:nvPr/>
+        </p:nvPicPr>
+        <p:blipFill>
+          <a:blip r:embed="rId3"/>
+          <a:stretch>
+            <a:fillRect/>
+          </a:stretch>
+        </p:blipFill>
+        <p:spPr>
+          <a:xfrm>
+            <a:off x="457200" y="4869160"/>
+            <a:ext cx="4485617" cy="1673014"/>
+          </a:xfrm>
+          <a:prstGeom prst="rect">
+            <a:avLst/>
+          </a:prstGeom>
+        </p:spPr>
+      </p:pic>
+    </p:spTree>
+    <p:extLst>
+      <p:ext uri="{BB962C8B-B14F-4D97-AF65-F5344CB8AC3E}">
+        <p14:creationId xmlns:p14="http://schemas.microsoft.com/office/powerpoint/2010/main" val="554130008"/>
+      </p:ext>
+    </p:extLst>
+  </p:cSld>
+  <p:clrMapOvr>
+    <a:masterClrMapping/>
+  </p:clrMapOvr>
+  <p:timing>
+    <p:tnLst>
+      <p:par>
+        <p:cTn id="1" dur="indefinite" restart="never" nodeType="tmRoot"/>
+      </p:par>
+    </p:tnLst>
+  </p:timing>
 </p:sld>
 </file>
 
@@ -11824,8 +11874,24 @@
           <a:lstStyle/>
           <a:p>
             <a:r>
+              <a:rPr lang="en-US" altLang="zh-TW" dirty="0" smtClean="0"/>
+              <a:t>Rebuild the </a:t>
+            </a:r>
+            <a:r>
               <a:rPr lang="en-US" altLang="zh-TW" dirty="0"/>
-              <a:t>Replica exchange scheme (cont.)</a:t>
+              <a:t>D</a:t>
+            </a:r>
+            <a:r>
+              <a:rPr lang="en-US" altLang="zh-TW" dirty="0" smtClean="0"/>
+              <a:t>ata </a:t>
+            </a:r>
+            <a:r>
+              <a:rPr lang="en-US" altLang="zh-TW" dirty="0"/>
+              <a:t>S</a:t>
+            </a:r>
+            <a:r>
+              <a:rPr lang="en-US" altLang="zh-TW" dirty="0" smtClean="0"/>
+              <a:t>tructure</a:t>
             </a:r>
             <a:endParaRPr lang="zh-TW" altLang="en-US" dirty="0"/>
           </a:p>
@@ -11847,50 +11913,42 @@
           <a:lstStyle/>
           <a:p>
             <a:r>
+              <a:rPr lang="en-US" altLang="zh-TW" dirty="0" smtClean="0"/>
+              <a:t>Delete the DA structure</a:t>
+            </a:r>
+          </a:p>
+          <a:p>
+            <a:r>
+              <a:rPr lang="en-US" altLang="zh-TW" dirty="0" smtClean="0"/>
+              <a:t>Each </a:t>
+            </a:r>
+            <a:r>
               <a:rPr lang="en-US" altLang="zh-TW" dirty="0"/>
-              <a:t>Change the Data Structure of code, so as to do parallel calculation</a:t>
-            </a:r>
-          </a:p>
-          <a:p>
-            <a:pPr lvl="1"/>
+              <a:t>function rely on </a:t>
+            </a:r>
+            <a:r>
+              <a:rPr lang="en-US" altLang="zh-TW" dirty="0" err="1" smtClean="0"/>
+              <a:t>replica.qubit_matrix</a:t>
+            </a:r>
+            <a:r>
+              <a:rPr lang="en-US" altLang="zh-TW" dirty="0" smtClean="0"/>
+              <a:t> </a:t>
+            </a:r>
             <a:r>
               <a:rPr lang="en-US" altLang="zh-TW" dirty="0"/>
-              <a:t>Loop unrolling do not help parallel</a:t>
-            </a:r>
-          </a:p>
-          <a:p>
-            <a:pPr lvl="1"/>
-            <a:r>
-              <a:rPr lang="en-US" altLang="zh-TW" dirty="0"/>
-              <a:t>Inline the small functions and construct each replica as an instance</a:t>
-            </a:r>
-          </a:p>
-          <a:p>
-            <a:pPr lvl="1"/>
-            <a:r>
-              <a:rPr lang="en-US" altLang="zh-TW" dirty="0"/>
-              <a:t>HLS still schedule sequentially</a:t>
-            </a:r>
-          </a:p>
-          <a:p>
+              <a:t>to </a:t>
+            </a:r>
+            <a:r>
+              <a:rPr lang="en-US" altLang="zh-TW" dirty="0" smtClean="0"/>
+              <a:t>operate</a:t>
+            </a:r>
             <a:endParaRPr lang="en-US" altLang="zh-TW" dirty="0"/>
           </a:p>
           <a:p>
             <a:r>
-              <a:rPr lang="en-US" altLang="zh-TW"/>
-              <a:t>Finally, </a:t>
-            </a:r>
-            <a:r>
-              <a:rPr lang="en-US" altLang="zh-TW" dirty="0"/>
-              <a:t>only use </a:t>
-            </a:r>
-            <a:r>
-              <a:rPr lang="en-US" altLang="zh-TW"/>
-              <a:t>pipeline structure</a:t>
-            </a:r>
-            <a:endParaRPr lang="en-US" altLang="zh-TW" dirty="0"/>
-          </a:p>
-          <a:p>
+              <a:rPr lang="en-US" altLang="zh-TW" dirty="0" smtClean="0"/>
+              <a:t>Possible to do parallel   </a:t>
+            </a:r>
             <a:endParaRPr lang="zh-TW" altLang="en-US" dirty="0"/>
           </a:p>
         </p:txBody>
@@ -11912,7 +11970,7 @@
           <a:p>
             <a:fld id="{4E5F59F2-AFC6-4CBC-9106-DE8E8FF73E8B}" type="datetime1">
               <a:rPr lang="zh-TW" altLang="en-US" smtClean="0"/>
-              <a:t>2021/1/21</a:t>
+              <a:t>2021/2/8</a:t>
             </a:fld>
             <a:endParaRPr lang="zh-TW" altLang="en-US"/>
           </a:p>
@@ -11944,13 +12002,20 @@
     </p:spTree>
     <p:extLst>
       <p:ext uri="{BB962C8B-B14F-4D97-AF65-F5344CB8AC3E}">
-        <p14:creationId xmlns:p14="http://schemas.microsoft.com/office/powerpoint/2010/main" val="175086206"/>
+        <p14:creationId xmlns:p14="http://schemas.microsoft.com/office/powerpoint/2010/main" val="2648065084"/>
       </p:ext>
     </p:extLst>
   </p:cSld>
   <p:clrMapOvr>
     <a:masterClrMapping/>
   </p:clrMapOvr>
+  <p:timing>
+    <p:tnLst>
+      <p:par>
+        <p:cTn id="1" dur="indefinite" restart="never" nodeType="tmRoot"/>
+      </p:par>
+    </p:tnLst>
+  </p:timing>
 </p:sld>
 </file>
 
@@ -11988,7 +12053,7 @@
           <a:p>
             <a:r>
               <a:rPr lang="en-US" altLang="zh-TW" dirty="0" smtClean="0"/>
-              <a:t>Compare Report</a:t>
+              <a:t>Baseline</a:t>
             </a:r>
             <a:endParaRPr lang="zh-TW" altLang="en-US" dirty="0"/>
           </a:p>
@@ -12009,7 +12074,28 @@
           <a:bodyPr/>
           <a:lstStyle/>
           <a:p>
-            <a:endParaRPr lang="zh-TW" altLang="en-US"/>
+            <a:r>
+              <a:rPr lang="en-US" altLang="zh-TW" dirty="0" smtClean="0"/>
+              <a:t>Force all </a:t>
+            </a:r>
+            <a:r>
+              <a:rPr lang="en-US" altLang="zh-TW" dirty="0" err="1" smtClean="0"/>
+              <a:t>execute_replica</a:t>
+            </a:r>
+            <a:r>
+              <a:rPr lang="en-US" altLang="zh-TW" dirty="0" smtClean="0"/>
+              <a:t>() be individual</a:t>
+            </a:r>
+          </a:p>
+          <a:p>
+            <a:r>
+              <a:rPr lang="en-US" altLang="zh-TW" dirty="0" smtClean="0"/>
+              <a:t>Copy this function to N copies</a:t>
+            </a:r>
+            <a:endParaRPr lang="en-US" altLang="zh-TW" dirty="0"/>
+          </a:p>
+          <a:p>
+            <a:endParaRPr lang="zh-TW" altLang="en-US" dirty="0"/>
           </a:p>
         </p:txBody>
       </p:sp>
@@ -12030,7 +12116,7 @@
           <a:p>
             <a:fld id="{4E5F59F2-AFC6-4CBC-9106-DE8E8FF73E8B}" type="datetime1">
               <a:rPr lang="zh-TW" altLang="en-US" smtClean="0"/>
-              <a:t>2021/1/21</a:t>
+              <a:t>2021/2/8</a:t>
             </a:fld>
             <a:endParaRPr lang="zh-TW" altLang="en-US"/>
           </a:p>
@@ -12061,38 +12147,133 @@
       </p:sp>
       <p:pic>
         <p:nvPicPr>
-          <p:cNvPr id="6" name="圖片 5"/>
+          <p:cNvPr id="8" name="圖片 7"/>
           <p:cNvPicPr>
             <a:picLocks noChangeAspect="1"/>
           </p:cNvPicPr>
           <p:nvPr/>
         </p:nvPicPr>
         <p:blipFill>
-          <a:blip r:embed="rId2"/>
+          <a:blip r:embed="rId3"/>
           <a:stretch>
             <a:fillRect/>
           </a:stretch>
         </p:blipFill>
         <p:spPr>
           <a:xfrm>
-            <a:off x="1536779" y="1600200"/>
-            <a:ext cx="5808089" cy="4875312"/>
+            <a:off x="971600" y="2708920"/>
+            <a:ext cx="2971800" cy="3667125"/>
           </a:xfrm>
           <a:prstGeom prst="rect">
             <a:avLst/>
           </a:prstGeom>
         </p:spPr>
       </p:pic>
+      <p:sp>
+        <p:nvSpPr>
+          <p:cNvPr id="9" name="雲朵形圖說文字 8"/>
+          <p:cNvSpPr/>
+          <p:nvPr/>
+        </p:nvSpPr>
+        <p:spPr>
+          <a:xfrm>
+            <a:off x="4572000" y="3068960"/>
+            <a:ext cx="3888432" cy="1656184"/>
+          </a:xfrm>
+          <a:prstGeom prst="cloudCallout">
+            <a:avLst/>
+          </a:prstGeom>
+        </p:spPr>
+        <p:style>
+          <a:lnRef idx="2">
+            <a:schemeClr val="accent6">
+              <a:shade val="50000"/>
+            </a:schemeClr>
+          </a:lnRef>
+          <a:fillRef idx="1">
+            <a:schemeClr val="accent6"/>
+          </a:fillRef>
+          <a:effectRef idx="0">
+            <a:schemeClr val="accent6"/>
+          </a:effectRef>
+          <a:fontRef idx="minor">
+            <a:schemeClr val="lt1"/>
+          </a:fontRef>
+        </p:style>
+        <p:txBody>
+          <a:bodyPr rtlCol="0" anchor="ctr"/>
+          <a:lstStyle/>
+          <a:p>
+            <a:pPr algn="ctr"/>
+            <a:r>
+              <a:rPr lang="en-US" altLang="zh-TW" dirty="0" smtClean="0"/>
+              <a:t>Will do parallel?</a:t>
+            </a:r>
+            <a:endParaRPr lang="zh-TW" altLang="en-US" dirty="0"/>
+          </a:p>
+        </p:txBody>
+      </p:sp>
+      <p:sp>
+        <p:nvSpPr>
+          <p:cNvPr id="11" name="流程圖: 程序 10"/>
+          <p:cNvSpPr/>
+          <p:nvPr/>
+        </p:nvSpPr>
+        <p:spPr>
+          <a:xfrm>
+            <a:off x="4932040" y="5445224"/>
+            <a:ext cx="3672408" cy="720080"/>
+          </a:xfrm>
+          <a:prstGeom prst="flowChartProcess">
+            <a:avLst/>
+          </a:prstGeom>
+        </p:spPr>
+        <p:style>
+          <a:lnRef idx="2">
+            <a:schemeClr val="dk1">
+              <a:shade val="50000"/>
+            </a:schemeClr>
+          </a:lnRef>
+          <a:fillRef idx="1">
+            <a:schemeClr val="dk1"/>
+          </a:fillRef>
+          <a:effectRef idx="0">
+            <a:schemeClr val="dk1"/>
+          </a:effectRef>
+          <a:fontRef idx="minor">
+            <a:schemeClr val="lt1"/>
+          </a:fontRef>
+        </p:style>
+        <p:txBody>
+          <a:bodyPr rtlCol="0" anchor="ctr"/>
+          <a:lstStyle/>
+          <a:p>
+            <a:pPr algn="ctr"/>
+            <a:r>
+              <a:rPr lang="en-US" altLang="zh-TW" dirty="0" smtClean="0"/>
+              <a:t>So inconvenience…</a:t>
+            </a:r>
+            <a:endParaRPr lang="zh-TW" altLang="en-US" dirty="0"/>
+          </a:p>
+        </p:txBody>
+      </p:sp>
     </p:spTree>
     <p:extLst>
       <p:ext uri="{BB962C8B-B14F-4D97-AF65-F5344CB8AC3E}">
-        <p14:creationId xmlns:p14="http://schemas.microsoft.com/office/powerpoint/2010/main" val="3482929316"/>
+        <p14:creationId xmlns:p14="http://schemas.microsoft.com/office/powerpoint/2010/main" val="844076220"/>
       </p:ext>
     </p:extLst>
   </p:cSld>
   <p:clrMapOvr>
     <a:masterClrMapping/>
   </p:clrMapOvr>
+  <p:timing>
+    <p:tnLst>
+      <p:par>
+        <p:cTn id="1" dur="indefinite" restart="never" nodeType="tmRoot"/>
+      </p:par>
+    </p:tnLst>
+  </p:timing>
 </p:sld>
 </file>
 
@@ -12129,12 +12310,12 @@
           <a:lstStyle/>
           <a:p>
             <a:r>
-              <a:rPr lang="en-US" altLang="zh-TW" dirty="0" err="1" smtClean="0"/>
-              <a:t>Cosim</a:t>
-            </a:r>
-            <a:r>
               <a:rPr lang="en-US" altLang="zh-TW" dirty="0" smtClean="0"/>
-              <a:t> Result</a:t>
+              <a:t>Success </a:t>
+            </a:r>
+            <a:r>
+              <a:rPr lang="en-US" altLang="zh-TW" dirty="0"/>
+              <a:t>to parallel replica scheme</a:t>
             </a:r>
             <a:endParaRPr lang="zh-TW" altLang="en-US" dirty="0"/>
           </a:p>
@@ -12155,7 +12336,26 @@
           <a:bodyPr/>
           <a:lstStyle/>
           <a:p>
-            <a:endParaRPr lang="zh-TW" altLang="en-US"/>
+            <a:r>
+              <a:rPr lang="en-US" altLang="zh-TW" dirty="0"/>
+              <a:t>Replica : </a:t>
+            </a:r>
+            <a:r>
+              <a:rPr lang="en-US" altLang="zh-TW" dirty="0" smtClean="0"/>
+              <a:t>20, Iteration </a:t>
+            </a:r>
+            <a:r>
+              <a:rPr lang="en-US" altLang="zh-TW" dirty="0"/>
+              <a:t>: </a:t>
+            </a:r>
+            <a:r>
+              <a:rPr lang="en-US" altLang="zh-TW" dirty="0" smtClean="0"/>
+              <a:t>20</a:t>
+            </a:r>
+            <a:endParaRPr lang="zh-TW" altLang="en-US" dirty="0"/>
+          </a:p>
+          <a:p>
+            <a:endParaRPr lang="zh-TW" altLang="en-US" dirty="0"/>
           </a:p>
         </p:txBody>
       </p:sp>
@@ -12176,7 +12376,7 @@
           <a:p>
             <a:fld id="{4E5F59F2-AFC6-4CBC-9106-DE8E8FF73E8B}" type="datetime1">
               <a:rPr lang="zh-TW" altLang="en-US" smtClean="0"/>
-              <a:t>2021/1/21</a:t>
+              <a:t>2021/2/8</a:t>
             </a:fld>
             <a:endParaRPr lang="zh-TW" altLang="en-US"/>
           </a:p>
@@ -12200,6 +12400,2269 @@
             <a:fld id="{CE036CB1-5950-409A-BF4D-F587253C7E33}" type="slidenum">
               <a:rPr lang="zh-TW" altLang="en-US" smtClean="0"/>
               <a:t>26</a:t>
+            </a:fld>
+            <a:endParaRPr lang="zh-TW" altLang="en-US"/>
+          </a:p>
+        </p:txBody>
+      </p:sp>
+      <p:pic>
+        <p:nvPicPr>
+          <p:cNvPr id="6" name="圖片 5"/>
+          <p:cNvPicPr>
+            <a:picLocks noChangeAspect="1"/>
+          </p:cNvPicPr>
+          <p:nvPr/>
+        </p:nvPicPr>
+        <p:blipFill rotWithShape="1">
+          <a:blip r:embed="rId3"/>
+          <a:srcRect b="65465"/>
+          <a:stretch/>
+        </p:blipFill>
+        <p:spPr>
+          <a:xfrm>
+            <a:off x="755576" y="2492896"/>
+            <a:ext cx="5581650" cy="936104"/>
+          </a:xfrm>
+          <a:prstGeom prst="rect">
+            <a:avLst/>
+          </a:prstGeom>
+        </p:spPr>
+      </p:pic>
+      <p:pic>
+        <p:nvPicPr>
+          <p:cNvPr id="7" name="圖片 6"/>
+          <p:cNvPicPr>
+            <a:picLocks noChangeAspect="1"/>
+          </p:cNvPicPr>
+          <p:nvPr/>
+        </p:nvPicPr>
+        <p:blipFill>
+          <a:blip r:embed="rId4"/>
+          <a:stretch>
+            <a:fillRect/>
+          </a:stretch>
+        </p:blipFill>
+        <p:spPr>
+          <a:xfrm>
+            <a:off x="1497248" y="3401529"/>
+            <a:ext cx="6927502" cy="3411847"/>
+          </a:xfrm>
+          <a:prstGeom prst="rect">
+            <a:avLst/>
+          </a:prstGeom>
+        </p:spPr>
+      </p:pic>
+      <p:sp>
+        <p:nvSpPr>
+          <p:cNvPr id="8" name="矩形 7"/>
+          <p:cNvSpPr/>
+          <p:nvPr/>
+        </p:nvSpPr>
+        <p:spPr>
+          <a:xfrm>
+            <a:off x="3131840" y="3016634"/>
+            <a:ext cx="1008112" cy="432048"/>
+          </a:xfrm>
+          <a:prstGeom prst="rect">
+            <a:avLst/>
+          </a:prstGeom>
+          <a:noFill/>
+          <a:ln>
+            <a:solidFill>
+              <a:srgbClr val="FF0000"/>
+            </a:solidFill>
+          </a:ln>
+        </p:spPr>
+        <p:style>
+          <a:lnRef idx="2">
+            <a:schemeClr val="accent1">
+              <a:shade val="50000"/>
+            </a:schemeClr>
+          </a:lnRef>
+          <a:fillRef idx="1">
+            <a:schemeClr val="accent1"/>
+          </a:fillRef>
+          <a:effectRef idx="0">
+            <a:schemeClr val="accent1"/>
+          </a:effectRef>
+          <a:fontRef idx="minor">
+            <a:schemeClr val="lt1"/>
+          </a:fontRef>
+        </p:style>
+        <p:txBody>
+          <a:bodyPr rtlCol="0" anchor="ctr"/>
+          <a:lstStyle/>
+          <a:p>
+            <a:pPr algn="ctr"/>
+            <a:endParaRPr lang="zh-TW" altLang="en-US"/>
+          </a:p>
+        </p:txBody>
+      </p:sp>
+      <p:sp>
+        <p:nvSpPr>
+          <p:cNvPr id="10" name="矩形 9"/>
+          <p:cNvSpPr/>
+          <p:nvPr/>
+        </p:nvSpPr>
+        <p:spPr>
+          <a:xfrm>
+            <a:off x="6444208" y="3861048"/>
+            <a:ext cx="504056" cy="2592288"/>
+          </a:xfrm>
+          <a:prstGeom prst="rect">
+            <a:avLst/>
+          </a:prstGeom>
+          <a:noFill/>
+          <a:ln>
+            <a:solidFill>
+              <a:srgbClr val="FF0000"/>
+            </a:solidFill>
+          </a:ln>
+        </p:spPr>
+        <p:style>
+          <a:lnRef idx="2">
+            <a:schemeClr val="accent1">
+              <a:shade val="50000"/>
+            </a:schemeClr>
+          </a:lnRef>
+          <a:fillRef idx="1">
+            <a:schemeClr val="accent1"/>
+          </a:fillRef>
+          <a:effectRef idx="0">
+            <a:schemeClr val="accent1"/>
+          </a:effectRef>
+          <a:fontRef idx="minor">
+            <a:schemeClr val="lt1"/>
+          </a:fontRef>
+        </p:style>
+        <p:txBody>
+          <a:bodyPr rtlCol="0" anchor="ctr"/>
+          <a:lstStyle/>
+          <a:p>
+            <a:pPr algn="ctr"/>
+            <a:endParaRPr lang="zh-TW" altLang="en-US"/>
+          </a:p>
+        </p:txBody>
+      </p:sp>
+      <p:sp>
+        <p:nvSpPr>
+          <p:cNvPr id="11" name="爆炸 1 10"/>
+          <p:cNvSpPr/>
+          <p:nvPr/>
+        </p:nvSpPr>
+        <p:spPr>
+          <a:xfrm>
+            <a:off x="6444208" y="1982956"/>
+            <a:ext cx="2232248" cy="1765969"/>
+          </a:xfrm>
+          <a:prstGeom prst="irregularSeal1">
+            <a:avLst/>
+          </a:prstGeom>
+          <a:noFill/>
+          <a:ln>
+            <a:solidFill>
+              <a:srgbClr val="FF0000"/>
+            </a:solidFill>
+          </a:ln>
+        </p:spPr>
+        <p:style>
+          <a:lnRef idx="2">
+            <a:schemeClr val="accent1">
+              <a:shade val="50000"/>
+            </a:schemeClr>
+          </a:lnRef>
+          <a:fillRef idx="1">
+            <a:schemeClr val="accent1"/>
+          </a:fillRef>
+          <a:effectRef idx="0">
+            <a:schemeClr val="accent1"/>
+          </a:effectRef>
+          <a:fontRef idx="minor">
+            <a:schemeClr val="lt1"/>
+          </a:fontRef>
+        </p:style>
+        <p:txBody>
+          <a:bodyPr rtlCol="0" anchor="ctr"/>
+          <a:lstStyle/>
+          <a:p>
+            <a:pPr algn="ctr"/>
+            <a:r>
+              <a:rPr lang="en-US" altLang="zh-TW" dirty="0" smtClean="0">
+                <a:ln w="0"/>
+                <a:solidFill>
+                  <a:schemeClr val="tx1"/>
+                </a:solidFill>
+                <a:effectLst>
+                  <a:outerShdw blurRad="38100" dist="19050" dir="2700000" algn="tl" rotWithShape="0">
+                    <a:schemeClr val="dk1">
+                      <a:alpha val="40000"/>
+                    </a:schemeClr>
+                  </a:outerShdw>
+                </a:effectLst>
+              </a:rPr>
+              <a:t>Parallel</a:t>
+            </a:r>
+            <a:endParaRPr lang="zh-TW" altLang="en-US" dirty="0">
+              <a:ln w="0"/>
+              <a:solidFill>
+                <a:schemeClr val="tx1"/>
+              </a:solidFill>
+              <a:effectLst>
+                <a:outerShdw blurRad="38100" dist="19050" dir="2700000" algn="tl" rotWithShape="0">
+                  <a:schemeClr val="dk1">
+                    <a:alpha val="40000"/>
+                  </a:schemeClr>
+                </a:outerShdw>
+              </a:effectLst>
+            </a:endParaRPr>
+          </a:p>
+        </p:txBody>
+      </p:sp>
+      <mc:AlternateContent xmlns:mc="http://schemas.openxmlformats.org/markup-compatibility/2006" xmlns:a14="http://schemas.microsoft.com/office/drawing/2010/main">
+        <mc:Choice Requires="a14">
+          <p:sp>
+            <p:nvSpPr>
+              <p:cNvPr id="13" name="圓角矩形 12"/>
+              <p:cNvSpPr/>
+              <p:nvPr/>
+            </p:nvSpPr>
+            <p:spPr>
+              <a:xfrm>
+                <a:off x="2590800" y="2074975"/>
+                <a:ext cx="3456384" cy="504056"/>
+              </a:xfrm>
+              <a:prstGeom prst="roundRect">
+                <a:avLst/>
+              </a:prstGeom>
+              <a:solidFill>
+                <a:schemeClr val="bg1"/>
+              </a:solidFill>
+              <a:ln>
+                <a:solidFill>
+                  <a:srgbClr val="FF0000"/>
+                </a:solidFill>
+              </a:ln>
+            </p:spPr>
+            <p:style>
+              <a:lnRef idx="2">
+                <a:schemeClr val="accent4">
+                  <a:shade val="50000"/>
+                </a:schemeClr>
+              </a:lnRef>
+              <a:fillRef idx="1">
+                <a:schemeClr val="accent4"/>
+              </a:fillRef>
+              <a:effectRef idx="0">
+                <a:schemeClr val="accent4"/>
+              </a:effectRef>
+              <a:fontRef idx="minor">
+                <a:schemeClr val="lt1"/>
+              </a:fontRef>
+            </p:style>
+            <p:txBody>
+              <a:bodyPr rtlCol="0" anchor="ctr"/>
+              <a:lstStyle/>
+              <a:p>
+                <a:pPr algn="ctr"/>
+                <a14:m>
+                  <m:oMath xmlns:m="http://schemas.openxmlformats.org/officeDocument/2006/math">
+                    <m:r>
+                      <a:rPr lang="en-US" altLang="zh-TW" smtClean="0">
+                        <a:ln w="0"/>
+                        <a:solidFill>
+                          <a:schemeClr val="tx1"/>
+                        </a:solidFill>
+                        <a:effectLst>
+                          <a:outerShdw blurRad="38100" dist="19050" dir="2700000" algn="tl" rotWithShape="0">
+                            <a:schemeClr val="dk1">
+                              <a:alpha val="40000"/>
+                            </a:schemeClr>
+                          </a:outerShdw>
+                        </a:effectLst>
+                        <a:latin typeface="Cambria Math" panose="02040503050406030204" pitchFamily="18" charset="0"/>
+                      </a:rPr>
+                      <m:t>≈</m:t>
+                    </m:r>
+                  </m:oMath>
+                </a14:m>
+                <a:r>
+                  <a:rPr lang="en-US" altLang="zh-TW" dirty="0" smtClean="0">
+                    <a:ln w="0"/>
+                    <a:solidFill>
+                      <a:schemeClr val="tx1"/>
+                    </a:solidFill>
+                    <a:effectLst>
+                      <a:outerShdw blurRad="38100" dist="19050" dir="2700000" algn="tl" rotWithShape="0">
+                        <a:schemeClr val="dk1">
+                          <a:alpha val="40000"/>
+                        </a:schemeClr>
+                      </a:outerShdw>
+                    </a:effectLst>
+                  </a:rPr>
+                  <a:t>0.198*20</a:t>
+                </a:r>
+                <a:endParaRPr lang="zh-TW" altLang="en-US" dirty="0"/>
+              </a:p>
+            </p:txBody>
+          </p:sp>
+        </mc:Choice>
+        <mc:Fallback xmlns="">
+          <p:sp>
+            <p:nvSpPr>
+              <p:cNvPr id="13" name="圓角矩形 12"/>
+              <p:cNvSpPr>
+                <a:spLocks noRot="1" noChangeAspect="1" noMove="1" noResize="1" noEditPoints="1" noAdjustHandles="1" noChangeArrowheads="1" noChangeShapeType="1" noTextEdit="1"/>
+              </p:cNvSpPr>
+              <p:nvPr/>
+            </p:nvSpPr>
+            <p:spPr>
+              <a:xfrm>
+                <a:off x="2590800" y="2074975"/>
+                <a:ext cx="3456384" cy="504056"/>
+              </a:xfrm>
+              <a:prstGeom prst="roundRect">
+                <a:avLst/>
+              </a:prstGeom>
+              <a:blipFill>
+                <a:blip r:embed="rId5"/>
+                <a:stretch>
+                  <a:fillRect b="-6897"/>
+                </a:stretch>
+              </a:blipFill>
+              <a:ln>
+                <a:solidFill>
+                  <a:srgbClr val="FF0000"/>
+                </a:solidFill>
+              </a:ln>
+            </p:spPr>
+            <p:txBody>
+              <a:bodyPr/>
+              <a:lstStyle/>
+              <a:p>
+                <a:r>
+                  <a:rPr lang="zh-TW" altLang="en-US">
+                    <a:noFill/>
+                  </a:rPr>
+                  <a:t> </a:t>
+                </a:r>
+              </a:p>
+            </p:txBody>
+          </p:sp>
+        </mc:Fallback>
+      </mc:AlternateContent>
+    </p:spTree>
+    <p:extLst>
+      <p:ext uri="{BB962C8B-B14F-4D97-AF65-F5344CB8AC3E}">
+        <p14:creationId xmlns:p14="http://schemas.microsoft.com/office/powerpoint/2010/main" val="4017540144"/>
+      </p:ext>
+    </p:extLst>
+  </p:cSld>
+  <p:clrMapOvr>
+    <a:masterClrMapping/>
+  </p:clrMapOvr>
+  <p:timing>
+    <p:tnLst>
+      <p:par>
+        <p:cTn id="1" dur="indefinite" restart="never" nodeType="tmRoot"/>
+      </p:par>
+    </p:tnLst>
+  </p:timing>
+</p:sld>
+</file>
+
+<file path=ppt/slides/slide27.xml><?xml version="1.0" encoding="utf-8"?>
+<p:sld xmlns:a="http://schemas.openxmlformats.org/drawingml/2006/main" xmlns:r="http://schemas.openxmlformats.org/officeDocument/2006/relationships" xmlns:p="http://schemas.openxmlformats.org/presentationml/2006/main">
+  <p:cSld>
+    <p:spTree>
+      <p:nvGrpSpPr>
+        <p:cNvPr id="1" name=""/>
+        <p:cNvGrpSpPr/>
+        <p:nvPr/>
+      </p:nvGrpSpPr>
+      <p:grpSpPr>
+        <a:xfrm>
+          <a:off x="0" y="0"/>
+          <a:ext cx="0" cy="0"/>
+          <a:chOff x="0" y="0"/>
+          <a:chExt cx="0" cy="0"/>
+        </a:xfrm>
+      </p:grpSpPr>
+      <p:sp>
+        <p:nvSpPr>
+          <p:cNvPr id="2" name="標題 1"/>
+          <p:cNvSpPr>
+            <a:spLocks noGrp="1"/>
+          </p:cNvSpPr>
+          <p:nvPr>
+            <p:ph type="title"/>
+          </p:nvPr>
+        </p:nvSpPr>
+        <p:spPr/>
+        <p:txBody>
+          <a:bodyPr/>
+          <a:lstStyle/>
+          <a:p>
+            <a:r>
+              <a:rPr lang="en-US" altLang="zh-TW" dirty="0" smtClean="0"/>
+              <a:t>Success to parallel replica </a:t>
+            </a:r>
+            <a:r>
+              <a:rPr lang="en-US" altLang="zh-TW" dirty="0" smtClean="0"/>
+              <a:t>scheme(cont.)</a:t>
+            </a:r>
+            <a:endParaRPr lang="zh-TW" altLang="en-US" dirty="0"/>
+          </a:p>
+        </p:txBody>
+      </p:sp>
+      <p:sp>
+        <p:nvSpPr>
+          <p:cNvPr id="3" name="內容版面配置區 2"/>
+          <p:cNvSpPr>
+            <a:spLocks noGrp="1"/>
+          </p:cNvSpPr>
+          <p:nvPr>
+            <p:ph idx="1"/>
+          </p:nvPr>
+        </p:nvSpPr>
+        <p:spPr/>
+        <p:txBody>
+          <a:bodyPr/>
+          <a:lstStyle/>
+          <a:p>
+            <a:r>
+              <a:rPr lang="en-US" altLang="zh-TW" dirty="0" smtClean="0"/>
+              <a:t>Solution: Make sure each replica has a copy from some constant value</a:t>
+            </a:r>
+          </a:p>
+          <a:p>
+            <a:pPr lvl="1"/>
+            <a:r>
+              <a:rPr lang="en-US" altLang="zh-TW" dirty="0" smtClean="0"/>
+              <a:t>E.g. Distance Matrix</a:t>
+            </a:r>
+            <a:r>
+              <a:rPr lang="en-US" altLang="zh-TW" dirty="0"/>
+              <a:t>, </a:t>
+            </a:r>
+            <a:r>
+              <a:rPr lang="en-US" altLang="zh-TW" dirty="0" smtClean="0"/>
+              <a:t>parameter</a:t>
+            </a:r>
+          </a:p>
+          <a:p>
+            <a:pPr lvl="1"/>
+            <a:r>
+              <a:rPr lang="en-US" altLang="zh-TW" dirty="0" smtClean="0"/>
+              <a:t>Cons: More hardware</a:t>
+            </a:r>
+          </a:p>
+          <a:p>
+            <a:pPr lvl="2"/>
+            <a:r>
+              <a:rPr lang="en-US" altLang="zh-TW" dirty="0" smtClean="0"/>
+              <a:t>Parallel all replicas</a:t>
+            </a:r>
+            <a:endParaRPr lang="zh-TW" altLang="en-US" dirty="0"/>
+          </a:p>
+        </p:txBody>
+      </p:sp>
+      <p:sp>
+        <p:nvSpPr>
+          <p:cNvPr id="4" name="日期版面配置區 3"/>
+          <p:cNvSpPr>
+            <a:spLocks noGrp="1"/>
+          </p:cNvSpPr>
+          <p:nvPr>
+            <p:ph type="dt" sz="half" idx="10"/>
+          </p:nvPr>
+        </p:nvSpPr>
+        <p:spPr/>
+        <p:txBody>
+          <a:bodyPr/>
+          <a:lstStyle/>
+          <a:p>
+            <a:fld id="{4E5F59F2-AFC6-4CBC-9106-DE8E8FF73E8B}" type="datetime1">
+              <a:rPr lang="zh-TW" altLang="en-US" smtClean="0"/>
+              <a:t>2021/2/8</a:t>
+            </a:fld>
+            <a:endParaRPr lang="zh-TW" altLang="en-US"/>
+          </a:p>
+        </p:txBody>
+      </p:sp>
+      <p:sp>
+        <p:nvSpPr>
+          <p:cNvPr id="5" name="投影片編號版面配置區 4"/>
+          <p:cNvSpPr>
+            <a:spLocks noGrp="1"/>
+          </p:cNvSpPr>
+          <p:nvPr>
+            <p:ph type="sldNum" sz="quarter" idx="12"/>
+          </p:nvPr>
+        </p:nvSpPr>
+        <p:spPr/>
+        <p:txBody>
+          <a:bodyPr/>
+          <a:lstStyle/>
+          <a:p>
+            <a:fld id="{CE036CB1-5950-409A-BF4D-F587253C7E33}" type="slidenum">
+              <a:rPr lang="zh-TW" altLang="en-US" smtClean="0"/>
+              <a:t>27</a:t>
+            </a:fld>
+            <a:endParaRPr lang="zh-TW" altLang="en-US"/>
+          </a:p>
+        </p:txBody>
+      </p:sp>
+      <p:pic>
+        <p:nvPicPr>
+          <p:cNvPr id="12" name="圖片 11"/>
+          <p:cNvPicPr>
+            <a:picLocks noChangeAspect="1"/>
+          </p:cNvPicPr>
+          <p:nvPr/>
+        </p:nvPicPr>
+        <p:blipFill>
+          <a:blip r:embed="rId3"/>
+          <a:stretch>
+            <a:fillRect/>
+          </a:stretch>
+        </p:blipFill>
+        <p:spPr>
+          <a:xfrm>
+            <a:off x="4960038" y="4990420"/>
+            <a:ext cx="3762375" cy="1504950"/>
+          </a:xfrm>
+          <a:prstGeom prst="rect">
+            <a:avLst/>
+          </a:prstGeom>
+        </p:spPr>
+      </p:pic>
+      <p:sp>
+        <p:nvSpPr>
+          <p:cNvPr id="13" name="圓角矩形 12"/>
+          <p:cNvSpPr/>
+          <p:nvPr/>
+        </p:nvSpPr>
+        <p:spPr>
+          <a:xfrm>
+            <a:off x="6372200" y="3140968"/>
+            <a:ext cx="2268252" cy="1728192"/>
+          </a:xfrm>
+          <a:prstGeom prst="roundRect">
+            <a:avLst/>
+          </a:prstGeom>
+        </p:spPr>
+        <p:style>
+          <a:lnRef idx="3">
+            <a:schemeClr val="lt1"/>
+          </a:lnRef>
+          <a:fillRef idx="1">
+            <a:schemeClr val="accent4"/>
+          </a:fillRef>
+          <a:effectRef idx="1">
+            <a:schemeClr val="accent4"/>
+          </a:effectRef>
+          <a:fontRef idx="minor">
+            <a:schemeClr val="lt1"/>
+          </a:fontRef>
+        </p:style>
+        <p:txBody>
+          <a:bodyPr rtlCol="0" anchor="ctr"/>
+          <a:lstStyle/>
+          <a:p>
+            <a:pPr algn="ctr"/>
+            <a:r>
+              <a:rPr lang="en-US" altLang="zh-TW" dirty="0" smtClean="0"/>
+              <a:t>Some Common</a:t>
+            </a:r>
+          </a:p>
+          <a:p>
+            <a:pPr algn="ctr"/>
+            <a:r>
+              <a:rPr lang="en-US" altLang="zh-TW" dirty="0" smtClean="0"/>
+              <a:t>Datum should have N copies</a:t>
+            </a:r>
+            <a:endParaRPr lang="zh-TW" altLang="en-US" dirty="0"/>
+          </a:p>
+        </p:txBody>
+      </p:sp>
+      <p:pic>
+        <p:nvPicPr>
+          <p:cNvPr id="14" name="圖片 13"/>
+          <p:cNvPicPr>
+            <a:picLocks noChangeAspect="1"/>
+          </p:cNvPicPr>
+          <p:nvPr/>
+        </p:nvPicPr>
+        <p:blipFill>
+          <a:blip r:embed="rId4"/>
+          <a:stretch>
+            <a:fillRect/>
+          </a:stretch>
+        </p:blipFill>
+        <p:spPr>
+          <a:xfrm>
+            <a:off x="1187624" y="3844621"/>
+            <a:ext cx="3574951" cy="2824740"/>
+          </a:xfrm>
+          <a:prstGeom prst="rect">
+            <a:avLst/>
+          </a:prstGeom>
+        </p:spPr>
+      </p:pic>
+      <p:cxnSp>
+        <p:nvCxnSpPr>
+          <p:cNvPr id="16" name="直線單箭頭接點 15"/>
+          <p:cNvCxnSpPr/>
+          <p:nvPr/>
+        </p:nvCxnSpPr>
+        <p:spPr>
+          <a:xfrm flipH="1">
+            <a:off x="6084168" y="4668157"/>
+            <a:ext cx="1008112" cy="921083"/>
+          </a:xfrm>
+          <a:prstGeom prst="straightConnector1">
+            <a:avLst/>
+          </a:prstGeom>
+          <a:ln>
+            <a:solidFill>
+              <a:srgbClr val="FF0000"/>
+            </a:solidFill>
+            <a:tailEnd type="triangle"/>
+          </a:ln>
+        </p:spPr>
+        <p:style>
+          <a:lnRef idx="1">
+            <a:schemeClr val="accent1"/>
+          </a:lnRef>
+          <a:fillRef idx="0">
+            <a:schemeClr val="accent1"/>
+          </a:fillRef>
+          <a:effectRef idx="0">
+            <a:schemeClr val="accent1"/>
+          </a:effectRef>
+          <a:fontRef idx="minor">
+            <a:schemeClr val="tx1"/>
+          </a:fontRef>
+        </p:style>
+      </p:cxnSp>
+      <p:cxnSp>
+        <p:nvCxnSpPr>
+          <p:cNvPr id="18" name="直線單箭頭接點 17"/>
+          <p:cNvCxnSpPr/>
+          <p:nvPr/>
+        </p:nvCxnSpPr>
+        <p:spPr>
+          <a:xfrm flipH="1">
+            <a:off x="6498214" y="4566292"/>
+            <a:ext cx="766626" cy="1184079"/>
+          </a:xfrm>
+          <a:prstGeom prst="straightConnector1">
+            <a:avLst/>
+          </a:prstGeom>
+          <a:ln>
+            <a:solidFill>
+              <a:srgbClr val="FF0000"/>
+            </a:solidFill>
+            <a:tailEnd type="triangle"/>
+          </a:ln>
+        </p:spPr>
+        <p:style>
+          <a:lnRef idx="1">
+            <a:schemeClr val="accent1"/>
+          </a:lnRef>
+          <a:fillRef idx="0">
+            <a:schemeClr val="accent1"/>
+          </a:fillRef>
+          <a:effectRef idx="0">
+            <a:schemeClr val="accent1"/>
+          </a:effectRef>
+          <a:fontRef idx="minor">
+            <a:schemeClr val="tx1"/>
+          </a:fontRef>
+        </p:style>
+      </p:cxnSp>
+      <p:sp>
+        <p:nvSpPr>
+          <p:cNvPr id="21" name="矩形 20"/>
+          <p:cNvSpPr/>
+          <p:nvPr/>
+        </p:nvSpPr>
+        <p:spPr>
+          <a:xfrm>
+            <a:off x="1187624" y="5805264"/>
+            <a:ext cx="3574951" cy="216024"/>
+          </a:xfrm>
+          <a:prstGeom prst="rect">
+            <a:avLst/>
+          </a:prstGeom>
+          <a:noFill/>
+          <a:ln>
+            <a:solidFill>
+              <a:srgbClr val="FF0000"/>
+            </a:solidFill>
+          </a:ln>
+        </p:spPr>
+        <p:style>
+          <a:lnRef idx="2">
+            <a:schemeClr val="accent1">
+              <a:shade val="50000"/>
+            </a:schemeClr>
+          </a:lnRef>
+          <a:fillRef idx="1">
+            <a:schemeClr val="accent1"/>
+          </a:fillRef>
+          <a:effectRef idx="0">
+            <a:schemeClr val="accent1"/>
+          </a:effectRef>
+          <a:fontRef idx="minor">
+            <a:schemeClr val="lt1"/>
+          </a:fontRef>
+        </p:style>
+        <p:txBody>
+          <a:bodyPr rtlCol="0" anchor="ctr"/>
+          <a:lstStyle/>
+          <a:p>
+            <a:pPr algn="ctr"/>
+            <a:endParaRPr lang="zh-TW" altLang="en-US"/>
+          </a:p>
+        </p:txBody>
+      </p:sp>
+      <p:sp>
+        <p:nvSpPr>
+          <p:cNvPr id="22" name="矩形 21"/>
+          <p:cNvSpPr/>
+          <p:nvPr/>
+        </p:nvSpPr>
+        <p:spPr>
+          <a:xfrm>
+            <a:off x="1187624" y="6343551"/>
+            <a:ext cx="3600400" cy="181793"/>
+          </a:xfrm>
+          <a:prstGeom prst="rect">
+            <a:avLst/>
+          </a:prstGeom>
+          <a:noFill/>
+          <a:ln>
+            <a:solidFill>
+              <a:srgbClr val="FF0000"/>
+            </a:solidFill>
+          </a:ln>
+        </p:spPr>
+        <p:style>
+          <a:lnRef idx="2">
+            <a:schemeClr val="accent1">
+              <a:shade val="50000"/>
+            </a:schemeClr>
+          </a:lnRef>
+          <a:fillRef idx="1">
+            <a:schemeClr val="accent1"/>
+          </a:fillRef>
+          <a:effectRef idx="0">
+            <a:schemeClr val="accent1"/>
+          </a:effectRef>
+          <a:fontRef idx="minor">
+            <a:schemeClr val="lt1"/>
+          </a:fontRef>
+        </p:style>
+        <p:txBody>
+          <a:bodyPr rtlCol="0" anchor="ctr"/>
+          <a:lstStyle/>
+          <a:p>
+            <a:pPr algn="ctr"/>
+            <a:endParaRPr lang="zh-TW" altLang="en-US"/>
+          </a:p>
+        </p:txBody>
+      </p:sp>
+    </p:spTree>
+    <p:extLst>
+      <p:ext uri="{BB962C8B-B14F-4D97-AF65-F5344CB8AC3E}">
+        <p14:creationId xmlns:p14="http://schemas.microsoft.com/office/powerpoint/2010/main" val="3965136399"/>
+      </p:ext>
+    </p:extLst>
+  </p:cSld>
+  <p:clrMapOvr>
+    <a:masterClrMapping/>
+  </p:clrMapOvr>
+  <p:timing>
+    <p:tnLst>
+      <p:par>
+        <p:cTn id="1" dur="indefinite" restart="never" nodeType="tmRoot"/>
+      </p:par>
+    </p:tnLst>
+  </p:timing>
+</p:sld>
+</file>
+
+<file path=ppt/slides/slide28.xml><?xml version="1.0" encoding="utf-8"?>
+<p:sld xmlns:a="http://schemas.openxmlformats.org/drawingml/2006/main" xmlns:r="http://schemas.openxmlformats.org/officeDocument/2006/relationships" xmlns:p="http://schemas.openxmlformats.org/presentationml/2006/main">
+  <p:cSld>
+    <p:spTree>
+      <p:nvGrpSpPr>
+        <p:cNvPr id="1" name=""/>
+        <p:cNvGrpSpPr/>
+        <p:nvPr/>
+      </p:nvGrpSpPr>
+      <p:grpSpPr>
+        <a:xfrm>
+          <a:off x="0" y="0"/>
+          <a:ext cx="0" cy="0"/>
+          <a:chOff x="0" y="0"/>
+          <a:chExt cx="0" cy="0"/>
+        </a:xfrm>
+      </p:grpSpPr>
+      <p:sp>
+        <p:nvSpPr>
+          <p:cNvPr id="2" name="標題 1"/>
+          <p:cNvSpPr>
+            <a:spLocks noGrp="1"/>
+          </p:cNvSpPr>
+          <p:nvPr>
+            <p:ph type="title"/>
+          </p:nvPr>
+        </p:nvSpPr>
+        <p:spPr/>
+        <p:txBody>
+          <a:bodyPr/>
+          <a:lstStyle/>
+          <a:p>
+            <a:r>
+              <a:rPr lang="en-US" altLang="zh-TW" dirty="0"/>
+              <a:t/>
+            </a:r>
+            <a:br>
+              <a:rPr lang="en-US" altLang="zh-TW" dirty="0"/>
+            </a:br>
+            <a:r>
+              <a:rPr lang="en-US" altLang="zh-TW" dirty="0" smtClean="0"/>
+              <a:t>#pragma </a:t>
+            </a:r>
+            <a:r>
+              <a:rPr lang="en-US" altLang="zh-TW" dirty="0"/>
+              <a:t>HLS allocation</a:t>
+            </a:r>
+            <a:endParaRPr lang="zh-TW" altLang="en-US" dirty="0"/>
+          </a:p>
+        </p:txBody>
+      </p:sp>
+      <p:sp>
+        <p:nvSpPr>
+          <p:cNvPr id="3" name="內容版面配置區 2"/>
+          <p:cNvSpPr>
+            <a:spLocks noGrp="1"/>
+          </p:cNvSpPr>
+          <p:nvPr>
+            <p:ph idx="1"/>
+          </p:nvPr>
+        </p:nvSpPr>
+        <p:spPr/>
+        <p:txBody>
+          <a:bodyPr/>
+          <a:lstStyle/>
+          <a:p>
+            <a:r>
+              <a:rPr lang="en-US" altLang="zh-TW" dirty="0" smtClean="0"/>
+              <a:t>By default, HLS tries to save resources by using the function multiple times</a:t>
+            </a:r>
+          </a:p>
+          <a:p>
+            <a:pPr marL="0" indent="0">
+              <a:buNone/>
+            </a:pPr>
+            <a:endParaRPr lang="zh-TW" altLang="en-US" dirty="0"/>
+          </a:p>
+        </p:txBody>
+      </p:sp>
+      <p:sp>
+        <p:nvSpPr>
+          <p:cNvPr id="4" name="日期版面配置區 3"/>
+          <p:cNvSpPr>
+            <a:spLocks noGrp="1"/>
+          </p:cNvSpPr>
+          <p:nvPr>
+            <p:ph type="dt" sz="half" idx="10"/>
+          </p:nvPr>
+        </p:nvSpPr>
+        <p:spPr/>
+        <p:txBody>
+          <a:bodyPr/>
+          <a:lstStyle/>
+          <a:p>
+            <a:fld id="{4E5F59F2-AFC6-4CBC-9106-DE8E8FF73E8B}" type="datetime1">
+              <a:rPr lang="zh-TW" altLang="en-US" smtClean="0"/>
+              <a:t>2021/2/8</a:t>
+            </a:fld>
+            <a:endParaRPr lang="zh-TW" altLang="en-US"/>
+          </a:p>
+        </p:txBody>
+      </p:sp>
+      <p:sp>
+        <p:nvSpPr>
+          <p:cNvPr id="5" name="投影片編號版面配置區 4"/>
+          <p:cNvSpPr>
+            <a:spLocks noGrp="1"/>
+          </p:cNvSpPr>
+          <p:nvPr>
+            <p:ph type="sldNum" sz="quarter" idx="12"/>
+          </p:nvPr>
+        </p:nvSpPr>
+        <p:spPr/>
+        <p:txBody>
+          <a:bodyPr/>
+          <a:lstStyle/>
+          <a:p>
+            <a:fld id="{CE036CB1-5950-409A-BF4D-F587253C7E33}" type="slidenum">
+              <a:rPr lang="zh-TW" altLang="en-US" smtClean="0"/>
+              <a:t>28</a:t>
+            </a:fld>
+            <a:endParaRPr lang="zh-TW" altLang="en-US"/>
+          </a:p>
+        </p:txBody>
+      </p:sp>
+      <p:pic>
+        <p:nvPicPr>
+          <p:cNvPr id="6" name="圖片 5"/>
+          <p:cNvPicPr>
+            <a:picLocks noChangeAspect="1"/>
+          </p:cNvPicPr>
+          <p:nvPr/>
+        </p:nvPicPr>
+        <p:blipFill>
+          <a:blip r:embed="rId2"/>
+          <a:stretch>
+            <a:fillRect/>
+          </a:stretch>
+        </p:blipFill>
+        <p:spPr>
+          <a:xfrm>
+            <a:off x="1845064" y="2999330"/>
+            <a:ext cx="5453873" cy="3453858"/>
+          </a:xfrm>
+          <a:prstGeom prst="rect">
+            <a:avLst/>
+          </a:prstGeom>
+        </p:spPr>
+      </p:pic>
+      <p:pic>
+        <p:nvPicPr>
+          <p:cNvPr id="7" name="圖片 6"/>
+          <p:cNvPicPr>
+            <a:picLocks noChangeAspect="1"/>
+          </p:cNvPicPr>
+          <p:nvPr/>
+        </p:nvPicPr>
+        <p:blipFill>
+          <a:blip r:embed="rId3"/>
+          <a:stretch>
+            <a:fillRect/>
+          </a:stretch>
+        </p:blipFill>
+        <p:spPr>
+          <a:xfrm>
+            <a:off x="495815" y="2520095"/>
+            <a:ext cx="8198693" cy="327628"/>
+          </a:xfrm>
+          <a:prstGeom prst="rect">
+            <a:avLst/>
+          </a:prstGeom>
+        </p:spPr>
+      </p:pic>
+      <p:sp>
+        <p:nvSpPr>
+          <p:cNvPr id="9" name="圓角矩形 8"/>
+          <p:cNvSpPr/>
+          <p:nvPr/>
+        </p:nvSpPr>
+        <p:spPr>
+          <a:xfrm>
+            <a:off x="4716016" y="4586549"/>
+            <a:ext cx="2103548" cy="1080120"/>
+          </a:xfrm>
+          <a:prstGeom prst="roundRect">
+            <a:avLst/>
+          </a:prstGeom>
+          <a:noFill/>
+        </p:spPr>
+        <p:style>
+          <a:lnRef idx="2">
+            <a:schemeClr val="accent1">
+              <a:shade val="50000"/>
+            </a:schemeClr>
+          </a:lnRef>
+          <a:fillRef idx="1">
+            <a:schemeClr val="accent1"/>
+          </a:fillRef>
+          <a:effectRef idx="0">
+            <a:schemeClr val="accent1"/>
+          </a:effectRef>
+          <a:fontRef idx="minor">
+            <a:schemeClr val="lt1"/>
+          </a:fontRef>
+        </p:style>
+        <p:txBody>
+          <a:bodyPr rtlCol="0" anchor="ctr"/>
+          <a:lstStyle/>
+          <a:p>
+            <a:pPr algn="ctr"/>
+            <a:r>
+              <a:rPr lang="en-US" altLang="zh-TW" dirty="0" smtClean="0"/>
+              <a:t>Same performance with good coding format</a:t>
+            </a:r>
+            <a:endParaRPr lang="zh-TW" altLang="en-US" dirty="0"/>
+          </a:p>
+        </p:txBody>
+      </p:sp>
+    </p:spTree>
+    <p:extLst>
+      <p:ext uri="{BB962C8B-B14F-4D97-AF65-F5344CB8AC3E}">
+        <p14:creationId xmlns:p14="http://schemas.microsoft.com/office/powerpoint/2010/main" val="2135651005"/>
+      </p:ext>
+    </p:extLst>
+  </p:cSld>
+  <p:clrMapOvr>
+    <a:masterClrMapping/>
+  </p:clrMapOvr>
+  <p:timing>
+    <p:tnLst>
+      <p:par>
+        <p:cTn id="1" dur="indefinite" restart="never" nodeType="tmRoot"/>
+      </p:par>
+    </p:tnLst>
+  </p:timing>
+</p:sld>
+</file>
+
+<file path=ppt/slides/slide29.xml><?xml version="1.0" encoding="utf-8"?>
+<p:sld xmlns:a="http://schemas.openxmlformats.org/drawingml/2006/main" xmlns:r="http://schemas.openxmlformats.org/officeDocument/2006/relationships" xmlns:p="http://schemas.openxmlformats.org/presentationml/2006/main">
+  <p:cSld>
+    <p:spTree>
+      <p:nvGrpSpPr>
+        <p:cNvPr id="1" name=""/>
+        <p:cNvGrpSpPr/>
+        <p:nvPr/>
+      </p:nvGrpSpPr>
+      <p:grpSpPr>
+        <a:xfrm>
+          <a:off x="0" y="0"/>
+          <a:ext cx="0" cy="0"/>
+          <a:chOff x="0" y="0"/>
+          <a:chExt cx="0" cy="0"/>
+        </a:xfrm>
+      </p:grpSpPr>
+      <p:sp>
+        <p:nvSpPr>
+          <p:cNvPr id="2" name="標題 1"/>
+          <p:cNvSpPr>
+            <a:spLocks noGrp="1"/>
+          </p:cNvSpPr>
+          <p:nvPr>
+            <p:ph type="title"/>
+          </p:nvPr>
+        </p:nvSpPr>
+        <p:spPr/>
+        <p:txBody>
+          <a:bodyPr/>
+          <a:lstStyle/>
+          <a:p>
+            <a:r>
+              <a:rPr lang="en-US" altLang="zh-TW" dirty="0" smtClean="0"/>
+              <a:t>#pragma HLS pipeline rewind</a:t>
+            </a:r>
+            <a:endParaRPr lang="zh-TW" altLang="en-US" dirty="0"/>
+          </a:p>
+        </p:txBody>
+      </p:sp>
+      <p:sp>
+        <p:nvSpPr>
+          <p:cNvPr id="4" name="日期版面配置區 3"/>
+          <p:cNvSpPr>
+            <a:spLocks noGrp="1"/>
+          </p:cNvSpPr>
+          <p:nvPr>
+            <p:ph type="dt" sz="half" idx="10"/>
+          </p:nvPr>
+        </p:nvSpPr>
+        <p:spPr/>
+        <p:txBody>
+          <a:bodyPr/>
+          <a:lstStyle/>
+          <a:p>
+            <a:fld id="{4E5F59F2-AFC6-4CBC-9106-DE8E8FF73E8B}" type="datetime1">
+              <a:rPr lang="zh-TW" altLang="en-US" smtClean="0"/>
+              <a:t>2021/2/8</a:t>
+            </a:fld>
+            <a:endParaRPr lang="zh-TW" altLang="en-US"/>
+          </a:p>
+        </p:txBody>
+      </p:sp>
+      <p:sp>
+        <p:nvSpPr>
+          <p:cNvPr id="5" name="投影片編號版面配置區 4"/>
+          <p:cNvSpPr>
+            <a:spLocks noGrp="1"/>
+          </p:cNvSpPr>
+          <p:nvPr>
+            <p:ph type="sldNum" sz="quarter" idx="12"/>
+          </p:nvPr>
+        </p:nvSpPr>
+        <p:spPr/>
+        <p:txBody>
+          <a:bodyPr/>
+          <a:lstStyle/>
+          <a:p>
+            <a:fld id="{CE036CB1-5950-409A-BF4D-F587253C7E33}" type="slidenum">
+              <a:rPr lang="zh-TW" altLang="en-US" smtClean="0"/>
+              <a:t>29</a:t>
+            </a:fld>
+            <a:endParaRPr lang="zh-TW" altLang="en-US"/>
+          </a:p>
+        </p:txBody>
+      </p:sp>
+      <p:sp>
+        <p:nvSpPr>
+          <p:cNvPr id="7" name="內容版面配置區 6"/>
+          <p:cNvSpPr>
+            <a:spLocks noGrp="1"/>
+          </p:cNvSpPr>
+          <p:nvPr>
+            <p:ph idx="1"/>
+          </p:nvPr>
+        </p:nvSpPr>
+        <p:spPr/>
+        <p:txBody>
+          <a:bodyPr/>
+          <a:lstStyle/>
+          <a:p>
+            <a:r>
+              <a:rPr lang="en-US" altLang="zh-TW" dirty="0" smtClean="0"/>
+              <a:t>Use pipeline for each iteration</a:t>
+            </a:r>
+          </a:p>
+          <a:p>
+            <a:r>
+              <a:rPr lang="en-US" altLang="zh-TW" dirty="0" smtClean="0"/>
+              <a:t>Latency improves, but source over usage</a:t>
+            </a:r>
+          </a:p>
+          <a:p>
+            <a:endParaRPr lang="zh-TW" altLang="en-US" dirty="0"/>
+          </a:p>
+        </p:txBody>
+      </p:sp>
+      <p:pic>
+        <p:nvPicPr>
+          <p:cNvPr id="6" name="圖片 5"/>
+          <p:cNvPicPr>
+            <a:picLocks noChangeAspect="1"/>
+          </p:cNvPicPr>
+          <p:nvPr/>
+        </p:nvPicPr>
+        <p:blipFill>
+          <a:blip r:embed="rId2"/>
+          <a:stretch>
+            <a:fillRect/>
+          </a:stretch>
+        </p:blipFill>
+        <p:spPr>
+          <a:xfrm>
+            <a:off x="851436" y="3182243"/>
+            <a:ext cx="3478727" cy="971835"/>
+          </a:xfrm>
+          <a:prstGeom prst="rect">
+            <a:avLst/>
+          </a:prstGeom>
+        </p:spPr>
+      </p:pic>
+      <p:pic>
+        <p:nvPicPr>
+          <p:cNvPr id="10" name="圖片 9"/>
+          <p:cNvPicPr>
+            <a:picLocks noChangeAspect="1"/>
+          </p:cNvPicPr>
+          <p:nvPr/>
+        </p:nvPicPr>
+        <p:blipFill>
+          <a:blip r:embed="rId3"/>
+          <a:stretch>
+            <a:fillRect/>
+          </a:stretch>
+        </p:blipFill>
+        <p:spPr>
+          <a:xfrm>
+            <a:off x="4614325" y="3068960"/>
+            <a:ext cx="4198465" cy="3270945"/>
+          </a:xfrm>
+          <a:prstGeom prst="rect">
+            <a:avLst/>
+          </a:prstGeom>
+        </p:spPr>
+      </p:pic>
+      <p:sp>
+        <p:nvSpPr>
+          <p:cNvPr id="11" name="矩形 10"/>
+          <p:cNvSpPr/>
+          <p:nvPr/>
+        </p:nvSpPr>
+        <p:spPr>
+          <a:xfrm>
+            <a:off x="4644008" y="5317509"/>
+            <a:ext cx="4042792" cy="271731"/>
+          </a:xfrm>
+          <a:prstGeom prst="rect">
+            <a:avLst/>
+          </a:prstGeom>
+          <a:noFill/>
+          <a:ln>
+            <a:solidFill>
+              <a:srgbClr val="FF0000"/>
+            </a:solidFill>
+          </a:ln>
+        </p:spPr>
+        <p:style>
+          <a:lnRef idx="2">
+            <a:schemeClr val="accent1">
+              <a:shade val="50000"/>
+            </a:schemeClr>
+          </a:lnRef>
+          <a:fillRef idx="1">
+            <a:schemeClr val="accent1"/>
+          </a:fillRef>
+          <a:effectRef idx="0">
+            <a:schemeClr val="accent1"/>
+          </a:effectRef>
+          <a:fontRef idx="minor">
+            <a:schemeClr val="lt1"/>
+          </a:fontRef>
+        </p:style>
+        <p:txBody>
+          <a:bodyPr rtlCol="0" anchor="ctr"/>
+          <a:lstStyle/>
+          <a:p>
+            <a:pPr algn="ctr"/>
+            <a:endParaRPr lang="zh-TW" altLang="en-US"/>
+          </a:p>
+        </p:txBody>
+      </p:sp>
+      <p:sp>
+        <p:nvSpPr>
+          <p:cNvPr id="12" name="矩形 11"/>
+          <p:cNvSpPr/>
+          <p:nvPr/>
+        </p:nvSpPr>
+        <p:spPr>
+          <a:xfrm>
+            <a:off x="4707003" y="5915835"/>
+            <a:ext cx="4042792" cy="271731"/>
+          </a:xfrm>
+          <a:prstGeom prst="rect">
+            <a:avLst/>
+          </a:prstGeom>
+          <a:noFill/>
+          <a:ln>
+            <a:solidFill>
+              <a:srgbClr val="FF0000"/>
+            </a:solidFill>
+          </a:ln>
+        </p:spPr>
+        <p:style>
+          <a:lnRef idx="2">
+            <a:schemeClr val="accent1">
+              <a:shade val="50000"/>
+            </a:schemeClr>
+          </a:lnRef>
+          <a:fillRef idx="1">
+            <a:schemeClr val="accent1"/>
+          </a:fillRef>
+          <a:effectRef idx="0">
+            <a:schemeClr val="accent1"/>
+          </a:effectRef>
+          <a:fontRef idx="minor">
+            <a:schemeClr val="lt1"/>
+          </a:fontRef>
+        </p:style>
+        <p:txBody>
+          <a:bodyPr rtlCol="0" anchor="ctr"/>
+          <a:lstStyle/>
+          <a:p>
+            <a:pPr algn="ctr"/>
+            <a:endParaRPr lang="zh-TW" altLang="en-US"/>
+          </a:p>
+        </p:txBody>
+      </p:sp>
+      <p:pic>
+        <p:nvPicPr>
+          <p:cNvPr id="3" name="圖片 2"/>
+          <p:cNvPicPr>
+            <a:picLocks noChangeAspect="1"/>
+          </p:cNvPicPr>
+          <p:nvPr/>
+        </p:nvPicPr>
+        <p:blipFill>
+          <a:blip r:embed="rId4"/>
+          <a:stretch>
+            <a:fillRect/>
+          </a:stretch>
+        </p:blipFill>
+        <p:spPr>
+          <a:xfrm>
+            <a:off x="522049" y="4704432"/>
+            <a:ext cx="3779422" cy="808376"/>
+          </a:xfrm>
+          <a:prstGeom prst="rect">
+            <a:avLst/>
+          </a:prstGeom>
+        </p:spPr>
+      </p:pic>
+      <p:sp>
+        <p:nvSpPr>
+          <p:cNvPr id="13" name="矩形 12"/>
+          <p:cNvSpPr/>
+          <p:nvPr/>
+        </p:nvSpPr>
+        <p:spPr>
+          <a:xfrm>
+            <a:off x="2195736" y="5120363"/>
+            <a:ext cx="632643" cy="331290"/>
+          </a:xfrm>
+          <a:prstGeom prst="rect">
+            <a:avLst/>
+          </a:prstGeom>
+          <a:noFill/>
+          <a:ln>
+            <a:solidFill>
+              <a:srgbClr val="FF0000"/>
+            </a:solidFill>
+          </a:ln>
+        </p:spPr>
+        <p:style>
+          <a:lnRef idx="2">
+            <a:schemeClr val="accent1">
+              <a:shade val="50000"/>
+            </a:schemeClr>
+          </a:lnRef>
+          <a:fillRef idx="1">
+            <a:schemeClr val="accent1"/>
+          </a:fillRef>
+          <a:effectRef idx="0">
+            <a:schemeClr val="accent1"/>
+          </a:effectRef>
+          <a:fontRef idx="minor">
+            <a:schemeClr val="lt1"/>
+          </a:fontRef>
+        </p:style>
+        <p:txBody>
+          <a:bodyPr rtlCol="0" anchor="ctr"/>
+          <a:lstStyle/>
+          <a:p>
+            <a:pPr algn="ctr"/>
+            <a:endParaRPr lang="zh-TW" altLang="en-US"/>
+          </a:p>
+        </p:txBody>
+      </p:sp>
+    </p:spTree>
+    <p:extLst>
+      <p:ext uri="{BB962C8B-B14F-4D97-AF65-F5344CB8AC3E}">
+        <p14:creationId xmlns:p14="http://schemas.microsoft.com/office/powerpoint/2010/main" val="598891573"/>
+      </p:ext>
+    </p:extLst>
+  </p:cSld>
+  <p:clrMapOvr>
+    <a:masterClrMapping/>
+  </p:clrMapOvr>
+  <p:timing>
+    <p:tnLst>
+      <p:par>
+        <p:cTn id="1" dur="indefinite" restart="never" nodeType="tmRoot"/>
+      </p:par>
+    </p:tnLst>
+  </p:timing>
+</p:sld>
+</file>
+
+<file path=ppt/slides/slide3.xml><?xml version="1.0" encoding="utf-8"?>
+<p:sld xmlns:a="http://schemas.openxmlformats.org/drawingml/2006/main" xmlns:r="http://schemas.openxmlformats.org/officeDocument/2006/relationships" xmlns:p="http://schemas.openxmlformats.org/presentationml/2006/main">
+  <p:cSld>
+    <p:spTree>
+      <p:nvGrpSpPr>
+        <p:cNvPr id="1" name=""/>
+        <p:cNvGrpSpPr/>
+        <p:nvPr/>
+      </p:nvGrpSpPr>
+      <p:grpSpPr>
+        <a:xfrm>
+          <a:off x="0" y="0"/>
+          <a:ext cx="0" cy="0"/>
+          <a:chOff x="0" y="0"/>
+          <a:chExt cx="0" cy="0"/>
+        </a:xfrm>
+      </p:grpSpPr>
+      <p:sp>
+        <p:nvSpPr>
+          <p:cNvPr id="6" name="標題 5">
+            <a:extLst>
+              <a:ext uri="{FF2B5EF4-FFF2-40B4-BE49-F238E27FC236}">
+                <a16:creationId xmlns:a16="http://schemas.microsoft.com/office/drawing/2014/main" id="{5559942E-EB33-40B1-B8E0-E89945F7D5EA}"/>
+              </a:ext>
+            </a:extLst>
+          </p:cNvPr>
+          <p:cNvSpPr>
+            <a:spLocks noGrp="1"/>
+          </p:cNvSpPr>
+          <p:nvPr>
+            <p:ph type="title"/>
+          </p:nvPr>
+        </p:nvSpPr>
+        <p:spPr/>
+        <p:txBody>
+          <a:bodyPr/>
+          <a:lstStyle/>
+          <a:p>
+            <a:r>
+              <a:rPr lang="en-US" altLang="zh-TW" dirty="0"/>
+              <a:t>Introduction</a:t>
+            </a:r>
+            <a:br>
+              <a:rPr lang="en-US" altLang="zh-TW" dirty="0"/>
+            </a:br>
+            <a:r>
+              <a:rPr lang="en-US" altLang="zh-TW" dirty="0"/>
+              <a:t/>
+            </a:r>
+            <a:br>
+              <a:rPr lang="en-US" altLang="zh-TW" dirty="0"/>
+            </a:br>
+            <a:r>
+              <a:rPr lang="en-US" altLang="zh-TW" dirty="0"/>
+              <a:t/>
+            </a:r>
+            <a:br>
+              <a:rPr lang="en-US" altLang="zh-TW" dirty="0"/>
+            </a:br>
+            <a:endParaRPr lang="zh-TW" altLang="en-US" dirty="0"/>
+          </a:p>
+        </p:txBody>
+      </p:sp>
+      <p:sp>
+        <p:nvSpPr>
+          <p:cNvPr id="7" name="文字版面配置區 6">
+            <a:extLst>
+              <a:ext uri="{FF2B5EF4-FFF2-40B4-BE49-F238E27FC236}">
+                <a16:creationId xmlns:a16="http://schemas.microsoft.com/office/drawing/2014/main" id="{FD0ADA01-7971-4D4F-A631-E1E316AD88AE}"/>
+              </a:ext>
+            </a:extLst>
+          </p:cNvPr>
+          <p:cNvSpPr>
+            <a:spLocks noGrp="1"/>
+          </p:cNvSpPr>
+          <p:nvPr>
+            <p:ph type="body" idx="1"/>
+          </p:nvPr>
+        </p:nvSpPr>
+        <p:spPr/>
+        <p:txBody>
+          <a:bodyPr/>
+          <a:lstStyle/>
+          <a:p>
+            <a:pPr algn="ctr"/>
+            <a:endParaRPr lang="zh-TW" altLang="en-US" dirty="0"/>
+          </a:p>
+        </p:txBody>
+      </p:sp>
+      <p:sp>
+        <p:nvSpPr>
+          <p:cNvPr id="4" name="日期版面配置區 3">
+            <a:extLst>
+              <a:ext uri="{FF2B5EF4-FFF2-40B4-BE49-F238E27FC236}">
+                <a16:creationId xmlns:a16="http://schemas.microsoft.com/office/drawing/2014/main" id="{F2DC1E22-6A6E-42F6-91A1-DC329201E9F7}"/>
+              </a:ext>
+            </a:extLst>
+          </p:cNvPr>
+          <p:cNvSpPr>
+            <a:spLocks noGrp="1"/>
+          </p:cNvSpPr>
+          <p:nvPr>
+            <p:ph type="dt" sz="half" idx="10"/>
+          </p:nvPr>
+        </p:nvSpPr>
+        <p:spPr/>
+        <p:txBody>
+          <a:bodyPr/>
+          <a:lstStyle/>
+          <a:p>
+            <a:fld id="{4E5F59F2-AFC6-4CBC-9106-DE8E8FF73E8B}" type="datetime1">
+              <a:rPr lang="zh-TW" altLang="en-US" smtClean="0"/>
+              <a:t>2021/2/8</a:t>
+            </a:fld>
+            <a:endParaRPr lang="zh-TW" altLang="en-US"/>
+          </a:p>
+        </p:txBody>
+      </p:sp>
+      <p:sp>
+        <p:nvSpPr>
+          <p:cNvPr id="5" name="投影片編號版面配置區 4">
+            <a:extLst>
+              <a:ext uri="{FF2B5EF4-FFF2-40B4-BE49-F238E27FC236}">
+                <a16:creationId xmlns:a16="http://schemas.microsoft.com/office/drawing/2014/main" id="{5FF1AA05-01B1-45A6-B342-9C8F71D1D80C}"/>
+              </a:ext>
+            </a:extLst>
+          </p:cNvPr>
+          <p:cNvSpPr>
+            <a:spLocks noGrp="1"/>
+          </p:cNvSpPr>
+          <p:nvPr>
+            <p:ph type="sldNum" sz="quarter" idx="12"/>
+          </p:nvPr>
+        </p:nvSpPr>
+        <p:spPr/>
+        <p:txBody>
+          <a:bodyPr/>
+          <a:lstStyle/>
+          <a:p>
+            <a:fld id="{CE036CB1-5950-409A-BF4D-F587253C7E33}" type="slidenum">
+              <a:rPr lang="zh-TW" altLang="en-US" smtClean="0"/>
+              <a:t>3</a:t>
+            </a:fld>
+            <a:endParaRPr lang="zh-TW" altLang="en-US"/>
+          </a:p>
+        </p:txBody>
+      </p:sp>
+    </p:spTree>
+    <p:extLst>
+      <p:ext uri="{BB962C8B-B14F-4D97-AF65-F5344CB8AC3E}">
+        <p14:creationId xmlns:p14="http://schemas.microsoft.com/office/powerpoint/2010/main" val="2739105759"/>
+      </p:ext>
+    </p:extLst>
+  </p:cSld>
+  <p:clrMapOvr>
+    <a:masterClrMapping/>
+  </p:clrMapOvr>
+  <p:timing>
+    <p:tnLst>
+      <p:par>
+        <p:cTn id="1" dur="indefinite" restart="never" nodeType="tmRoot"/>
+      </p:par>
+    </p:tnLst>
+  </p:timing>
+</p:sld>
+</file>
+
+<file path=ppt/slides/slide30.xml><?xml version="1.0" encoding="utf-8"?>
+<p:sld xmlns:a="http://schemas.openxmlformats.org/drawingml/2006/main" xmlns:r="http://schemas.openxmlformats.org/officeDocument/2006/relationships" xmlns:p="http://schemas.openxmlformats.org/presentationml/2006/main">
+  <p:cSld>
+    <p:spTree>
+      <p:nvGrpSpPr>
+        <p:cNvPr id="1" name=""/>
+        <p:cNvGrpSpPr/>
+        <p:nvPr/>
+      </p:nvGrpSpPr>
+      <p:grpSpPr>
+        <a:xfrm>
+          <a:off x="0" y="0"/>
+          <a:ext cx="0" cy="0"/>
+          <a:chOff x="0" y="0"/>
+          <a:chExt cx="0" cy="0"/>
+        </a:xfrm>
+      </p:grpSpPr>
+      <p:sp>
+        <p:nvSpPr>
+          <p:cNvPr id="2" name="標題 1"/>
+          <p:cNvSpPr>
+            <a:spLocks noGrp="1"/>
+          </p:cNvSpPr>
+          <p:nvPr>
+            <p:ph type="title"/>
+          </p:nvPr>
+        </p:nvSpPr>
+        <p:spPr/>
+        <p:txBody>
+          <a:bodyPr/>
+          <a:lstStyle/>
+          <a:p>
+            <a:r>
+              <a:rPr lang="en-US" altLang="zh-TW" dirty="0" smtClean="0"/>
+              <a:t>Other </a:t>
+            </a:r>
+            <a:r>
+              <a:rPr lang="en-US" altLang="zh-TW" dirty="0" err="1" smtClean="0"/>
+              <a:t>prama</a:t>
+            </a:r>
+            <a:endParaRPr lang="zh-TW" altLang="en-US" dirty="0"/>
+          </a:p>
+        </p:txBody>
+      </p:sp>
+      <p:sp>
+        <p:nvSpPr>
+          <p:cNvPr id="3" name="內容版面配置區 2"/>
+          <p:cNvSpPr>
+            <a:spLocks noGrp="1"/>
+          </p:cNvSpPr>
+          <p:nvPr>
+            <p:ph idx="1"/>
+          </p:nvPr>
+        </p:nvSpPr>
+        <p:spPr/>
+        <p:txBody>
+          <a:bodyPr/>
+          <a:lstStyle/>
+          <a:p>
+            <a:r>
+              <a:rPr lang="en-US" altLang="zh-TW" dirty="0" smtClean="0"/>
+              <a:t>In </a:t>
+            </a:r>
+            <a:r>
+              <a:rPr lang="en-US" altLang="zh-TW" dirty="0"/>
+              <a:t>the design, it needs to use many matrices to operate</a:t>
+            </a:r>
+          </a:p>
+          <a:p>
+            <a:pPr lvl="1"/>
+            <a:r>
+              <a:rPr lang="en-US" altLang="zh-TW" dirty="0"/>
+              <a:t>Array partition</a:t>
+            </a:r>
+          </a:p>
+          <a:p>
+            <a:r>
+              <a:rPr lang="en-US" altLang="zh-TW" dirty="0"/>
+              <a:t>In the replica exchange scheme, we use the same function simultaneously. But in the HLS tool, it consider there are same instance.</a:t>
+            </a:r>
+          </a:p>
+          <a:p>
+            <a:pPr lvl="1"/>
+            <a:r>
+              <a:rPr lang="en-US" altLang="zh-TW" dirty="0"/>
+              <a:t>Function Inline with template</a:t>
+            </a:r>
+          </a:p>
+          <a:p>
+            <a:endParaRPr lang="zh-TW" altLang="en-US" dirty="0"/>
+          </a:p>
+        </p:txBody>
+      </p:sp>
+      <p:sp>
+        <p:nvSpPr>
+          <p:cNvPr id="4" name="日期版面配置區 3"/>
+          <p:cNvSpPr>
+            <a:spLocks noGrp="1"/>
+          </p:cNvSpPr>
+          <p:nvPr>
+            <p:ph type="dt" sz="half" idx="10"/>
+          </p:nvPr>
+        </p:nvSpPr>
+        <p:spPr/>
+        <p:txBody>
+          <a:bodyPr/>
+          <a:lstStyle/>
+          <a:p>
+            <a:fld id="{4E5F59F2-AFC6-4CBC-9106-DE8E8FF73E8B}" type="datetime1">
+              <a:rPr lang="zh-TW" altLang="en-US" smtClean="0"/>
+              <a:t>2021/2/8</a:t>
+            </a:fld>
+            <a:endParaRPr lang="zh-TW" altLang="en-US"/>
+          </a:p>
+        </p:txBody>
+      </p:sp>
+      <p:sp>
+        <p:nvSpPr>
+          <p:cNvPr id="5" name="投影片編號版面配置區 4"/>
+          <p:cNvSpPr>
+            <a:spLocks noGrp="1"/>
+          </p:cNvSpPr>
+          <p:nvPr>
+            <p:ph type="sldNum" sz="quarter" idx="12"/>
+          </p:nvPr>
+        </p:nvSpPr>
+        <p:spPr/>
+        <p:txBody>
+          <a:bodyPr/>
+          <a:lstStyle/>
+          <a:p>
+            <a:fld id="{CE036CB1-5950-409A-BF4D-F587253C7E33}" type="slidenum">
+              <a:rPr lang="zh-TW" altLang="en-US" smtClean="0"/>
+              <a:t>30</a:t>
+            </a:fld>
+            <a:endParaRPr lang="zh-TW" altLang="en-US"/>
+          </a:p>
+        </p:txBody>
+      </p:sp>
+    </p:spTree>
+    <p:extLst>
+      <p:ext uri="{BB962C8B-B14F-4D97-AF65-F5344CB8AC3E}">
+        <p14:creationId xmlns:p14="http://schemas.microsoft.com/office/powerpoint/2010/main" val="905757874"/>
+      </p:ext>
+    </p:extLst>
+  </p:cSld>
+  <p:clrMapOvr>
+    <a:masterClrMapping/>
+  </p:clrMapOvr>
+  <p:timing>
+    <p:tnLst>
+      <p:par>
+        <p:cTn id="1" dur="indefinite" restart="never" nodeType="tmRoot"/>
+      </p:par>
+    </p:tnLst>
+  </p:timing>
+</p:sld>
+</file>
+
+<file path=ppt/slides/slide31.xml><?xml version="1.0" encoding="utf-8"?>
+<p:sld xmlns:a="http://schemas.openxmlformats.org/drawingml/2006/main" xmlns:r="http://schemas.openxmlformats.org/officeDocument/2006/relationships" xmlns:p="http://schemas.openxmlformats.org/presentationml/2006/main">
+  <p:cSld>
+    <p:spTree>
+      <p:nvGrpSpPr>
+        <p:cNvPr id="1" name=""/>
+        <p:cNvGrpSpPr/>
+        <p:nvPr/>
+      </p:nvGrpSpPr>
+      <p:grpSpPr>
+        <a:xfrm>
+          <a:off x="0" y="0"/>
+          <a:ext cx="0" cy="0"/>
+          <a:chOff x="0" y="0"/>
+          <a:chExt cx="0" cy="0"/>
+        </a:xfrm>
+      </p:grpSpPr>
+      <p:sp>
+        <p:nvSpPr>
+          <p:cNvPr id="2" name="標題 1"/>
+          <p:cNvSpPr>
+            <a:spLocks noGrp="1"/>
+          </p:cNvSpPr>
+          <p:nvPr>
+            <p:ph type="title"/>
+          </p:nvPr>
+        </p:nvSpPr>
+        <p:spPr/>
+        <p:txBody>
+          <a:bodyPr/>
+          <a:lstStyle/>
+          <a:p>
+            <a:r>
+              <a:rPr lang="en-US" altLang="zh-TW" dirty="0" smtClean="0"/>
+              <a:t>Pseudo random generator</a:t>
+            </a:r>
+            <a:endParaRPr lang="zh-TW" altLang="en-US" dirty="0"/>
+          </a:p>
+        </p:txBody>
+      </p:sp>
+      <p:sp>
+        <p:nvSpPr>
+          <p:cNvPr id="4" name="日期版面配置區 3"/>
+          <p:cNvSpPr>
+            <a:spLocks noGrp="1"/>
+          </p:cNvSpPr>
+          <p:nvPr>
+            <p:ph type="dt" sz="half" idx="10"/>
+          </p:nvPr>
+        </p:nvSpPr>
+        <p:spPr/>
+        <p:txBody>
+          <a:bodyPr/>
+          <a:lstStyle/>
+          <a:p>
+            <a:fld id="{4E5F59F2-AFC6-4CBC-9106-DE8E8FF73E8B}" type="datetime1">
+              <a:rPr lang="zh-TW" altLang="en-US" smtClean="0"/>
+              <a:t>2021/2/8</a:t>
+            </a:fld>
+            <a:endParaRPr lang="zh-TW" altLang="en-US"/>
+          </a:p>
+        </p:txBody>
+      </p:sp>
+      <p:sp>
+        <p:nvSpPr>
+          <p:cNvPr id="5" name="投影片編號版面配置區 4"/>
+          <p:cNvSpPr>
+            <a:spLocks noGrp="1"/>
+          </p:cNvSpPr>
+          <p:nvPr>
+            <p:ph type="sldNum" sz="quarter" idx="12"/>
+          </p:nvPr>
+        </p:nvSpPr>
+        <p:spPr/>
+        <p:txBody>
+          <a:bodyPr/>
+          <a:lstStyle/>
+          <a:p>
+            <a:fld id="{CE036CB1-5950-409A-BF4D-F587253C7E33}" type="slidenum">
+              <a:rPr lang="zh-TW" altLang="en-US" smtClean="0"/>
+              <a:t>31</a:t>
+            </a:fld>
+            <a:endParaRPr lang="zh-TW" altLang="en-US"/>
+          </a:p>
+        </p:txBody>
+      </p:sp>
+      <p:sp>
+        <p:nvSpPr>
+          <p:cNvPr id="7" name="內容版面配置區 6"/>
+          <p:cNvSpPr>
+            <a:spLocks noGrp="1"/>
+          </p:cNvSpPr>
+          <p:nvPr>
+            <p:ph idx="1"/>
+          </p:nvPr>
+        </p:nvSpPr>
+        <p:spPr/>
+        <p:txBody>
+          <a:bodyPr/>
+          <a:lstStyle/>
+          <a:p>
+            <a:r>
+              <a:rPr lang="en-US" altLang="zh-TW" dirty="0" smtClean="0"/>
+              <a:t>The function finish by LFSR</a:t>
+            </a:r>
+            <a:endParaRPr lang="zh-TW" altLang="en-US" dirty="0"/>
+          </a:p>
+        </p:txBody>
+      </p:sp>
+      <p:pic>
+        <p:nvPicPr>
+          <p:cNvPr id="3" name="圖片 2"/>
+          <p:cNvPicPr>
+            <a:picLocks noChangeAspect="1"/>
+          </p:cNvPicPr>
+          <p:nvPr/>
+        </p:nvPicPr>
+        <p:blipFill>
+          <a:blip r:embed="rId2"/>
+          <a:stretch>
+            <a:fillRect/>
+          </a:stretch>
+        </p:blipFill>
+        <p:spPr>
+          <a:xfrm>
+            <a:off x="2051720" y="3302997"/>
+            <a:ext cx="4669185" cy="2989060"/>
+          </a:xfrm>
+          <a:prstGeom prst="rect">
+            <a:avLst/>
+          </a:prstGeom>
+        </p:spPr>
+      </p:pic>
+      <p:pic>
+        <p:nvPicPr>
+          <p:cNvPr id="6" name="圖片 5"/>
+          <p:cNvPicPr>
+            <a:picLocks noChangeAspect="1"/>
+          </p:cNvPicPr>
+          <p:nvPr/>
+        </p:nvPicPr>
+        <p:blipFill>
+          <a:blip r:embed="rId3"/>
+          <a:stretch>
+            <a:fillRect/>
+          </a:stretch>
+        </p:blipFill>
+        <p:spPr>
+          <a:xfrm>
+            <a:off x="683568" y="2420888"/>
+            <a:ext cx="4000500" cy="476250"/>
+          </a:xfrm>
+          <a:prstGeom prst="rect">
+            <a:avLst/>
+          </a:prstGeom>
+        </p:spPr>
+      </p:pic>
+      <p:sp>
+        <p:nvSpPr>
+          <p:cNvPr id="8" name="文字方塊 7"/>
+          <p:cNvSpPr txBox="1"/>
+          <p:nvPr/>
+        </p:nvSpPr>
+        <p:spPr>
+          <a:xfrm>
+            <a:off x="4910436" y="2420888"/>
+            <a:ext cx="2736304" cy="369332"/>
+          </a:xfrm>
+          <a:prstGeom prst="rect">
+            <a:avLst/>
+          </a:prstGeom>
+          <a:noFill/>
+        </p:spPr>
+        <p:txBody>
+          <a:bodyPr wrap="square" rtlCol="0">
+            <a:spAutoFit/>
+          </a:bodyPr>
+          <a:lstStyle/>
+          <a:p>
+            <a:r>
+              <a:rPr lang="en-US" altLang="zh-TW" dirty="0" smtClean="0"/>
+              <a:t>Declare the seed</a:t>
+            </a:r>
+            <a:endParaRPr lang="zh-TW" altLang="en-US" dirty="0"/>
+          </a:p>
+        </p:txBody>
+      </p:sp>
+      <p:cxnSp>
+        <p:nvCxnSpPr>
+          <p:cNvPr id="9" name="直線單箭頭接點 8"/>
+          <p:cNvCxnSpPr/>
+          <p:nvPr/>
+        </p:nvCxnSpPr>
+        <p:spPr>
+          <a:xfrm>
+            <a:off x="4572000" y="2796743"/>
+            <a:ext cx="1512168" cy="432182"/>
+          </a:xfrm>
+          <a:prstGeom prst="straightConnector1">
+            <a:avLst/>
+          </a:prstGeom>
+          <a:ln>
+            <a:solidFill>
+              <a:srgbClr val="FF0000"/>
+            </a:solidFill>
+            <a:tailEnd type="triangle"/>
+          </a:ln>
+        </p:spPr>
+        <p:style>
+          <a:lnRef idx="1">
+            <a:schemeClr val="accent1"/>
+          </a:lnRef>
+          <a:fillRef idx="0">
+            <a:schemeClr val="accent1"/>
+          </a:fillRef>
+          <a:effectRef idx="0">
+            <a:schemeClr val="accent1"/>
+          </a:effectRef>
+          <a:fontRef idx="minor">
+            <a:schemeClr val="tx1"/>
+          </a:fontRef>
+        </p:style>
+      </p:cxnSp>
+    </p:spTree>
+    <p:extLst>
+      <p:ext uri="{BB962C8B-B14F-4D97-AF65-F5344CB8AC3E}">
+        <p14:creationId xmlns:p14="http://schemas.microsoft.com/office/powerpoint/2010/main" val="3376467685"/>
+      </p:ext>
+    </p:extLst>
+  </p:cSld>
+  <p:clrMapOvr>
+    <a:masterClrMapping/>
+  </p:clrMapOvr>
+  <p:timing>
+    <p:tnLst>
+      <p:par>
+        <p:cTn id="1" dur="indefinite" restart="never" nodeType="tmRoot"/>
+      </p:par>
+    </p:tnLst>
+  </p:timing>
+</p:sld>
+</file>
+
+<file path=ppt/slides/slide32.xml><?xml version="1.0" encoding="utf-8"?>
+<p:sld xmlns:a="http://schemas.openxmlformats.org/drawingml/2006/main" xmlns:r="http://schemas.openxmlformats.org/officeDocument/2006/relationships" xmlns:p="http://schemas.openxmlformats.org/presentationml/2006/main">
+  <p:cSld>
+    <p:spTree>
+      <p:nvGrpSpPr>
+        <p:cNvPr id="1" name=""/>
+        <p:cNvGrpSpPr/>
+        <p:nvPr/>
+      </p:nvGrpSpPr>
+      <p:grpSpPr>
+        <a:xfrm>
+          <a:off x="0" y="0"/>
+          <a:ext cx="0" cy="0"/>
+          <a:chOff x="0" y="0"/>
+          <a:chExt cx="0" cy="0"/>
+        </a:xfrm>
+      </p:grpSpPr>
+      <p:sp>
+        <p:nvSpPr>
+          <p:cNvPr id="2" name="標題 1"/>
+          <p:cNvSpPr>
+            <a:spLocks noGrp="1"/>
+          </p:cNvSpPr>
+          <p:nvPr>
+            <p:ph type="title"/>
+          </p:nvPr>
+        </p:nvSpPr>
+        <p:spPr/>
+        <p:txBody>
+          <a:bodyPr/>
+          <a:lstStyle/>
+          <a:p>
+            <a:r>
+              <a:rPr lang="en-US" altLang="zh-TW" dirty="0" err="1" smtClean="0"/>
+              <a:t>Cosim</a:t>
+            </a:r>
+            <a:r>
+              <a:rPr lang="en-US" altLang="zh-TW" dirty="0" smtClean="0"/>
+              <a:t> Error message solved</a:t>
+            </a:r>
+            <a:endParaRPr lang="zh-TW" altLang="en-US" dirty="0"/>
+          </a:p>
+        </p:txBody>
+      </p:sp>
+      <p:sp>
+        <p:nvSpPr>
+          <p:cNvPr id="3" name="內容版面配置區 2"/>
+          <p:cNvSpPr>
+            <a:spLocks noGrp="1"/>
+          </p:cNvSpPr>
+          <p:nvPr>
+            <p:ph idx="1"/>
+          </p:nvPr>
+        </p:nvSpPr>
+        <p:spPr/>
+        <p:txBody>
+          <a:bodyPr/>
+          <a:lstStyle/>
+          <a:p>
+            <a:r>
+              <a:rPr lang="en-US" altLang="zh-TW" dirty="0" smtClean="0"/>
+              <a:t>Error:</a:t>
+            </a:r>
+          </a:p>
+          <a:p>
+            <a:endParaRPr lang="en-US" altLang="zh-TW" dirty="0"/>
+          </a:p>
+          <a:p>
+            <a:endParaRPr lang="en-US" altLang="zh-TW" dirty="0" smtClean="0"/>
+          </a:p>
+          <a:p>
+            <a:r>
+              <a:rPr lang="en-US" altLang="zh-TW" dirty="0" smtClean="0"/>
+              <a:t>Just need to adjust the script file</a:t>
+            </a:r>
+          </a:p>
+          <a:p>
+            <a:pPr lvl="1"/>
+            <a:r>
+              <a:rPr lang="en-US" altLang="zh-TW" dirty="0" smtClean="0"/>
+              <a:t>Before : </a:t>
+            </a:r>
+            <a:r>
+              <a:rPr lang="en-US" altLang="zh-TW" dirty="0" err="1" smtClean="0"/>
+              <a:t>cosim_design</a:t>
+            </a:r>
+            <a:endParaRPr lang="en-US" altLang="zh-TW" dirty="0"/>
+          </a:p>
+          <a:p>
+            <a:pPr lvl="1"/>
+            <a:r>
+              <a:rPr lang="en-US" altLang="zh-TW" dirty="0" smtClean="0"/>
+              <a:t>After :</a:t>
+            </a:r>
+            <a:r>
+              <a:rPr lang="en-US" altLang="zh-TW" dirty="0" err="1" smtClean="0"/>
+              <a:t>cosim_design</a:t>
+            </a:r>
+            <a:r>
+              <a:rPr lang="en-US" altLang="zh-TW" dirty="0" smtClean="0"/>
+              <a:t> </a:t>
+            </a:r>
+            <a:r>
+              <a:rPr lang="en-US" altLang="zh-TW" dirty="0"/>
+              <a:t>-</a:t>
+            </a:r>
+            <a:r>
+              <a:rPr lang="en-US" altLang="zh-TW" dirty="0" err="1"/>
+              <a:t>trace_level</a:t>
+            </a:r>
+            <a:r>
+              <a:rPr lang="en-US" altLang="zh-TW" dirty="0"/>
+              <a:t> all -tool </a:t>
+            </a:r>
+            <a:r>
+              <a:rPr lang="en-US" altLang="zh-TW" dirty="0" err="1"/>
+              <a:t>xsim</a:t>
+            </a:r>
+            <a:endParaRPr lang="zh-TW" altLang="en-US" dirty="0"/>
+          </a:p>
+        </p:txBody>
+      </p:sp>
+      <p:sp>
+        <p:nvSpPr>
+          <p:cNvPr id="4" name="日期版面配置區 3"/>
+          <p:cNvSpPr>
+            <a:spLocks noGrp="1"/>
+          </p:cNvSpPr>
+          <p:nvPr>
+            <p:ph type="dt" sz="half" idx="10"/>
+          </p:nvPr>
+        </p:nvSpPr>
+        <p:spPr/>
+        <p:txBody>
+          <a:bodyPr/>
+          <a:lstStyle/>
+          <a:p>
+            <a:fld id="{4E5F59F2-AFC6-4CBC-9106-DE8E8FF73E8B}" type="datetime1">
+              <a:rPr lang="zh-TW" altLang="en-US" smtClean="0"/>
+              <a:t>2021/2/8</a:t>
+            </a:fld>
+            <a:endParaRPr lang="zh-TW" altLang="en-US"/>
+          </a:p>
+        </p:txBody>
+      </p:sp>
+      <p:sp>
+        <p:nvSpPr>
+          <p:cNvPr id="5" name="投影片編號版面配置區 4"/>
+          <p:cNvSpPr>
+            <a:spLocks noGrp="1"/>
+          </p:cNvSpPr>
+          <p:nvPr>
+            <p:ph type="sldNum" sz="quarter" idx="12"/>
+          </p:nvPr>
+        </p:nvSpPr>
+        <p:spPr/>
+        <p:txBody>
+          <a:bodyPr/>
+          <a:lstStyle/>
+          <a:p>
+            <a:fld id="{CE036CB1-5950-409A-BF4D-F587253C7E33}" type="slidenum">
+              <a:rPr lang="zh-TW" altLang="en-US" smtClean="0"/>
+              <a:t>32</a:t>
+            </a:fld>
+            <a:endParaRPr lang="zh-TW" altLang="en-US"/>
+          </a:p>
+        </p:txBody>
+      </p:sp>
+      <p:pic>
+        <p:nvPicPr>
+          <p:cNvPr id="6" name="圖片 5"/>
+          <p:cNvPicPr>
+            <a:picLocks noChangeAspect="1"/>
+          </p:cNvPicPr>
+          <p:nvPr/>
+        </p:nvPicPr>
+        <p:blipFill>
+          <a:blip r:embed="rId2"/>
+          <a:stretch>
+            <a:fillRect/>
+          </a:stretch>
+        </p:blipFill>
+        <p:spPr>
+          <a:xfrm>
+            <a:off x="179512" y="2132856"/>
+            <a:ext cx="8704884" cy="856556"/>
+          </a:xfrm>
+          <a:prstGeom prst="rect">
+            <a:avLst/>
+          </a:prstGeom>
+        </p:spPr>
+      </p:pic>
+    </p:spTree>
+    <p:extLst>
+      <p:ext uri="{BB962C8B-B14F-4D97-AF65-F5344CB8AC3E}">
+        <p14:creationId xmlns:p14="http://schemas.microsoft.com/office/powerpoint/2010/main" val="1317422646"/>
+      </p:ext>
+    </p:extLst>
+  </p:cSld>
+  <p:clrMapOvr>
+    <a:masterClrMapping/>
+  </p:clrMapOvr>
+  <p:timing>
+    <p:tnLst>
+      <p:par>
+        <p:cTn id="1" dur="indefinite" restart="never" nodeType="tmRoot"/>
+      </p:par>
+    </p:tnLst>
+  </p:timing>
+</p:sld>
+</file>
+
+<file path=ppt/slides/slide33.xml><?xml version="1.0" encoding="utf-8"?>
+<p:sld xmlns:a="http://schemas.openxmlformats.org/drawingml/2006/main" xmlns:r="http://schemas.openxmlformats.org/officeDocument/2006/relationships" xmlns:p="http://schemas.openxmlformats.org/presentationml/2006/main">
+  <p:cSld>
+    <p:spTree>
+      <p:nvGrpSpPr>
+        <p:cNvPr id="1" name=""/>
+        <p:cNvGrpSpPr/>
+        <p:nvPr/>
+      </p:nvGrpSpPr>
+      <p:grpSpPr>
+        <a:xfrm>
+          <a:off x="0" y="0"/>
+          <a:ext cx="0" cy="0"/>
+          <a:chOff x="0" y="0"/>
+          <a:chExt cx="0" cy="0"/>
+        </a:xfrm>
+      </p:grpSpPr>
+      <p:sp>
+        <p:nvSpPr>
+          <p:cNvPr id="2" name="標題 1"/>
+          <p:cNvSpPr>
+            <a:spLocks noGrp="1"/>
+          </p:cNvSpPr>
+          <p:nvPr>
+            <p:ph type="title"/>
+          </p:nvPr>
+        </p:nvSpPr>
+        <p:spPr/>
+        <p:txBody>
+          <a:bodyPr/>
+          <a:lstStyle/>
+          <a:p>
+            <a:r>
+              <a:rPr lang="en-US" altLang="zh-TW" dirty="0" err="1" smtClean="0"/>
+              <a:t>Cosim</a:t>
+            </a:r>
+            <a:r>
+              <a:rPr lang="en-US" altLang="zh-TW" dirty="0" smtClean="0"/>
+              <a:t> Result</a:t>
+            </a:r>
+            <a:endParaRPr lang="zh-TW" altLang="en-US" dirty="0"/>
+          </a:p>
+        </p:txBody>
+      </p:sp>
+      <p:sp>
+        <p:nvSpPr>
+          <p:cNvPr id="3" name="內容版面配置區 2"/>
+          <p:cNvSpPr>
+            <a:spLocks noGrp="1"/>
+          </p:cNvSpPr>
+          <p:nvPr>
+            <p:ph idx="1"/>
+          </p:nvPr>
+        </p:nvSpPr>
+        <p:spPr/>
+        <p:txBody>
+          <a:bodyPr/>
+          <a:lstStyle/>
+          <a:p>
+            <a:endParaRPr lang="zh-TW" altLang="en-US"/>
+          </a:p>
+        </p:txBody>
+      </p:sp>
+      <p:sp>
+        <p:nvSpPr>
+          <p:cNvPr id="4" name="日期版面配置區 3"/>
+          <p:cNvSpPr>
+            <a:spLocks noGrp="1"/>
+          </p:cNvSpPr>
+          <p:nvPr>
+            <p:ph type="dt" sz="half" idx="10"/>
+          </p:nvPr>
+        </p:nvSpPr>
+        <p:spPr/>
+        <p:txBody>
+          <a:bodyPr/>
+          <a:lstStyle/>
+          <a:p>
+            <a:fld id="{4E5F59F2-AFC6-4CBC-9106-DE8E8FF73E8B}" type="datetime1">
+              <a:rPr lang="zh-TW" altLang="en-US" smtClean="0"/>
+              <a:t>2021/2/8</a:t>
+            </a:fld>
+            <a:endParaRPr lang="zh-TW" altLang="en-US"/>
+          </a:p>
+        </p:txBody>
+      </p:sp>
+      <p:sp>
+        <p:nvSpPr>
+          <p:cNvPr id="5" name="投影片編號版面配置區 4"/>
+          <p:cNvSpPr>
+            <a:spLocks noGrp="1"/>
+          </p:cNvSpPr>
+          <p:nvPr>
+            <p:ph type="sldNum" sz="quarter" idx="12"/>
+          </p:nvPr>
+        </p:nvSpPr>
+        <p:spPr/>
+        <p:txBody>
+          <a:bodyPr/>
+          <a:lstStyle/>
+          <a:p>
+            <a:fld id="{CE036CB1-5950-409A-BF4D-F587253C7E33}" type="slidenum">
+              <a:rPr lang="zh-TW" altLang="en-US" smtClean="0"/>
+              <a:t>33</a:t>
             </a:fld>
             <a:endParaRPr lang="zh-TW" altLang="en-US"/>
           </a:p>
@@ -12239,10 +14702,17 @@
   <p:clrMapOvr>
     <a:masterClrMapping/>
   </p:clrMapOvr>
+  <p:timing>
+    <p:tnLst>
+      <p:par>
+        <p:cTn id="1" dur="indefinite" restart="never" nodeType="tmRoot"/>
+      </p:par>
+    </p:tnLst>
+  </p:timing>
 </p:sld>
 </file>
 
-<file path=ppt/slides/slide27.xml><?xml version="1.0" encoding="utf-8"?>
+<file path=ppt/slides/slide34.xml><?xml version="1.0" encoding="utf-8"?>
 <p:sld xmlns:a="http://schemas.openxmlformats.org/drawingml/2006/main" xmlns:r="http://schemas.openxmlformats.org/officeDocument/2006/relationships" xmlns:p="http://schemas.openxmlformats.org/presentationml/2006/main">
   <p:cSld>
     <p:spTree>
@@ -12342,7 +14812,7 @@
           <a:p>
             <a:fld id="{4E5F59F2-AFC6-4CBC-9106-DE8E8FF73E8B}" type="datetime1">
               <a:rPr lang="zh-TW" altLang="en-US" smtClean="0"/>
-              <a:t>2021/1/21</a:t>
+              <a:t>2021/2/8</a:t>
             </a:fld>
             <a:endParaRPr lang="zh-TW" altLang="en-US"/>
           </a:p>
@@ -12371,7 +14841,7 @@
           <a:p>
             <a:fld id="{CE036CB1-5950-409A-BF4D-F587253C7E33}" type="slidenum">
               <a:rPr lang="zh-TW" altLang="en-US" smtClean="0"/>
-              <a:t>27</a:t>
+              <a:t>34</a:t>
             </a:fld>
             <a:endParaRPr lang="zh-TW" altLang="en-US"/>
           </a:p>
@@ -12397,7 +14867,7 @@
 </p:sld>
 </file>
 
-<file path=ppt/slides/slide28.xml><?xml version="1.0" encoding="utf-8"?>
+<file path=ppt/slides/slide35.xml><?xml version="1.0" encoding="utf-8"?>
 <p:sld xmlns:a="http://schemas.openxmlformats.org/drawingml/2006/main" xmlns:r="http://schemas.openxmlformats.org/officeDocument/2006/relationships" xmlns:p="http://schemas.openxmlformats.org/presentationml/2006/main">
   <p:cSld>
     <p:spTree>
@@ -12470,8 +14940,12 @@
           </a:p>
           <a:p>
             <a:r>
+              <a:rPr lang="en-US" altLang="zh-TW" dirty="0" smtClean="0"/>
+              <a:t>Achieve </a:t>
+            </a:r>
+            <a:r>
               <a:rPr lang="en-US" altLang="zh-TW" dirty="0"/>
-              <a:t>Cannot achieve full parallel by HLS</a:t>
+              <a:t>full parallel by HLS</a:t>
             </a:r>
           </a:p>
           <a:p>
@@ -12496,7 +14970,7 @@
           <a:p>
             <a:fld id="{4E5F59F2-AFC6-4CBC-9106-DE8E8FF73E8B}" type="datetime1">
               <a:rPr lang="zh-TW" altLang="en-US" smtClean="0"/>
-              <a:t>2021/1/21</a:t>
+              <a:t>2021/2/8</a:t>
             </a:fld>
             <a:endParaRPr lang="zh-TW" altLang="en-US" dirty="0"/>
           </a:p>
@@ -12519,7 +14993,7 @@
           <a:p>
             <a:fld id="{CE036CB1-5950-409A-BF4D-F587253C7E33}" type="slidenum">
               <a:rPr lang="zh-TW" altLang="en-US" smtClean="0"/>
-              <a:t>28</a:t>
+              <a:t>35</a:t>
             </a:fld>
             <a:endParaRPr lang="zh-TW" altLang="en-US" dirty="0"/>
           </a:p>
@@ -12535,10 +15009,17 @@
   <p:clrMapOvr>
     <a:masterClrMapping/>
   </p:clrMapOvr>
+  <p:timing>
+    <p:tnLst>
+      <p:par>
+        <p:cTn id="1" dur="indefinite" restart="never" nodeType="tmRoot"/>
+      </p:par>
+    </p:tnLst>
+  </p:timing>
 </p:sld>
 </file>
 
-<file path=ppt/slides/slide29.xml><?xml version="1.0" encoding="utf-8"?>
+<file path=ppt/slides/slide36.xml><?xml version="1.0" encoding="utf-8"?>
 <p:sld xmlns:a="http://schemas.openxmlformats.org/drawingml/2006/main" xmlns:r="http://schemas.openxmlformats.org/officeDocument/2006/relationships" xmlns:p="http://schemas.openxmlformats.org/presentationml/2006/main">
   <p:cSld>
     <p:spTree>
@@ -12633,7 +15114,7 @@
           <a:p>
             <a:fld id="{CE036CB1-5950-409A-BF4D-F587253C7E33}" type="slidenum">
               <a:rPr lang="zh-TW" altLang="en-US" smtClean="0"/>
-              <a:t>29</a:t>
+              <a:t>36</a:t>
             </a:fld>
             <a:endParaRPr lang="zh-TW" altLang="en-US"/>
           </a:p>
@@ -12643,166 +15124,6 @@
     <p:extLst>
       <p:ext uri="{BB962C8B-B14F-4D97-AF65-F5344CB8AC3E}">
         <p14:creationId xmlns:p14="http://schemas.microsoft.com/office/powerpoint/2010/main" val="264654112"/>
-      </p:ext>
-    </p:extLst>
-  </p:cSld>
-  <p:clrMapOvr>
-    <a:masterClrMapping/>
-  </p:clrMapOvr>
-</p:sld>
-</file>
-
-<file path=ppt/slides/slide3.xml><?xml version="1.0" encoding="utf-8"?>
-<p:sld xmlns:a="http://schemas.openxmlformats.org/drawingml/2006/main" xmlns:r="http://schemas.openxmlformats.org/officeDocument/2006/relationships" xmlns:p="http://schemas.openxmlformats.org/presentationml/2006/main">
-  <p:cSld>
-    <p:spTree>
-      <p:nvGrpSpPr>
-        <p:cNvPr id="1" name=""/>
-        <p:cNvGrpSpPr/>
-        <p:nvPr/>
-      </p:nvGrpSpPr>
-      <p:grpSpPr>
-        <a:xfrm>
-          <a:off x="0" y="0"/>
-          <a:ext cx="0" cy="0"/>
-          <a:chOff x="0" y="0"/>
-          <a:chExt cx="0" cy="0"/>
-        </a:xfrm>
-      </p:grpSpPr>
-      <p:sp>
-        <p:nvSpPr>
-          <p:cNvPr id="6" name="標題 5">
-            <a:extLst>
-              <a:ext uri="{FF2B5EF4-FFF2-40B4-BE49-F238E27FC236}">
-                <a16:creationId xmlns:a16="http://schemas.microsoft.com/office/drawing/2014/main" id="{5559942E-EB33-40B1-B8E0-E89945F7D5EA}"/>
-              </a:ext>
-            </a:extLst>
-          </p:cNvPr>
-          <p:cNvSpPr>
-            <a:spLocks noGrp="1"/>
-          </p:cNvSpPr>
-          <p:nvPr>
-            <p:ph type="title"/>
-          </p:nvPr>
-        </p:nvSpPr>
-        <p:spPr/>
-        <p:txBody>
-          <a:bodyPr/>
-          <a:lstStyle/>
-          <a:p>
-            <a:r>
-              <a:rPr lang="en-US" altLang="zh-TW" dirty="0"/>
-              <a:t>Introduction</a:t>
-            </a:r>
-            <a:br>
-              <a:rPr lang="en-US" altLang="zh-TW" dirty="0"/>
-            </a:br>
-            <a:r>
-              <a:rPr lang="en-US" altLang="zh-TW" dirty="0"/>
-              <a:t/>
-            </a:r>
-            <a:br>
-              <a:rPr lang="en-US" altLang="zh-TW" dirty="0"/>
-            </a:br>
-            <a:r>
-              <a:rPr lang="en-US" altLang="zh-TW" dirty="0"/>
-              <a:t/>
-            </a:r>
-            <a:br>
-              <a:rPr lang="en-US" altLang="zh-TW" dirty="0"/>
-            </a:br>
-            <a:endParaRPr lang="zh-TW" altLang="en-US" dirty="0"/>
-          </a:p>
-        </p:txBody>
-      </p:sp>
-      <p:sp>
-        <p:nvSpPr>
-          <p:cNvPr id="7" name="文字版面配置區 6">
-            <a:extLst>
-              <a:ext uri="{FF2B5EF4-FFF2-40B4-BE49-F238E27FC236}">
-                <a16:creationId xmlns:a16="http://schemas.microsoft.com/office/drawing/2014/main" id="{FD0ADA01-7971-4D4F-A631-E1E316AD88AE}"/>
-              </a:ext>
-            </a:extLst>
-          </p:cNvPr>
-          <p:cNvSpPr>
-            <a:spLocks noGrp="1"/>
-          </p:cNvSpPr>
-          <p:nvPr>
-            <p:ph type="body" idx="1"/>
-          </p:nvPr>
-        </p:nvSpPr>
-        <p:spPr/>
-        <p:txBody>
-          <a:bodyPr/>
-          <a:lstStyle/>
-          <a:p>
-            <a:pPr algn="ctr"/>
-            <a:endParaRPr lang="zh-TW" altLang="en-US" dirty="0"/>
-          </a:p>
-        </p:txBody>
-      </p:sp>
-      <p:sp>
-        <p:nvSpPr>
-          <p:cNvPr id="4" name="日期版面配置區 3">
-            <a:extLst>
-              <a:ext uri="{FF2B5EF4-FFF2-40B4-BE49-F238E27FC236}">
-                <a16:creationId xmlns:a16="http://schemas.microsoft.com/office/drawing/2014/main" id="{F2DC1E22-6A6E-42F6-91A1-DC329201E9F7}"/>
-              </a:ext>
-            </a:extLst>
-          </p:cNvPr>
-          <p:cNvSpPr>
-            <a:spLocks noGrp="1"/>
-          </p:cNvSpPr>
-          <p:nvPr>
-            <p:ph type="dt" sz="half" idx="10"/>
-          </p:nvPr>
-        </p:nvSpPr>
-        <p:spPr/>
-        <p:txBody>
-          <a:bodyPr/>
-          <a:lstStyle/>
-          <a:p>
-            <a:fld id="{4E5F59F2-AFC6-4CBC-9106-DE8E8FF73E8B}" type="datetime1">
-              <a:rPr lang="zh-TW" altLang="en-US" smtClean="0"/>
-              <a:t>2021/1/21</a:t>
-            </a:fld>
-            <a:endParaRPr lang="zh-TW" altLang="en-US"/>
-          </a:p>
-        </p:txBody>
-      </p:sp>
-      <p:sp>
-        <p:nvSpPr>
-          <p:cNvPr id="5" name="投影片編號版面配置區 4">
-            <a:extLst>
-              <a:ext uri="{FF2B5EF4-FFF2-40B4-BE49-F238E27FC236}">
-                <a16:creationId xmlns:a16="http://schemas.microsoft.com/office/drawing/2014/main" id="{5FF1AA05-01B1-45A6-B342-9C8F71D1D80C}"/>
-              </a:ext>
-            </a:extLst>
-          </p:cNvPr>
-          <p:cNvSpPr>
-            <a:spLocks noGrp="1"/>
-          </p:cNvSpPr>
-          <p:nvPr>
-            <p:ph type="sldNum" sz="quarter" idx="12"/>
-          </p:nvPr>
-        </p:nvSpPr>
-        <p:spPr/>
-        <p:txBody>
-          <a:bodyPr/>
-          <a:lstStyle/>
-          <a:p>
-            <a:fld id="{CE036CB1-5950-409A-BF4D-F587253C7E33}" type="slidenum">
-              <a:rPr lang="zh-TW" altLang="en-US" smtClean="0"/>
-              <a:t>3</a:t>
-            </a:fld>
-            <a:endParaRPr lang="zh-TW" altLang="en-US"/>
-          </a:p>
-        </p:txBody>
-      </p:sp>
-    </p:spTree>
-    <p:extLst>
-      <p:ext uri="{BB962C8B-B14F-4D97-AF65-F5344CB8AC3E}">
-        <p14:creationId xmlns:p14="http://schemas.microsoft.com/office/powerpoint/2010/main" val="2739105759"/>
       </p:ext>
     </p:extLst>
   </p:cSld>
@@ -13005,11 +15326,7 @@
             <a:pPr lvl="1"/>
             <a:r>
               <a:rPr lang="en-US" altLang="zh-TW" sz="1800" dirty="0" smtClean="0"/>
-              <a:t>Replica </a:t>
-            </a:r>
-            <a:r>
-              <a:rPr lang="en-US" altLang="zh-TW" sz="1800" dirty="0" smtClean="0"/>
-              <a:t>exchange</a:t>
+              <a:t>Replica exchange</a:t>
             </a:r>
           </a:p>
           <a:p>
@@ -13067,7 +15384,7 @@
           <a:p>
             <a:fld id="{4E5F59F2-AFC6-4CBC-9106-DE8E8FF73E8B}" type="datetime1">
               <a:rPr lang="zh-TW" altLang="en-US" smtClean="0"/>
-              <a:t>2021/1/21</a:t>
+              <a:t>2021/2/8</a:t>
             </a:fld>
             <a:endParaRPr lang="zh-TW" altLang="en-US"/>
           </a:p>
@@ -13410,7 +15727,7 @@
           <a:p>
             <a:fld id="{4E5F59F2-AFC6-4CBC-9106-DE8E8FF73E8B}" type="datetime1">
               <a:rPr lang="zh-TW" altLang="en-US" smtClean="0"/>
-              <a:t>2021/1/21</a:t>
+              <a:t>2021/2/8</a:t>
             </a:fld>
             <a:endParaRPr lang="zh-TW" altLang="en-US"/>
           </a:p>
@@ -13637,7 +15954,7 @@
           <a:p>
             <a:fld id="{4E5F59F2-AFC6-4CBC-9106-DE8E8FF73E8B}" type="datetime1">
               <a:rPr lang="zh-TW" altLang="en-US" smtClean="0"/>
-              <a:t>2021/1/21</a:t>
+              <a:t>2021/2/8</a:t>
             </a:fld>
             <a:endParaRPr lang="zh-TW" altLang="en-US"/>
           </a:p>
@@ -13782,6 +16099,13 @@
   <p:clrMapOvr>
     <a:masterClrMapping/>
   </p:clrMapOvr>
+  <p:timing>
+    <p:tnLst>
+      <p:par>
+        <p:cTn id="1" dur="indefinite" restart="never" nodeType="tmRoot"/>
+      </p:par>
+    </p:tnLst>
+  </p:timing>
 </p:sld>
 </file>
 
@@ -13886,7 +16210,7 @@
           <a:p>
             <a:fld id="{4E5F59F2-AFC6-4CBC-9106-DE8E8FF73E8B}" type="datetime1">
               <a:rPr lang="zh-TW" altLang="en-US" smtClean="0"/>
-              <a:t>2021/1/21</a:t>
+              <a:t>2021/2/8</a:t>
             </a:fld>
             <a:endParaRPr lang="zh-TW" altLang="en-US"/>
           </a:p>
@@ -13946,6 +16270,13 @@
   <p:clrMapOvr>
     <a:masterClrMapping/>
   </p:clrMapOvr>
+  <p:timing>
+    <p:tnLst>
+      <p:par>
+        <p:cTn id="1" dur="indefinite" restart="never" nodeType="tmRoot"/>
+      </p:par>
+    </p:tnLst>
+  </p:timing>
 </p:sld>
 </file>
 
@@ -14248,7 +16579,7 @@
           <a:p>
             <a:fld id="{4E5F59F2-AFC6-4CBC-9106-DE8E8FF73E8B}" type="datetime1">
               <a:rPr lang="zh-TW" altLang="en-US" smtClean="0"/>
-              <a:t>2021/1/21</a:t>
+              <a:t>2021/2/8</a:t>
             </a:fld>
             <a:endParaRPr lang="zh-TW" altLang="en-US"/>
           </a:p>
@@ -14487,7 +16818,7 @@
           <a:p>
             <a:fld id="{4E5F59F2-AFC6-4CBC-9106-DE8E8FF73E8B}" type="datetime1">
               <a:rPr lang="zh-TW" altLang="en-US" smtClean="0"/>
-              <a:t>2021/1/21</a:t>
+              <a:t>2021/2/8</a:t>
             </a:fld>
             <a:endParaRPr lang="zh-TW" altLang="en-US"/>
           </a:p>
@@ -14826,6 +17157,13 @@
   <p:clrMapOvr>
     <a:masterClrMapping/>
   </p:clrMapOvr>
+  <p:timing>
+    <p:tnLst>
+      <p:par>
+        <p:cTn id="1" dur="indefinite" restart="never" nodeType="tmRoot"/>
+      </p:par>
+    </p:tnLst>
+  </p:timing>
 </p:sld>
 </file>
 
